--- a/w8_plot3d/redirect_error/redirect_error.pptx
+++ b/w8_plot3d/redirect_error/redirect_error.pptx
@@ -4640,14 +4640,14 @@
           <inkml:channelProperty channel="OE" name="resolution" value="1000" units="1/deg"/>
         </inkml:channelProperties>
       </inkml:inkSource>
-      <inkml:timestamp xml:id="ts0" timeString="2024-11-12T06:32:37.540"/>
+      <inkml:timestamp xml:id="ts0" timeString="2024-11-12T06:33:36.059"/>
     </inkml:context>
     <inkml:brush xml:id="br0">
       <inkml:brushProperty name="width" value="0.2" units="cm"/>
       <inkml:brushProperty name="height" value="0.2" units="cm"/>
     </inkml:brush>
   </inkml:definitions>
-  <inkml:trace contextRef="#ctx0" brushRef="#br0">1 1 24 0 0,'5'3'3'0'0,"0"0"1"0"0,0 1-1 0 0,0 0 1 0 0,0-1 0 0 0,-1 2-1 0 0,0-1 1 0 0,5 6 0 0 0,24 37 30 0 0,-29-42-34 0 0,6 13 9 0 0,0 0-1 0 0,-1 0 0 0 0,0 1 1 0 0,-2 0-1 0 0,0 0 0 0 0,-2 1 0 0 0,0 0 1 0 0,-1 0-1 0 0,-1 0 0 0 0,1 29 0 0 0,-4 19 62 0 0,-14 121 0 0 0,2-67-45 0 0,6-39-7 0 0,4 0 0 0 0,4 1 0 0 0,13 92 0 0 0,-14-168-17 0 0,13 109 141 0 0,-14-105-126 0 0,0 0 0 0 0,0 0 0 0 0,-2-1 1 0 0,1 1-1 0 0,-1 0 0 0 0,-1-1 0 0 0,-7 22 0 0 0,10-33-16 0 0,0 0 0 0 0,0 1 0 0 0,0-1 0 0 0,0 0 0 0 0,0 0 0 0 0,0 1 0 0 0,-1-1 0 0 0,1 0 0 0 0,0 0 0 0 0,0 1 0 0 0,0-1 0 0 0,0 0 0 0 0,0 0 0 0 0,0 0 0 0 0,-1 1 0 0 0,1-1 0 0 0,0 0 0 0 0,0 0 0 0 0,0 0 0 0 0,0 0 0 0 0,-1 1 0 0 0,1-1 0 0 0,0 0 0 0 0,0 0 0 0 0,0 0 0 0 0,-1 0 0 0 0,1 0 0 0 0,0 0 0 0 0,0 0 0 0 0,-1 0 0 0 0,1 0 0 0 0,0 0 0 0 0,0 1 0 0 0,0-1 0 0 0,-1 0 0 0 0,1 0 0 0 0,0 0 0 0 0,0-1 0 0 0,-1 1 0 0 0,1 0 0 0 0,0 0 0 0 0,0 0 0 0 0,-1 0 0 0 0,1 0 0 0 0,-8-12 0 0 0,-3-19 0 0 0,3-5-44 0 0,2 0-1 0 0,-3-54 0 0 0,7 67 21 0 0,-1-6-66 0 0</inkml:trace>
+  <inkml:trace contextRef="#ctx0" brushRef="#br0">101 132 24 0 0,'1'-1'2'0'0,"0"1"1"0"0,0-1 0 0 0,1 1 0 0 0,-1-1 0 0 0,0 1 0 0 0,0-1 0 0 0,0 0 0 0 0,0 0-1 0 0,0 1 1 0 0,0-1 0 0 0,0 0 0 0 0,0 0 0 0 0,0 0 0 0 0,0 0 0 0 0,0 0 0 0 0,-1 0 0 0 0,1 0-1 0 0,0 0 1 0 0,-1-1 0 0 0,1 1 0 0 0,-1 0 0 0 0,1-3 0 0 0,10-31 137 0 0,-10 34-136 0 0,0-3 20 0 0,-1 0 1 0 0,1 0-1 0 0,-1 0 0 0 0,0 0 1 0 0,0 0-1 0 0,0 0 0 0 0,-1 0 0 0 0,1 1 1 0 0,-1-1-1 0 0,-2-7 0 0 0,3 10-18 0 0,-1 0-1 0 0,1 0 1 0 0,-1-1-1 0 0,1 1 1 0 0,-1 0 0 0 0,0 0-1 0 0,1 0 1 0 0,-1 0-1 0 0,0-1 1 0 0,0 1-1 0 0,0 0 1 0 0,0 0-1 0 0,0 1 1 0 0,0-1-1 0 0,0 0 1 0 0,0 0-1 0 0,0 0 1 0 0,0 1 0 0 0,0-1-1 0 0,-1 1 1 0 0,1-1-1 0 0,0 1 1 0 0,-1-1-1 0 0,1 1 1 0 0,0 0-1 0 0,-1-1 1 0 0,1 1-1 0 0,0 0 1 0 0,-1 0 0 0 0,1 0-1 0 0,0 0 1 0 0,-1 0-1 0 0,1 0 1 0 0,0 1-1 0 0,-2 0 1 0 0,0-1-1 0 0,0 2 0 0 0,1-1-1 0 0,-1 0 1 0 0,0 1 0 0 0,1-1 0 0 0,0 1 0 0 0,-1 0 0 0 0,1-1 0 0 0,0 1-1 0 0,0 0 1 0 0,0 1 0 0 0,0-1 0 0 0,0 0 0 0 0,-1 4 0 0 0,-4 5 33 0 0,-9 21 1 0 0,12-25-43 0 0,-2 9 16 0 0,1 0 0 0 0,0 0-1 0 0,1 0 1 0 0,1 1-1 0 0,0-1 1 0 0,2 1-1 0 0,-1 0 1 0 0,2-1-1 0 0,1 1 1 0 0,0 0 0 0 0,3 17-1 0 0,-2-27-6 0 0,0 0 0 0 0,0 0 1 0 0,1 0-1 0 0,-1-1 0 0 0,1 1 0 0 0,1-1 0 0 0,0 0 0 0 0,-1 0 0 0 0,2 0 0 0 0,-1-1 1 0 0,1 1-1 0 0,0-1 0 0 0,0 0 0 0 0,0 0 0 0 0,0-1 0 0 0,1 0 0 0 0,0 0 1 0 0,0 0-1 0 0,7 3 0 0 0,4 1 7 0 0,0 0 1 0 0,1-1-1 0 0,0-1 0 0 0,0-1 1 0 0,1 0-1 0 0,18 2 0 0 0,-17-5-1 0 0,-1 0 0 0 0,35-1-1 0 0,-48-1-7 0 0,0-1-1 0 0,-1 1 0 0 0,1-1 0 0 0,-1 0 0 0 0,1 0 0 0 0,-1-1 0 0 0,1 0 1 0 0,-1 0-1 0 0,0 0 0 0 0,1-1 0 0 0,-1 1 0 0 0,-1-1 0 0 0,1-1 0 0 0,4-3 0 0 0,-6 4-20 0 0,-1 0-1 0 0,0 0 0 0 0,0 0 0 0 0,0-1 1 0 0,-1 1-1 0 0,1-1 0 0 0,-1 1 0 0 0,1-1 1 0 0,-1 0-1 0 0,-1 1 0 0 0,1-1 0 0 0,0 0 1 0 0,-1 0-1 0 0,0-7 0 0 0,-1 3-340 0 0</inkml:trace>
 </inkml:ink>
 </file>
 
@@ -4671,14 +4671,14 @@
           <inkml:channelProperty channel="OE" name="resolution" value="1000" units="1/deg"/>
         </inkml:channelProperties>
       </inkml:inkSource>
-      <inkml:timestamp xml:id="ts0" timeString="2024-11-12T06:32:40.270"/>
+      <inkml:timestamp xml:id="ts0" timeString="2024-11-12T06:33:36.702"/>
     </inkml:context>
     <inkml:brush xml:id="br0">
       <inkml:brushProperty name="width" value="0.2" units="cm"/>
       <inkml:brushProperty name="height" value="0.2" units="cm"/>
     </inkml:brush>
   </inkml:definitions>
-  <inkml:trace contextRef="#ctx0" brushRef="#br0">4410 8 7 0 0,'0'0'5'0'0,"0"-1"-1"0"0,1 1 0 0 0,-1-1 0 0 0,0 1 0 0 0,1-1 0 0 0,-1 1 0 0 0,0-1 0 0 0,1 1 1 0 0,-1 0-1 0 0,0-1 0 0 0,1 1 0 0 0,-1-1 0 0 0,1 1 0 0 0,-1 0 0 0 0,1 0 0 0 0,-1-1 1 0 0,1 1-1 0 0,-1 0 0 0 0,2-1 99 0 0,-5 19-93 0 0,3-17-8 0 0,0 0-1 0 0,-1 0 0 0 0,1-1 0 0 0,0 1 0 0 0,-1 0 1 0 0,1 0-1 0 0,-1-1 0 0 0,1 1 0 0 0,-1 0 0 0 0,1-1 0 0 0,-1 1 1 0 0,0-1-1 0 0,1 1 0 0 0,-1-1 0 0 0,0 1 0 0 0,1-1 1 0 0,-1 1-1 0 0,0-1 0 0 0,0 1 0 0 0,1-1 0 0 0,-1 0 0 0 0,0 1 1 0 0,-1-1-1 0 0,-19 3 33 0 0,19-3-33 0 0,-41 3 26 0 0,-3-1 60 0 0,-52 10-1 0 0,58-7-44 0 0,0-1 0 0 0,-73-4 0 0 0,47-1 14 0 0,-19-1-11 0 0,35 0-14 0 0,-1 3 0 0 0,-63 7 0 0 0,51 0 33 0 0,-1-3 0 0 0,-81-5 0 0 0,104 1-64 0 0,-47 6 0 0 0,61-3 0 0 0,-1-1 0 0 0,1-2 0 0 0,-1-1 0 0 0,-50-6 0 0 0,10-7 0 0 0,-53-10 0 0 0,95 20 0 0 0,0 1 0 0 0,-46 3 0 0 0,-22 9 27 0 0,54-4 7 0 0,1-2 0 0 0,-43-1-1 0 0,56-6-33 0 0,-33-6 0 0 0,-19-2 0 0 0,23 10 23 0 0,-11 0 18 0 0,-249-23-41 0 0,290 23 16 0 0,0 1 0 0 0,1 0 0 0 0,-44 8 0 0 0,38-5-16 0 0,0-1 0 0 0,-57-3 0 0 0,21-1 0 0 0,-131 18 0 0 0,104-5 0 0 0,59-10 0 0 0,-1-1 0 0 0,0-2 0 0 0,-59-11 0 0 0,50 6 0 0 0,-68-2 0 0 0,77 10 0 0 0,-44 9 0 0 0,-12 0 0 0 0,68-11 0 0 0,0 0 0 0 0,0-1 0 0 0,0-1 0 0 0,-40-12 0 0 0,15 4 0 0 0,29 8 0 0 0,0 1 0 0 0,-1 1 0 0 0,1 0 0 0 0,-21 3 0 0 0,-10 0 0 0 0,13-3 0 0 0,-42 2 0 0 0,68 0 0 0 0,1 0 0 0 0,0 1 0 0 0,0 0 0 0 0,1 1 0 0 0,-17 6 0 0 0,17-4 0 0 0,1 0 0 0 0,1 1 0 0 0,-1 0 0 0 0,1 1 0 0 0,0-1 0 0 0,1 1 0 0 0,-9 12 0 0 0,8-11 0 0 0,-10 15 0 0 0,17-21 0 0 0,0 0 0 0 0,0-1 0 0 0,0 1 0 0 0,1 0 0 0 0,-1-1 0 0 0,1 1 0 0 0,-1 0 0 0 0,1-1 0 0 0,0 1 0 0 0,1 1 0 0 0,2 8 0 0 0,1 14 0 0 0,0 1 0 0 0,-2 0 0 0 0,-1 0 0 0 0,-2 32 0 0 0,-20 142 0 0 0,-2 21 0 0 0,21-204 0 0 0,1 130 0 0 0,1-112 0 0 0,2-1 0 0 0,10 43 0 0 0,-13-77 0 0 0,12 47 0 0 0,-3 1 0 0 0,-2-1 0 0 0,2 58 0 0 0,-10-88 0 0 0,-1-1 0 0 0,-6 31 0 0 0,1-11 0 0 0,6-33 0 0 0,1 1 0 0 0,0 0 0 0 0,0 0 0 0 0,0-1 0 0 0,0 1 0 0 0,0 0 0 0 0,1-1 0 0 0,0 1 0 0 0,0 0 0 0 0,0-1 0 0 0,2 5 0 0 0,-3-8 0 0 0,0 1 0 0 0,0-1 0 0 0,0 0 0 0 0,0 0 0 0 0,0 0 0 0 0,0 0 0 0 0,1 0 0 0 0,-1 1 0 0 0,0-1 0 0 0,0 0 0 0 0,0 0 0 0 0,0 0 0 0 0,0 0 0 0 0,0 0 0 0 0,1 0 0 0 0,-1 0 0 0 0,0 0 0 0 0,0 1 0 0 0,0-1 0 0 0,0 0 0 0 0,1 0 0 0 0,-1 0 0 0 0,0 0 0 0 0,0 0 0 0 0,0 0 0 0 0,0 0 0 0 0,1 0 0 0 0,-1 0 0 0 0,0 0 0 0 0,0 0 0 0 0,0 0 0 0 0,0 0 0 0 0,1 0 0 0 0,-1 0 0 0 0,0 0 0 0 0,0 0 0 0 0,0-1 0 0 0,0 1 0 0 0,0 0 0 0 0,1 0 0 0 0,-1 0 0 0 0,0 0 0 0 0,0 0 0 0 0,0 0 0 0 0,0 0 0 0 0,0 0 0 0 0,0-1 0 0 0,1 1 0 0 0,1-2 0 0 0,0-1 0 0 0,0 1 0 0 0,1-1 0 0 0,-1 1 0 0 0,1 0 0 0 0,-1 0 0 0 0,1 0 0 0 0,0 0 0 0 0,0 1 0 0 0,5-3 0 0 0,13-4 0 0 0,6-3 0 0 0,0 2 0 0 0,32-7 0 0 0,181-26 0 0 0,-188 35 0 0 0,0 2 0 0 0,90 3 0 0 0,-89 2 0 0 0,547-29 0 0 0,-519 25-53 0 0,124 11-1 0 0,-123-2-10 0 0,121-7 1 0 0,-140-3-37 0 0,72 4-1 0 0,-98 3 98 0 0,0 2 0 0 0,0 1 0 0 0,47 14-1 0 0,-49-8 4 0 0,0-2 0 0 0,1-1 0 0 0,0-3 0 0 0,55 3 0 0 0,-42-8 0 0 0,319 11 0 0 0,-347-9 0 0 0,183 10 0 0 0,-65-17 0 0 0,88 4 0 0 0,-119 14 0 0 0,29 2 0 0 0,-121-15 0 0 0,1-2 0 0 0,-1 0 0 0 0,1-1 0 0 0,-1 0 0 0 0,29-11 0 0 0,-21 7 0 0 0,35-7 0 0 0,-37 12 0 0 0,1 0 0 0 0,0 1 0 0 0,39 4 0 0 0,67 18 0 0 0,-75-12 0 0 0,0-3 0 0 0,82-1 0 0 0,-106-3 0 0 0,37 5 0 0 0,-23-1 0 0 0,-43-6 1 0 0,-1 1-1 0 0,1-1 1 0 0,-1 0-1 0 0,1 0 1 0 0,-1 0-1 0 0,0 0 0 0 0,1 0 1 0 0,-1 0-1 0 0,1 0 1 0 0,-1 0-1 0 0,1 0 1 0 0,-1 0-1 0 0,1 0 0 0 0,-1 0 1 0 0,1-1-1 0 0,-1 1 1 0 0,1 0-1 0 0,-1 0 0 0 0,1 0 1 0 0,-1-1-1 0 0,0 1 1 0 0,1 0-1 0 0,-1 0 1 0 0,0-1-1 0 0,1 1 0 0 0,0-1 1 0 0,-1 1 1 0 0,0-1 0 0 0,0 1-1 0 0,0-1 1 0 0,0 0 0 0 0,0 1 0 0 0,0-1 0 0 0,0 1 0 0 0,-1-1 0 0 0,1 1 0 0 0,0-1 0 0 0,0 1-1 0 0,0-1 1 0 0,0 1 0 0 0,-1-1 0 0 0,1 1 0 0 0,0-1 0 0 0,-1 1 0 0 0,1-1 0 0 0,-19-21 14 0 0,7 12-16 0 0</inkml:trace>
+  <inkml:trace contextRef="#ctx0" brushRef="#br0">133 101 111 0 0,'1'0'1'0'0,"-1"0"0"0"0,1-1-1 0 0,-1 1 1 0 0,1 0-1 0 0,-1-1 1 0 0,1 1-1 0 0,-1 0 1 0 0,1-1-1 0 0,-1 1 1 0 0,1-1 0 0 0,-1 1-1 0 0,1-1 1 0 0,-1 1-1 0 0,0-1 1 0 0,1 1-1 0 0,-1-1 1 0 0,0 1-1 0 0,0-1 1 0 0,1 1 0 0 0,-1-1-1 0 0,0 1 1 0 0,0-1-1 0 0,0 0 1 0 0,0 1-1 0 0,1-1 1 0 0,-1 1-1 0 0,0-1 1 0 0,0-1 0 0 0,1-20 30 0 0,-1 20-25 0 0,0-2 7 0 0,0 1 0 0 0,-1-1-1 0 0,1 1 1 0 0,-1-1 0 0 0,1 1 0 0 0,-1 0 0 0 0,0-1 0 0 0,0 1-1 0 0,-1 0 1 0 0,1 0 0 0 0,-1 0 0 0 0,1 0 0 0 0,-5-5 0 0 0,5 7-8 0 0,0 0 1 0 0,0 0 0 0 0,0 0-1 0 0,0 0 1 0 0,0 1 0 0 0,0-1-1 0 0,-1 0 1 0 0,1 0 0 0 0,0 1-1 0 0,0-1 1 0 0,-1 1 0 0 0,1-1-1 0 0,-1 1 1 0 0,1 0 0 0 0,0 0-1 0 0,-1-1 1 0 0,1 1 0 0 0,-1 0-1 0 0,1 0 1 0 0,-1 0 0 0 0,1 1-1 0 0,0-1 1 0 0,-1 0 0 0 0,1 0-1 0 0,-1 1 1 0 0,1-1 0 0 0,0 1-1 0 0,-1-1 1 0 0,1 1 0 0 0,0 0-1 0 0,0-1 1 0 0,0 1 0 0 0,-1 0-1 0 0,1 0 1 0 0,-1 1 0 0 0,-3 2-1 0 0,0 0 1 0 0,1 1-1 0 0,0 0 1 0 0,0-1-1 0 0,0 1 1 0 0,0 1-1 0 0,1-1 1 0 0,0 0 0 0 0,0 1-1 0 0,0 0 1 0 0,1 0-1 0 0,0-1 1 0 0,-2 8-1 0 0,-2 11 26 0 0,-5 46-1 0 0,2 50 34 0 0,8-107-56 0 0,2 0 0 0 0,0 0 0 0 0,1 0 0 0 0,0 0 0 0 0,0 0 0 0 0,2-1 0 0 0,5 16 0 0 0,-8-26-8 0 0,0 1 0 0 0,1 0 0 0 0,-1 0 0 0 0,1-1 0 0 0,-1 1 0 0 0,1-1 0 0 0,0 0 0 0 0,0 1 0 0 0,0-1 0 0 0,0 0 0 0 0,0 0 0 0 0,1 0 0 0 0,-1 0 0 0 0,0-1 0 0 0,1 1 0 0 0,0-1 0 0 0,-1 1 0 0 0,1-1 0 0 0,0 0 0 0 0,0 0 0 0 0,0 0 0 0 0,0 0 0 0 0,-1-1 0 0 0,1 1 0 0 0,0-1 0 0 0,0 0 0 0 0,6 0 0 0 0,-3 0 0 0 0,0-1 0 0 0,-1-1 0 0 0,1 1 0 0 0,0-1 0 0 0,0 0 0 0 0,-1 0 0 0 0,1-1 0 0 0,-1 1 0 0 0,0-1 0 0 0,0 0 0 0 0,0-1 0 0 0,9-7 0 0 0,-2-1 0 0 0,0-1 0 0 0,-1 0 0 0 0,-1-1 0 0 0,0 0 0 0 0,-1-1 0 0 0,-1 0 0 0 0,0 0 0 0 0,-1-1 0 0 0,-1 0 0 0 0,0 0 0 0 0,6-28 0 0 0,-11 37 1 0 0,0 1-1 0 0,0-1 1 0 0,-1 0-1 0 0,0 0 0 0 0,0 1 1 0 0,0-1-1 0 0,-1 0 1 0 0,0 0-1 0 0,-2-7 0 0 0,2 11-3 0 0,0-1-1 0 0,-1 0 0 0 0,1 1 0 0 0,-1-1 1 0 0,0 1-1 0 0,0 0 0 0 0,0 0 0 0 0,0-1 0 0 0,-1 1 1 0 0,1 1-1 0 0,-1-1 0 0 0,0 0 0 0 0,0 1 1 0 0,0-1-1 0 0,0 1 0 0 0,0 0 0 0 0,-5-3 0 0 0,0 2 4 0 0,-1 0 0 0 0,1 0 0 0 0,-1 0 0 0 0,0 1 0 0 0,0 0 0 0 0,0 1 0 0 0,0 0 0 0 0,-14 1 0 0 0,-75 8 0 0 0,85-6 0 0 0,12-3 2 0 0,0 1 0 0 0,-1 1 0 0 0,1-1 0 0 0,0 0 0 0 0,-1 0 0 0 0,1 0 0 0 0,0 1 0 0 0,-1-1 0 0 0,1 1 0 0 0,0-1 0 0 0,0 1 0 0 0,-1-1 0 0 0,1 1 0 0 0,0 0 0 0 0,0-1 0 0 0,0 1 0 0 0,0 0 0 0 0,0 0 0 0 0,0 0 0 0 0,0 0 0 0 0,0 0 0 0 0,0 0 0 0 0,1 0-1 0 0,-1 0 1 0 0,0 1 0 0 0,1-1 0 0 0,-1 0 0 0 0,1 0 0 0 0,-1 0 0 0 0,1 1 0 0 0,-1-1 0 0 0,1 0 0 0 0,0 1 0 0 0,0-1 0 0 0,0 0 0 0 0,-1 1 0 0 0,1-1 0 0 0,1 0 0 0 0,-1 1 0 0 0,0-1 0 0 0,0 0 0 0 0,0 1 0 0 0,1-1 0 0 0,-1 0 0 0 0,1 1 0 0 0,0 1-1 0 0,-1-2 3 0 0,1 0 0 0 0,-1 0 0 0 0,0 0 0 0 0,1 0 1 0 0,-1 0-1 0 0,1 0 0 0 0,-1 0 0 0 0,1 0 0 0 0,-1 0 0 0 0,1 0 0 0 0,0 0 0 0 0,0 0 0 0 0,-1 0 0 0 0,1-1 0 0 0,0 1 0 0 0,0 0 0 0 0,0-1 0 0 0,0 1 0 0 0,0 0 0 0 0,0-1 0 0 0,0 1 0 0 0,0-1 0 0 0,0 0 0 0 0,0 1 0 0 0,0-1 0 0 0,0 0 0 0 0,0 0 0 0 0,0 1 0 0 0,1-1 0 0 0,-1 0 0 0 0,0 0 0 0 0,0 0 0 0 0,2-1 0 0 0,2 0-8 0 0,1 0 0 0 0,-1-1 0 0 0,0 0 0 0 0,1 0 0 0 0,7-5 1 0 0,-2 2 13 0 0,1-1-10 0 0</inkml:trace>
 </inkml:ink>
 </file>
 
@@ -4702,14 +4702,14 @@
           <inkml:channelProperty channel="OE" name="resolution" value="1000" units="1/deg"/>
         </inkml:channelProperties>
       </inkml:inkSource>
-      <inkml:timestamp xml:id="ts0" timeString="2024-11-12T06:33:36.059"/>
+      <inkml:timestamp xml:id="ts0" timeString="2024-11-12T06:33:37.582"/>
     </inkml:context>
     <inkml:brush xml:id="br0">
       <inkml:brushProperty name="width" value="0.2" units="cm"/>
       <inkml:brushProperty name="height" value="0.2" units="cm"/>
     </inkml:brush>
   </inkml:definitions>
-  <inkml:trace contextRef="#ctx0" brushRef="#br0">101 132 24 0 0,'1'-1'2'0'0,"0"1"1"0"0,0-1 0 0 0,1 1 0 0 0,-1-1 0 0 0,0 1 0 0 0,0-1 0 0 0,0 0 0 0 0,0 0-1 0 0,0 1 1 0 0,0-1 0 0 0,0 0 0 0 0,0 0 0 0 0,0 0 0 0 0,0 0 0 0 0,0 0 0 0 0,-1 0 0 0 0,1 0-1 0 0,0 0 1 0 0,-1-1 0 0 0,1 1 0 0 0,-1 0 0 0 0,1-3 0 0 0,10-31 137 0 0,-10 34-136 0 0,0-3 20 0 0,-1 0 1 0 0,1 0-1 0 0,-1 0 0 0 0,0 0 1 0 0,0 0-1 0 0,0 0 0 0 0,-1 0 0 0 0,1 1 1 0 0,-1-1-1 0 0,-2-7 0 0 0,3 10-18 0 0,-1 0-1 0 0,1 0 1 0 0,-1-1-1 0 0,1 1 1 0 0,-1 0 0 0 0,0 0-1 0 0,1 0 1 0 0,-1 0-1 0 0,0-1 1 0 0,0 1-1 0 0,0 0 1 0 0,0 0-1 0 0,0 1 1 0 0,0-1-1 0 0,0 0 1 0 0,0 0-1 0 0,0 0 1 0 0,0 1 0 0 0,0-1-1 0 0,-1 1 1 0 0,1-1-1 0 0,0 1 1 0 0,-1-1-1 0 0,1 1 1 0 0,0 0-1 0 0,-1-1 1 0 0,1 1-1 0 0,0 0 1 0 0,-1 0 0 0 0,1 0-1 0 0,0 0 1 0 0,-1 0-1 0 0,1 0 1 0 0,0 1-1 0 0,-2 0 1 0 0,0-1-1 0 0,0 2 0 0 0,1-1-1 0 0,-1 0 1 0 0,0 1 0 0 0,1-1 0 0 0,0 1 0 0 0,-1 0 0 0 0,1-1 0 0 0,0 1-1 0 0,0 0 1 0 0,0 1 0 0 0,0-1 0 0 0,0 0 0 0 0,-1 4 0 0 0,-4 5 33 0 0,-9 21 1 0 0,12-25-43 0 0,-2 9 16 0 0,1 0 0 0 0,0 0-1 0 0,1 0 1 0 0,1 1-1 0 0,0-1 1 0 0,2 1-1 0 0,-1 0 1 0 0,2-1-1 0 0,1 1 1 0 0,0 0 0 0 0,3 17-1 0 0,-2-27-6 0 0,0 0 0 0 0,0 0 1 0 0,1 0-1 0 0,-1-1 0 0 0,1 1 0 0 0,1-1 0 0 0,0 0 0 0 0,-1 0 0 0 0,2 0 0 0 0,-1-1 1 0 0,1 1-1 0 0,0-1 0 0 0,0 0 0 0 0,0 0 0 0 0,0-1 0 0 0,1 0 0 0 0,0 0 1 0 0,0 0-1 0 0,7 3 0 0 0,4 1 7 0 0,0 0 1 0 0,1-1-1 0 0,0-1 0 0 0,0-1 1 0 0,1 0-1 0 0,18 2 0 0 0,-17-5-1 0 0,-1 0 0 0 0,35-1-1 0 0,-48-1-7 0 0,0-1-1 0 0,-1 1 0 0 0,1-1 0 0 0,-1 0 0 0 0,1 0 0 0 0,-1-1 0 0 0,1 0 1 0 0,-1 0-1 0 0,0 0 0 0 0,1-1 0 0 0,-1 1 0 0 0,-1-1 0 0 0,1-1 0 0 0,4-3 0 0 0,-6 4-20 0 0,-1 0-1 0 0,0 0 0 0 0,0 0 0 0 0,0-1 1 0 0,-1 1-1 0 0,1-1 0 0 0,-1 1 0 0 0,1-1 1 0 0,-1 0-1 0 0,-1 1 0 0 0,1-1 0 0 0,0 0 1 0 0,-1 0-1 0 0,0-7 0 0 0,-1 3-340 0 0</inkml:trace>
+  <inkml:trace contextRef="#ctx0" brushRef="#br0">1 24 24 0 0,'4'0'4'0'0,"0"-1"1"0"0,0 0 0 0 0,1 0 0 0 0,-1 0 0 0 0,0-1 0 0 0,0 1 0 0 0,4-3 0 0 0,18-6 19 0 0,-24 10-13 0 0,0-1-1 0 0,0 1 0 0 0,-1-1 0 0 0,1 1 1 0 0,0 0-1 0 0,0 0 0 0 0,0 0 0 0 0,0 0 1 0 0,0 0-1 0 0,-1 0 0 0 0,1 0 0 0 0,2 1 0 0 0,-2 0-1 0 0,-1 0-1 0 0,0 0 1 0 0,0 0-1 0 0,0 0 0 0 0,0 0 1 0 0,-1 0-1 0 0,1 0 1 0 0,0 0-1 0 0,0 0 0 0 0,-1 1 1 0 0,1-1-1 0 0,0 0 1 0 0,-1 0-1 0 0,1 1 0 0 0,-1-1 1 0 0,0 1-1 0 0,1 1 0 0 0,6 31 24 0 0,-1 0-1 0 0,-1 1 0 0 0,-2-1 1 0 0,-2 1-1 0 0,-4 48 0 0 0,3-73-18 0 0,-1 0 0 0 0,-1-1 0 0 0,0 1 0 0 0,-3 9-1 0 0,5-19-12 0 0,-1-2 0 0 0,1 1 0 0 0,-1 0 0 0 0,1-1 0 0 0,0 1 0 0 0,0 0 0 0 0,-1-1 0 0 0,1 1 0 0 0,0-1 0 0 0,0 1 0 0 0,0-1 0 0 0,0 1 0 0 0,0 0 0 0 0,1-1 0 0 0,-1 1 0 0 0,0-1 0 0 0,1-1 0 0 0,9-42-10 0 0,1-1-1 0 0,2 2 0 0 0,2-1 1 0 0,22-44-1 0 0,-36 87 10 0 0,0 0 0 0 0,0 0 0 0 0,1 0 0 0 0,-1 0 0 0 0,0 0 0 0 0,1 0 0 0 0,0 0 0 0 0,-1 0 0 0 0,1 1 0 0 0,0-1 0 0 0,0 1 0 0 0,4-3 0 0 0,-6 4 1 0 0,1-1 0 0 0,-1 1 0 0 0,1 0 0 0 0,-1 0 0 0 0,1 0 0 0 0,0 0 0 0 0,-1-1 0 0 0,1 1 0 0 0,-1 0 0 0 0,1 0 0 0 0,0 0 1 0 0,-1 0-1 0 0,1 0 0 0 0,-1 1 0 0 0,1-1 0 0 0,-1 0 0 0 0,1 0 0 0 0,0 0 0 0 0,-1 0 0 0 0,1 1 0 0 0,0-1 0 0 0,0 1 0 0 0,0 0 0 0 0,-1 0 0 0 0,1-1 1 0 0,0 1-1 0 0,0 0 0 0 0,-1 0 0 0 0,1 0 0 0 0,0 0 0 0 0,-1 0 0 0 0,1 0 0 0 0,-1 0 0 0 0,1 0 0 0 0,-1 0 0 0 0,1 3 0 0 0,1 8 0 0 0,-1 1 0 0 0,0-1 0 0 0,-1 1 0 0 0,0-1 0 0 0,-1 1 0 0 0,-3 18 0 0 0,0-1 0 0 0,-3 102 0 0 0,19-147 0 0 0,28-36 0 0 0,-23 30 0 0 0,-1-1 0 0 0,25-43 0 0 0,-23 26 0 0 0,-8 15 0 0 0,15-22 0 0 0,-25 45 0 0 0,1 0 0 0 0,-1 0 0 0 0,1 0 0 0 0,-1 1 0 0 0,1-1 0 0 0,-1 0 0 0 0,1 0 0 0 0,-1 1 0 0 0,1-1 0 0 0,0 0 0 0 0,-1 1 0 0 0,1-1 0 0 0,0 0 0 0 0,0 1 0 0 0,-1-1 0 0 0,1 1 0 0 0,0-1 0 0 0,0 1 0 0 0,0 0 0 0 0,0-1 0 0 0,0 1 0 0 0,0 0 0 0 0,-1 0 0 0 0,1 0 0 0 0,0-1 0 0 0,0 1 0 0 0,0 0 0 0 0,0 0 0 0 0,0 0 0 0 0,0 0 0 0 0,0 1 0 0 0,0-1 0 0 0,0 0 0 0 0,0 0 0 0 0,0 0 0 0 0,-1 1 0 0 0,1-1 0 0 0,0 1 0 0 0,0-1 0 0 0,0 0 0 0 0,0 1 0 0 0,-1 0 0 0 0,3 0 0 0 0,-1 2 0 0 0,0-1 0 0 0,1 1 0 0 0,-1-1 0 0 0,0 1 0 0 0,0 0 0 0 0,0 0 0 0 0,0 0 0 0 0,-1 0 0 0 0,0 0 0 0 0,3 7 0 0 0,13 77 0 0 0,-14-63 0 0 0,2-1 0 0 0,0 0 0 0 0,1 0 0 0 0,11 25 0 0 0,-16-46 0 0 0,0-1 0 0 0,-1 1 0 0 0,1-1 0 0 0,0 1 0 0 0,0-1 0 0 0,0 0 0 0 0,0 1 0 0 0,0-1 0 0 0,1 0 0 0 0,-1 0 0 0 0,0 0 0 0 0,1 1 0 0 0,-1-1 0 0 0,0-1 0 0 0,1 1 0 0 0,-1 0 0 0 0,1 0 0 0 0,-1 0 0 0 0,1-1 0 0 0,0 1 0 0 0,-1-1 0 0 0,1 0 0 0 0,0 1 0 0 0,-1-1 0 0 0,1 0 0 0 0,0 0 0 0 0,0 0 0 0 0,-1 0 0 0 0,4 0 0 0 0,3-2 0 0 0</inkml:trace>
 </inkml:ink>
 </file>
 
@@ -4765,68 +4765,6 @@
           <inkml:channelProperty channel="OE" name="resolution" value="1000" units="1/deg"/>
         </inkml:channelProperties>
       </inkml:inkSource>
-      <inkml:timestamp xml:id="ts0" timeString="2024-11-12T06:33:36.702"/>
-    </inkml:context>
-    <inkml:brush xml:id="br0">
-      <inkml:brushProperty name="width" value="0.2" units="cm"/>
-      <inkml:brushProperty name="height" value="0.2" units="cm"/>
-    </inkml:brush>
-  </inkml:definitions>
-  <inkml:trace contextRef="#ctx0" brushRef="#br0">133 101 111 0 0,'1'0'1'0'0,"-1"0"0"0"0,1-1-1 0 0,-1 1 1 0 0,1 0-1 0 0,-1-1 1 0 0,1 1-1 0 0,-1 0 1 0 0,1-1-1 0 0,-1 1 1 0 0,1-1 0 0 0,-1 1-1 0 0,1-1 1 0 0,-1 1-1 0 0,0-1 1 0 0,1 1-1 0 0,-1-1 1 0 0,0 1-1 0 0,0-1 1 0 0,1 1 0 0 0,-1-1-1 0 0,0 1 1 0 0,0-1-1 0 0,0 0 1 0 0,0 1-1 0 0,1-1 1 0 0,-1 1-1 0 0,0-1 1 0 0,0-1 0 0 0,1-20 30 0 0,-1 20-25 0 0,0-2 7 0 0,0 1 0 0 0,-1-1-1 0 0,1 1 1 0 0,-1-1 0 0 0,1 1 0 0 0,-1 0 0 0 0,0-1 0 0 0,0 1-1 0 0,-1 0 1 0 0,1 0 0 0 0,-1 0 0 0 0,1 0 0 0 0,-5-5 0 0 0,5 7-8 0 0,0 0 1 0 0,0 0 0 0 0,0 0-1 0 0,0 0 1 0 0,0 1 0 0 0,0-1-1 0 0,-1 0 1 0 0,1 0 0 0 0,0 1-1 0 0,0-1 1 0 0,-1 1 0 0 0,1-1-1 0 0,-1 1 1 0 0,1 0 0 0 0,0 0-1 0 0,-1-1 1 0 0,1 1 0 0 0,-1 0-1 0 0,1 0 1 0 0,-1 0 0 0 0,1 1-1 0 0,0-1 1 0 0,-1 0 0 0 0,1 0-1 0 0,-1 1 1 0 0,1-1 0 0 0,0 1-1 0 0,-1-1 1 0 0,1 1 0 0 0,0 0-1 0 0,0-1 1 0 0,0 1 0 0 0,-1 0-1 0 0,1 0 1 0 0,-1 1 0 0 0,-3 2-1 0 0,0 0 1 0 0,1 1-1 0 0,0 0 1 0 0,0-1-1 0 0,0 1 1 0 0,0 1-1 0 0,1-1 1 0 0,0 0 0 0 0,0 1-1 0 0,0 0 1 0 0,1 0-1 0 0,0-1 1 0 0,-2 8-1 0 0,-2 11 26 0 0,-5 46-1 0 0,2 50 34 0 0,8-107-56 0 0,2 0 0 0 0,0 0 0 0 0,1 0 0 0 0,0 0 0 0 0,0 0 0 0 0,2-1 0 0 0,5 16 0 0 0,-8-26-8 0 0,0 1 0 0 0,1 0 0 0 0,-1 0 0 0 0,1-1 0 0 0,-1 1 0 0 0,1-1 0 0 0,0 0 0 0 0,0 1 0 0 0,0-1 0 0 0,0 0 0 0 0,0 0 0 0 0,1 0 0 0 0,-1 0 0 0 0,0-1 0 0 0,1 1 0 0 0,0-1 0 0 0,-1 1 0 0 0,1-1 0 0 0,0 0 0 0 0,0 0 0 0 0,0 0 0 0 0,0 0 0 0 0,-1-1 0 0 0,1 1 0 0 0,0-1 0 0 0,0 0 0 0 0,6 0 0 0 0,-3 0 0 0 0,0-1 0 0 0,-1-1 0 0 0,1 1 0 0 0,0-1 0 0 0,0 0 0 0 0,-1 0 0 0 0,1-1 0 0 0,-1 1 0 0 0,0-1 0 0 0,0 0 0 0 0,0-1 0 0 0,9-7 0 0 0,-2-1 0 0 0,0-1 0 0 0,-1 0 0 0 0,-1-1 0 0 0,0 0 0 0 0,-1-1 0 0 0,-1 0 0 0 0,0 0 0 0 0,-1-1 0 0 0,-1 0 0 0 0,0 0 0 0 0,6-28 0 0 0,-11 37 1 0 0,0 1-1 0 0,0-1 1 0 0,-1 0-1 0 0,0 0 0 0 0,0 1 1 0 0,0-1-1 0 0,-1 0 1 0 0,0 0-1 0 0,-2-7 0 0 0,2 11-3 0 0,0-1-1 0 0,-1 0 0 0 0,1 1 0 0 0,-1-1 1 0 0,0 1-1 0 0,0 0 0 0 0,0 0 0 0 0,0-1 0 0 0,-1 1 1 0 0,1 1-1 0 0,-1-1 0 0 0,0 0 0 0 0,0 1 1 0 0,0-1-1 0 0,0 1 0 0 0,0 0 0 0 0,-5-3 0 0 0,0 2 4 0 0,-1 0 0 0 0,1 0 0 0 0,-1 0 0 0 0,0 1 0 0 0,0 0 0 0 0,0 1 0 0 0,0 0 0 0 0,-14 1 0 0 0,-75 8 0 0 0,85-6 0 0 0,12-3 2 0 0,0 1 0 0 0,-1 1 0 0 0,1-1 0 0 0,0 0 0 0 0,-1 0 0 0 0,1 0 0 0 0,0 1 0 0 0,-1-1 0 0 0,1 1 0 0 0,0-1 0 0 0,0 1 0 0 0,-1-1 0 0 0,1 1 0 0 0,0 0 0 0 0,0-1 0 0 0,0 1 0 0 0,0 0 0 0 0,0 0 0 0 0,0 0 0 0 0,0 0 0 0 0,0 0 0 0 0,0 0 0 0 0,1 0-1 0 0,-1 0 1 0 0,0 1 0 0 0,1-1 0 0 0,-1 0 0 0 0,1 0 0 0 0,-1 0 0 0 0,1 1 0 0 0,-1-1 0 0 0,1 0 0 0 0,0 1 0 0 0,0-1 0 0 0,0 0 0 0 0,-1 1 0 0 0,1-1 0 0 0,1 0 0 0 0,-1 1 0 0 0,0-1 0 0 0,0 0 0 0 0,0 1 0 0 0,1-1 0 0 0,-1 0 0 0 0,1 1 0 0 0,0 1-1 0 0,-1-2 3 0 0,1 0 0 0 0,-1 0 0 0 0,0 0 0 0 0,1 0 1 0 0,-1 0-1 0 0,1 0 0 0 0,-1 0 0 0 0,1 0 0 0 0,-1 0 0 0 0,1 0 0 0 0,0 0 0 0 0,0 0 0 0 0,-1 0 0 0 0,1-1 0 0 0,0 1 0 0 0,0 0 0 0 0,0-1 0 0 0,0 1 0 0 0,0 0 0 0 0,0-1 0 0 0,0 1 0 0 0,0-1 0 0 0,0 0 0 0 0,0 1 0 0 0,0-1 0 0 0,0 0 0 0 0,0 0 0 0 0,0 1 0 0 0,1-1 0 0 0,-1 0 0 0 0,0 0 0 0 0,0 0 0 0 0,2-1 0 0 0,2 0-8 0 0,1 0 0 0 0,-1-1 0 0 0,0 0 0 0 0,1 0 0 0 0,7-5 1 0 0,-2 2 13 0 0,1-1-10 0 0</inkml:trace>
-</inkml:ink>
-</file>
-
-<file path=ppt/ink/ink231.xml><?xml version="1.0" encoding="utf-8"?>
-<inkml:ink xmlns:inkml="http://www.w3.org/2003/InkML">
-  <inkml:definitions>
-    <inkml:context xml:id="ctx0">
-      <inkml:inkSource xml:id="inkSrc0">
-        <inkml:traceFormat>
-          <inkml:channel name="X" type="integer" min="-2.14748E9" max="2.14748E9" units="cm"/>
-          <inkml:channel name="Y" type="integer" min="-2.14748E9" max="2.14748E9" units="cm"/>
-          <inkml:channel name="F" type="integer" max="32767" units="dev"/>
-          <inkml:channel name="OA" type="integer" max="360" units="deg"/>
-          <inkml:channel name="OE" type="integer" max="90" units="deg"/>
-        </inkml:traceFormat>
-        <inkml:channelProperties>
-          <inkml:channelProperty channel="X" name="resolution" value="1000" units="1/cm"/>
-          <inkml:channelProperty channel="Y" name="resolution" value="1000" units="1/cm"/>
-          <inkml:channelProperty channel="F" name="resolution" value="0" units="1/dev"/>
-          <inkml:channelProperty channel="OA" name="resolution" value="1000" units="1/deg"/>
-          <inkml:channelProperty channel="OE" name="resolution" value="1000" units="1/deg"/>
-        </inkml:channelProperties>
-      </inkml:inkSource>
-      <inkml:timestamp xml:id="ts0" timeString="2024-11-12T06:33:37.582"/>
-    </inkml:context>
-    <inkml:brush xml:id="br0">
-      <inkml:brushProperty name="width" value="0.2" units="cm"/>
-      <inkml:brushProperty name="height" value="0.2" units="cm"/>
-    </inkml:brush>
-  </inkml:definitions>
-  <inkml:trace contextRef="#ctx0" brushRef="#br0">1 24 24 0 0,'4'0'4'0'0,"0"-1"1"0"0,0 0 0 0 0,1 0 0 0 0,-1 0 0 0 0,0-1 0 0 0,0 1 0 0 0,4-3 0 0 0,18-6 19 0 0,-24 10-13 0 0,0-1-1 0 0,0 1 0 0 0,-1-1 0 0 0,1 1 1 0 0,0 0-1 0 0,0 0 0 0 0,0 0 0 0 0,0 0 1 0 0,0 0-1 0 0,-1 0 0 0 0,1 0 0 0 0,2 1 0 0 0,-2 0-1 0 0,-1 0-1 0 0,0 0 1 0 0,0 0-1 0 0,0 0 0 0 0,0 0 1 0 0,-1 0-1 0 0,1 0 1 0 0,0 0-1 0 0,0 0 0 0 0,-1 1 1 0 0,1-1-1 0 0,0 0 1 0 0,-1 0-1 0 0,1 1 0 0 0,-1-1 1 0 0,0 1-1 0 0,1 1 0 0 0,6 31 24 0 0,-1 0-1 0 0,-1 1 0 0 0,-2-1 1 0 0,-2 1-1 0 0,-4 48 0 0 0,3-73-18 0 0,-1 0 0 0 0,-1-1 0 0 0,0 1 0 0 0,-3 9-1 0 0,5-19-12 0 0,-1-2 0 0 0,1 1 0 0 0,-1 0 0 0 0,1-1 0 0 0,0 1 0 0 0,0 0 0 0 0,-1-1 0 0 0,1 1 0 0 0,0-1 0 0 0,0 1 0 0 0,0-1 0 0 0,0 1 0 0 0,0 0 0 0 0,1-1 0 0 0,-1 1 0 0 0,0-1 0 0 0,1-1 0 0 0,9-42-10 0 0,1-1-1 0 0,2 2 0 0 0,2-1 1 0 0,22-44-1 0 0,-36 87 10 0 0,0 0 0 0 0,0 0 0 0 0,1 0 0 0 0,-1 0 0 0 0,0 0 0 0 0,1 0 0 0 0,0 0 0 0 0,-1 0 0 0 0,1 1 0 0 0,0-1 0 0 0,0 1 0 0 0,4-3 0 0 0,-6 4 1 0 0,1-1 0 0 0,-1 1 0 0 0,1 0 0 0 0,-1 0 0 0 0,1 0 0 0 0,0 0 0 0 0,-1-1 0 0 0,1 1 0 0 0,-1 0 0 0 0,1 0 0 0 0,0 0 1 0 0,-1 0-1 0 0,1 0 0 0 0,-1 1 0 0 0,1-1 0 0 0,-1 0 0 0 0,1 0 0 0 0,0 0 0 0 0,-1 0 0 0 0,1 1 0 0 0,0-1 0 0 0,0 1 0 0 0,0 0 0 0 0,-1 0 0 0 0,1-1 1 0 0,0 1-1 0 0,0 0 0 0 0,-1 0 0 0 0,1 0 0 0 0,0 0 0 0 0,-1 0 0 0 0,1 0 0 0 0,-1 0 0 0 0,1 0 0 0 0,-1 0 0 0 0,1 3 0 0 0,1 8 0 0 0,-1 1 0 0 0,0-1 0 0 0,-1 1 0 0 0,0-1 0 0 0,-1 1 0 0 0,-3 18 0 0 0,0-1 0 0 0,-3 102 0 0 0,19-147 0 0 0,28-36 0 0 0,-23 30 0 0 0,-1-1 0 0 0,25-43 0 0 0,-23 26 0 0 0,-8 15 0 0 0,15-22 0 0 0,-25 45 0 0 0,1 0 0 0 0,-1 0 0 0 0,1 0 0 0 0,-1 1 0 0 0,1-1 0 0 0,-1 0 0 0 0,1 0 0 0 0,-1 1 0 0 0,1-1 0 0 0,0 0 0 0 0,-1 1 0 0 0,1-1 0 0 0,0 0 0 0 0,0 1 0 0 0,-1-1 0 0 0,1 1 0 0 0,0-1 0 0 0,0 1 0 0 0,0 0 0 0 0,0-1 0 0 0,0 1 0 0 0,0 0 0 0 0,-1 0 0 0 0,1 0 0 0 0,0-1 0 0 0,0 1 0 0 0,0 0 0 0 0,0 0 0 0 0,0 0 0 0 0,0 0 0 0 0,0 1 0 0 0,0-1 0 0 0,0 0 0 0 0,0 0 0 0 0,0 0 0 0 0,-1 1 0 0 0,1-1 0 0 0,0 1 0 0 0,0-1 0 0 0,0 0 0 0 0,0 1 0 0 0,-1 0 0 0 0,3 0 0 0 0,-1 2 0 0 0,0-1 0 0 0,1 1 0 0 0,-1-1 0 0 0,0 1 0 0 0,0 0 0 0 0,0 0 0 0 0,0 0 0 0 0,-1 0 0 0 0,0 0 0 0 0,3 7 0 0 0,13 77 0 0 0,-14-63 0 0 0,2-1 0 0 0,0 0 0 0 0,1 0 0 0 0,11 25 0 0 0,-16-46 0 0 0,0-1 0 0 0,-1 1 0 0 0,1-1 0 0 0,0 1 0 0 0,0-1 0 0 0,0 0 0 0 0,0 1 0 0 0,0-1 0 0 0,1 0 0 0 0,-1 0 0 0 0,0 0 0 0 0,1 1 0 0 0,-1-1 0 0 0,0-1 0 0 0,1 1 0 0 0,-1 0 0 0 0,1 0 0 0 0,-1 0 0 0 0,1-1 0 0 0,0 1 0 0 0,-1-1 0 0 0,1 0 0 0 0,0 1 0 0 0,-1-1 0 0 0,1 0 0 0 0,0 0 0 0 0,0 0 0 0 0,-1 0 0 0 0,4 0 0 0 0,3-2 0 0 0</inkml:trace>
-</inkml:ink>
-</file>
-
-<file path=ppt/ink/ink232.xml><?xml version="1.0" encoding="utf-8"?>
-<inkml:ink xmlns:inkml="http://www.w3.org/2003/InkML">
-  <inkml:definitions>
-    <inkml:context xml:id="ctx0">
-      <inkml:inkSource xml:id="inkSrc0">
-        <inkml:traceFormat>
-          <inkml:channel name="X" type="integer" min="-2.14748E9" max="2.14748E9" units="cm"/>
-          <inkml:channel name="Y" type="integer" min="-2.14748E9" max="2.14748E9" units="cm"/>
-          <inkml:channel name="F" type="integer" max="32767" units="dev"/>
-          <inkml:channel name="OA" type="integer" max="360" units="deg"/>
-          <inkml:channel name="OE" type="integer" max="90" units="deg"/>
-        </inkml:traceFormat>
-        <inkml:channelProperties>
-          <inkml:channelProperty channel="X" name="resolution" value="1000" units="1/cm"/>
-          <inkml:channelProperty channel="Y" name="resolution" value="1000" units="1/cm"/>
-          <inkml:channelProperty channel="F" name="resolution" value="0" units="1/dev"/>
-          <inkml:channelProperty channel="OA" name="resolution" value="1000" units="1/deg"/>
-          <inkml:channelProperty channel="OE" name="resolution" value="1000" units="1/deg"/>
-        </inkml:channelProperties>
-      </inkml:inkSource>
       <inkml:timestamp xml:id="ts0" timeString="2024-11-12T06:33:38.381"/>
     </inkml:context>
     <inkml:brush xml:id="br0">
@@ -4838,7 +4776,7 @@
 </inkml:ink>
 </file>
 
-<file path=ppt/ink/ink233.xml><?xml version="1.0" encoding="utf-8"?>
+<file path=ppt/ink/ink231.xml><?xml version="1.0" encoding="utf-8"?>
 <inkml:ink xmlns:inkml="http://www.w3.org/2003/InkML">
   <inkml:definitions>
     <inkml:context xml:id="ctx0">
@@ -4869,7 +4807,7 @@
 </inkml:ink>
 </file>
 
-<file path=ppt/ink/ink234.xml><?xml version="1.0" encoding="utf-8"?>
+<file path=ppt/ink/ink232.xml><?xml version="1.0" encoding="utf-8"?>
 <inkml:ink xmlns:inkml="http://www.w3.org/2003/InkML">
   <inkml:definitions>
     <inkml:context xml:id="ctx0">
@@ -4897,6 +4835,224 @@
     </inkml:brush>
   </inkml:definitions>
   <inkml:trace contextRef="#ctx0" brushRef="#br0">188 554 24 0 0,'1'-2'-1'0'0,"0"1"1"0"0,0-1 0 0 0,0 1 0 0 0,0-1 0 0 0,0 1 0 0 0,0-1 0 0 0,-1 0 0 0 0,1 0 0 0 0,0 1 0 0 0,-1-1 0 0 0,0 0 0 0 0,1 0 0 0 0,-1 0 0 0 0,0 0 0 0 0,0 1 0 0 0,0-1 0 0 0,0 0 0 0 0,-1 0 0 0 0,1 0 0 0 0,0 1 0 0 0,-1-1 0 0 0,1 0 0 0 0,-1 0 0 0 0,-1-2 0 0 0,1 2 0 0 0,1 0 1 0 0,-1 0-1 0 0,0 0 1 0 0,-1 0-1 0 0,1 0 1 0 0,0 0-1 0 0,0 0 1 0 0,-1 0 0 0 0,1 1-1 0 0,-1-1 1 0 0,0 1-1 0 0,1-1 1 0 0,-1 1-1 0 0,0 0 1 0 0,0 0-1 0 0,0-1 1 0 0,0 1 0 0 0,0 0-1 0 0,0 1 1 0 0,-3-2-1 0 0,1 2 3 0 0,0 0 0 0 0,1 0 0 0 0,-1 0-1 0 0,0 1 1 0 0,1-1 0 0 0,-1 1 0 0 0,0 0 0 0 0,1 0-1 0 0,-1 0 1 0 0,1 1 0 0 0,-1-1 0 0 0,1 1 0 0 0,0 0-1 0 0,-1 0 1 0 0,1 0 0 0 0,0 0 0 0 0,1 0 0 0 0,-6 5-1 0 0,-2 3 12 0 0,0 1-1 0 0,1 0 0 0 0,-12 18 1 0 0,16-20-7 0 0,0 1 0 0 0,0-1 1 0 0,1 0-1 0 0,0 1 0 0 0,1 0 0 0 0,0 0 1 0 0,-2 11-1 0 0,3-13-5 0 0,1-1 0 0 0,1 0 1 0 0,-1 0-1 0 0,1 1 0 0 0,0-1 1 0 0,1 0-1 0 0,0 0 0 0 0,0 1 0 0 0,0-1 1 0 0,1 0-1 0 0,3 7 0 0 0,-5-13 1 0 0,1 1 0 0 0,0 0 0 0 0,-1 0 0 0 0,1-1 0 0 0,0 1 0 0 0,0 0 0 0 0,0-1-1 0 0,0 1 1 0 0,1-1 0 0 0,-1 1 0 0 0,0-1 0 0 0,1 0 0 0 0,-1 0 0 0 0,0 1 0 0 0,1-1 0 0 0,0 0 0 0 0,-1 0-1 0 0,1 0 1 0 0,0-1 0 0 0,-1 1 0 0 0,1 0 0 0 0,0-1 0 0 0,0 1 0 0 0,0-1 0 0 0,-1 1 0 0 0,1-1 0 0 0,0 0 0 0 0,0 0-1 0 0,0 0 1 0 0,0 0 0 0 0,0 0 0 0 0,0 0 0 0 0,-1 0 0 0 0,1-1 0 0 0,3 0 0 0 0,0-1-2 0 0,-1 0 0 0 0,1 0 0 0 0,-1 0 0 0 0,0-1 0 0 0,1 0 0 0 0,-1 0 0 0 0,0 0 0 0 0,-1 0 0 0 0,1-1 0 0 0,-1 1 0 0 0,1-1 0 0 0,3-5-1 0 0,9-15 0 0 0,-2-1 0 0 0,17-40 0 0 0,16-57 0 0 0,-22 45 0 0 0,-3 0 0 0 0,-4-2 0 0 0,14-137 0 0 0,-32 213 0 0 0,1-21 0 0 0,-1 23 0 0 0,0 0 0 0 0,0 0 0 0 0,0 0 0 0 0,0 0 0 0 0,0 0 0 0 0,-1 0 0 0 0,1 0 0 0 0,0 1 0 0 0,-1-1 0 0 0,1 0 0 0 0,0 0 0 0 0,-1 0 0 0 0,1 0 0 0 0,-1 1 0 0 0,1-1 0 0 0,-1 0 0 0 0,1 0 0 0 0,-1 1 0 0 0,0-1 0 0 0,-1-1 0 0 0,1 4 0 0 0,-1-1 0 0 0,0 0 0 0 0,1 1 0 0 0,-1-1 0 0 0,1 1 0 0 0,-1-1 0 0 0,1 1 0 0 0,0 0 0 0 0,-3 3 0 0 0,0 5 0 0 0,-1 0 0 0 0,1 0 0 0 0,1 0 0 0 0,0 1 0 0 0,0-1 0 0 0,-2 22 0 0 0,1-4 0 0 0,-4 18 0 0 0,3 1 0 0 0,2 1 0 0 0,3 61 0 0 0,25 141 0 0 0,-23-231 0 0 0,1 1 0 0 0,1-1 0 0 0,1-1 0 0 0,1 1 0 0 0,0-1 0 0 0,12 24 0 0 0,-17-40 0 0 0,0 0 0 0 0,0-1 0 0 0,1 1 0 0 0,-1 0 0 0 0,1 0 0 0 0,-1-1 0 0 0,1 1 0 0 0,-1-1 0 0 0,5 3 0 0 0,-1-2 0 0 0</inkml:trace>
+</inkml:ink>
+</file>
+
+<file path=ppt/ink/ink233.xml><?xml version="1.0" encoding="utf-8"?>
+<inkml:ink xmlns:inkml="http://www.w3.org/2003/InkML">
+  <inkml:definitions>
+    <inkml:context xml:id="ctx0">
+      <inkml:inkSource xml:id="inkSrc0">
+        <inkml:traceFormat>
+          <inkml:channel name="X" type="integer" min="-2.14748E9" max="2.14748E9" units="cm"/>
+          <inkml:channel name="Y" type="integer" min="-2.14748E9" max="2.14748E9" units="cm"/>
+          <inkml:channel name="F" type="integer" max="32767" units="dev"/>
+          <inkml:channel name="OA" type="integer" max="360" units="deg"/>
+          <inkml:channel name="OE" type="integer" max="90" units="deg"/>
+        </inkml:traceFormat>
+        <inkml:channelProperties>
+          <inkml:channelProperty channel="X" name="resolution" value="1000" units="1/cm"/>
+          <inkml:channelProperty channel="Y" name="resolution" value="1000" units="1/cm"/>
+          <inkml:channelProperty channel="F" name="resolution" value="0" units="1/dev"/>
+          <inkml:channelProperty channel="OA" name="resolution" value="1000" units="1/deg"/>
+          <inkml:channelProperty channel="OE" name="resolution" value="1000" units="1/deg"/>
+        </inkml:channelProperties>
+      </inkml:inkSource>
+      <inkml:timestamp xml:id="ts0" timeString="2024-11-12T07:05:44.993"/>
+    </inkml:context>
+    <inkml:brush xml:id="br0">
+      <inkml:brushProperty name="width" value="0.2" units="cm"/>
+      <inkml:brushProperty name="height" value="0.2" units="cm"/>
+    </inkml:brush>
+  </inkml:definitions>
+  <inkml:trace contextRef="#ctx0" brushRef="#br0">271 697 24 0 0,'1'-1'-1'0'0,"0"1"1"0"0,0-1 0 0 0,0 1 0 0 0,0-1-1 0 0,0 1 1 0 0,0-1 0 0 0,0 0 0 0 0,0 1 0 0 0,-1-1-1 0 0,1 0 1 0 0,0 0 0 0 0,0 0 0 0 0,-1 0 0 0 0,1 1-1 0 0,0-1 1 0 0,-1 0 0 0 0,1 0 0 0 0,-1 0-1 0 0,1-1 1 0 0,-1 1 0 0 0,1-1 0 0 0,0 0 4 0 0,0 0 1 0 0,-1 1-1 0 0,1-1 1 0 0,-1 0-1 0 0,1 0 1 0 0,-1 0-1 0 0,0 0 1 0 0,1 0-1 0 0,-1 0 0 0 0,0 0 1 0 0,0 0-1 0 0,-1-2 1 0 0,-1 0 3 0 0,0 0 0 0 0,0 1 0 0 0,0 0 0 0 0,0-1 0 0 0,0 1 0 0 0,-1 0 0 0 0,0 0 0 0 0,0 0 0 0 0,0 1 0 0 0,0-1 0 0 0,0 1 0 0 0,0-1 0 0 0,0 1 0 0 0,-1 0 0 0 0,0 0 0 0 0,1 1 0 0 0,-7-3 0 0 0,3 2 3 0 0,1 0 0 0 0,-1 0 1 0 0,0 1-1 0 0,0 0 0 0 0,1 1 0 0 0,-1-1 0 0 0,0 1 0 0 0,0 1 1 0 0,-11 1-1 0 0,12-1-9 0 0,-1 1-1 0 0,1 0 1 0 0,0 0 0 0 0,0 0-1 0 0,0 1 1 0 0,0 0 0 0 0,0 0 0 0 0,1 0-1 0 0,-1 1 1 0 0,1 0 0 0 0,-8 7-1 0 0,6-4 3 0 0,1 1-1 0 0,0-1 0 0 0,0 1 0 0 0,1 0 0 0 0,0 0 0 0 0,1 1 0 0 0,-5 11 0 0 0,2-1 1 0 0,1 0-1 0 0,1 0 1 0 0,1 0 0 0 0,1 1-1 0 0,0 0 1 0 0,2-1 0 0 0,1 25-1 0 0,0-30-3 0 0,1 0 0 0 0,1 0 0 0 0,0-1 0 0 0,8 22 0 0 0,-9-29 0 0 0,1-1 0 0 0,0 0 0 0 0,1 1 0 0 0,-1-1 0 0 0,1 0 0 0 0,0-1 0 0 0,0 1 0 0 0,1 0 0 0 0,0-1 0 0 0,-1 0 0 0 0,1 0 0 0 0,1 0 0 0 0,7 6 0 0 0,-10-9 0 0 0,0 0 0 0 0,-1 0 0 0 0,1 0 0 0 0,0 0 0 0 0,0-1 0 0 0,0 1 0 0 0,0-1 0 0 0,0 1 0 0 0,0-1 0 0 0,0 0 0 0 0,0 0 0 0 0,0 0 0 0 0,0 0 0 0 0,0 0 0 0 0,0 0 0 0 0,3-1 0 0 0,-1 0 0 0 0,-1 0 0 0 0,0-1 0 0 0,1 1 0 0 0,-1-1 0 0 0,0 0 0 0 0,0 0 0 0 0,0 0 0 0 0,5-4 0 0 0,-2 0 0 0 0,1-1 0 0 0,-1 0 0 0 0,0-1 0 0 0,0 1 0 0 0,-1-1 0 0 0,6-11 0 0 0,0-6 8 0 0,-1 1 0 0 0,-1-1-1 0 0,7-33 1 0 0,10-81 25 0 0,-24 128-33 0 0,45-410 0 0 0,-46 406 0 0 0,2-85 0 0 0,-4 81 0 0 0,0 1 0 0 0,-1 0 0 0 0,-6-26 0 0 0,-5 10 0 0 0,12 33 0 0 0,0-1 0 0 0,0 0 0 0 0,0 1 0 0 0,0-1 0 0 0,0 1 0 0 0,0-1 0 0 0,0 1 0 0 0,0 0 0 0 0,0-1 0 0 0,-1 1 0 0 0,1 0 0 0 0,-1 0 0 0 0,1 0 0 0 0,-1 0 0 0 0,1 0 0 0 0,-1 0 0 0 0,-2 0 0 0 0,3 1 0 0 0,0 0 0 0 0,0 0 0 0 0,0 0 0 0 0,1 0 0 0 0,-1 0 0 0 0,0 1 0 0 0,0-1 0 0 0,0 0 0 0 0,0 1 0 0 0,0-1 0 0 0,1 1 0 0 0,-1-1 0 0 0,0 1 0 0 0,0-1 0 0 0,1 1 0 0 0,-1 0 0 0 0,0-1 0 0 0,1 1 0 0 0,-1 0 0 0 0,0-1 0 0 0,1 1 0 0 0,-1 0 0 0 0,0 1 0 0 0,-11 21 0 0 0,10-19 0 0 0,-8 23 0 0 0,1 0 0 0 0,1 0 0 0 0,1 1 0 0 0,1 0 0 0 0,-3 53 0 0 0,7-42 0 0 0,1 1 0 0 0,2-1 0 0 0,2 0 0 0 0,1 0 0 0 0,2 0 0 0 0,2 0 0 0 0,1-1 0 0 0,29 72 0 0 0,14 9 0 0 0,-38-91 0 0 0,1 0 0 0 0,22 28 0 0 0,-32-49 0 0 0,1 1 0 0 0,0-2 0 0 0,0 1 0 0 0,1-1 0 0 0,0 0 0 0 0,0 0 0 0 0,15 9 0 0 0,-20-14 0 0 0,1 0 0 0 0,-1 0 0 0 0,0 0 0 0 0,1 0 0 0 0,-1 0 0 0 0,1 0 0 0 0,-1 0 0 0 0,1-1 0 0 0,0 1 0 0 0,-1-1 0 0 0,1 0 0 0 0,0 0 0 0 0,-1 0 0 0 0,1 0 0 0 0,-1 0 0 0 0,1-1 0 0 0,0 1 0 0 0,-1-1 0 0 0,1 0 0 0 0,-1 0 0 0 0,1 0 0 0 0,-1 0 0 0 0,1 0 0 0 0,-1 0 0 0 0,0 0 0 0 0,0-1 0 0 0,0 1 0 0 0,1-1 0 0 0,-2 0 0 0 0,1 0 0 0 0,3-2 0 0 0,-2-1 0 0 0,0 1 0 0 0,0-1 0 0 0,0 0 0 0 0,0 0 0 0 0,-1 0 0 0 0,0 0 0 0 0,0-1 0 0 0,0 1 0 0 0,1-9 0 0 0,0-3 0 0 0,2-32 0 0 0,-5 30 0 0 0</inkml:trace>
+</inkml:ink>
+</file>
+
+<file path=ppt/ink/ink234.xml><?xml version="1.0" encoding="utf-8"?>
+<inkml:ink xmlns:inkml="http://www.w3.org/2003/InkML">
+  <inkml:definitions>
+    <inkml:context xml:id="ctx0">
+      <inkml:inkSource xml:id="inkSrc0">
+        <inkml:traceFormat>
+          <inkml:channel name="X" type="integer" min="-2.14748E9" max="2.14748E9" units="cm"/>
+          <inkml:channel name="Y" type="integer" min="-2.14748E9" max="2.14748E9" units="cm"/>
+          <inkml:channel name="F" type="integer" max="32767" units="dev"/>
+          <inkml:channel name="OA" type="integer" max="360" units="deg"/>
+          <inkml:channel name="OE" type="integer" max="90" units="deg"/>
+        </inkml:traceFormat>
+        <inkml:channelProperties>
+          <inkml:channelProperty channel="X" name="resolution" value="1000" units="1/cm"/>
+          <inkml:channelProperty channel="Y" name="resolution" value="1000" units="1/cm"/>
+          <inkml:channelProperty channel="F" name="resolution" value="0" units="1/dev"/>
+          <inkml:channelProperty channel="OA" name="resolution" value="1000" units="1/deg"/>
+          <inkml:channelProperty channel="OE" name="resolution" value="1000" units="1/deg"/>
+        </inkml:channelProperties>
+      </inkml:inkSource>
+      <inkml:timestamp xml:id="ts0" timeString="2024-11-12T07:05:45.369"/>
+    </inkml:context>
+    <inkml:brush xml:id="br0">
+      <inkml:brushProperty name="width" value="0.2" units="cm"/>
+      <inkml:brushProperty name="height" value="0.2" units="cm"/>
+    </inkml:brush>
+  </inkml:definitions>
+  <inkml:trace contextRef="#ctx0" brushRef="#br0">0 65 24 0 0,'7'-7'-4'0'0,"-2"1"12"0"0,1 0 0 0 0,-1 1-1 0 0,1 0 1 0 0,1 0 0 0 0,-1 0 0 0 0,0 1 0 0 0,1 0 0 0 0,0 0-1 0 0,9-4 1 0 0,-9 5 35 0 0,0 0-32 0 0,-7 3-11 0 0,0 0 0 0 0,0 0 0 0 0,0 0 0 0 0,0 1 0 0 0,0-1 0 0 0,0 0 0 0 0,0 0 0 0 0,0 0 0 0 0,0 0 0 0 0,0 0 0 0 0,0 0 0 0 0,0 0 0 0 0,0 0 0 0 0,0 0 0 0 0,0 0 0 0 0,-1 0 0 0 0,1 0 0 0 0,0 0 0 0 0,0 0 0 0 0,0 0 0 0 0,0 0 0 0 0,0 1 0 0 0,0-1 0 0 0,0 0 0 0 0,0 0 0 0 0,0 0 0 0 0,0 0 0 0 0,0 0 0 0 0,0 0 0 0 0,0 0 0 0 0,0 0 0 0 0,0 0 0 0 0,0 0 0 0 0,0 0 0 0 0,0 0 0 0 0,0 0 0 0 0,0 1 0 0 0,0-1 0 0 0,1 0 0 0 0,-1 0 0 0 0,0 0 0 0 0,0 0 0 0 0,0 0 0 0 0,0 0 0 0 0,0 0 0 0 0,0 0 0 0 0,0 0 0 0 0,0 0 0 0 0,0 0 0 0 0,0 0 0 0 0,0 0 0 0 0,0 0 0 0 0,0 0 0 0 0,0 0 0 0 0,0 0 0 0 0,0 0 0 0 0,0 0 0 0 0,1 0 0 0 0,-1 0 0 0 0,0 0 0 0 0,0 0 0 0 0,0 0 0 0 0,0 0 0 0 0,0 0 0 0 0,0 0 0 0 0,0 0 0 0 0,0 0 0 0 0,0 0 0 0 0,0 0-1 0 0,-1 5 1 0 0</inkml:trace>
+</inkml:ink>
+</file>
+
+<file path=ppt/ink/ink235.xml><?xml version="1.0" encoding="utf-8"?>
+<inkml:ink xmlns:inkml="http://www.w3.org/2003/InkML">
+  <inkml:definitions>
+    <inkml:context xml:id="ctx0">
+      <inkml:inkSource xml:id="inkSrc0">
+        <inkml:traceFormat>
+          <inkml:channel name="X" type="integer" min="-2.14748E9" max="2.14748E9" units="cm"/>
+          <inkml:channel name="Y" type="integer" min="-2.14748E9" max="2.14748E9" units="cm"/>
+          <inkml:channel name="F" type="integer" max="32767" units="dev"/>
+          <inkml:channel name="OA" type="integer" max="360" units="deg"/>
+          <inkml:channel name="OE" type="integer" max="90" units="deg"/>
+        </inkml:traceFormat>
+        <inkml:channelProperties>
+          <inkml:channelProperty channel="X" name="resolution" value="1000" units="1/cm"/>
+          <inkml:channelProperty channel="Y" name="resolution" value="1000" units="1/cm"/>
+          <inkml:channelProperty channel="F" name="resolution" value="0" units="1/dev"/>
+          <inkml:channelProperty channel="OA" name="resolution" value="1000" units="1/deg"/>
+          <inkml:channelProperty channel="OE" name="resolution" value="1000" units="1/deg"/>
+        </inkml:channelProperties>
+      </inkml:inkSource>
+      <inkml:timestamp xml:id="ts0" timeString="2024-11-12T07:05:45.715"/>
+    </inkml:context>
+    <inkml:brush xml:id="br0">
+      <inkml:brushProperty name="width" value="0.2" units="cm"/>
+      <inkml:brushProperty name="height" value="0.2" units="cm"/>
+    </inkml:brush>
+  </inkml:definitions>
+  <inkml:trace contextRef="#ctx0" brushRef="#br0">1 429 55 0 0,'5'3'3'0'0,"-1"1"0"0"0,1-1-1 0 0,0 1 1 0 0,-1 0 0 0 0,0 0-1 0 0,0 0 1 0 0,0 0 0 0 0,0 1-1 0 0,-1-1 1 0 0,1 1 0 0 0,2 6-1 0 0,4 9 14 0 0,12 32 0 0 0,-15-34 7 0 0,-1 1-1 0 0,6 31 0 0 0,-10-41-23 0 0,-1 1 1 0 0,-1 0 0 0 0,1-1 0 0 0,-1 1-1 0 0,-1 0 1 0 0,0-1 0 0 0,-3 14-1 0 0,3-21 1 0 0,1-6 0 0 0,2 1 0 0 0</inkml:trace>
+  <inkml:trace contextRef="#ctx0" brushRef="#br0" timeOffset="1">217 338 55 0 0,'4'-8'0'0'0,"0"1"0"0"0,0 0 0 0 0,7-7 0 0 0,-9 11 0 0 0,0 1 0 0 0,0 0 0 0 0,0 0 0 0 0,0 0 0 0 0,0 0 0 0 0,0 0 0 0 0,1 1 0 0 0,-1-1 0 0 0,0 1 0 0 0,1 0 0 0 0,0-1 0 0 0,4 0 0 0 0,-5 2 2 0 0,0 0-1 0 0,0 0 0 0 0,0 0 1 0 0,-1 0-1 0 0,1 1 0 0 0,0-1 1 0 0,0 1-1 0 0,0-1 0 0 0,-1 1 1 0 0,1 0-1 0 0,0-1 0 0 0,-1 1 1 0 0,1 0-1 0 0,-1 0 0 0 0,1 0 1 0 0,-1 1-1 0 0,1-1 0 0 0,-1 0 1 0 0,0 0-1 0 0,1 1 0 0 0,-1-1 1 0 0,0 1-1 0 0,1 2 0 0 0,4 5 10 0 0,0 0 0 0 0,7 16-1 0 0,-13-25-10 0 0,10 21 0 0 0,-1 1 0 0 0,0 1 0 0 0,8 36 0 0 0,-18-101 0 0 0,1 24 5 0 0,0 0 0 0 0,1 0 0 0 0,1 0 0 0 0,1 0 0 0 0,0 0 0 0 0,2 1 0 0 0,0-1 0 0 0,0 1 0 0 0,2 1 0 0 0,0-1 0 0 0,1 1 0 0 0,11-16-1 0 0,-8 14 3 0 0,2 0-1 0 0,0 2 1 0 0,1 0-1 0 0,1 0 0 0 0,0 1 1 0 0,1 1-1 0 0,0 1 1 0 0,1 0-1 0 0,36-19 0 0 0,-22 20-6 0 0,-23 10 0 0 0</inkml:trace>
+</inkml:ink>
+</file>
+
+<file path=ppt/ink/ink236.xml><?xml version="1.0" encoding="utf-8"?>
+<inkml:ink xmlns:inkml="http://www.w3.org/2003/InkML">
+  <inkml:definitions>
+    <inkml:context xml:id="ctx0">
+      <inkml:inkSource xml:id="inkSrc0">
+        <inkml:traceFormat>
+          <inkml:channel name="X" type="integer" min="-2.14748E9" max="2.14748E9" units="cm"/>
+          <inkml:channel name="Y" type="integer" min="-2.14748E9" max="2.14748E9" units="cm"/>
+          <inkml:channel name="F" type="integer" max="32767" units="dev"/>
+          <inkml:channel name="OA" type="integer" max="360" units="deg"/>
+          <inkml:channel name="OE" type="integer" max="90" units="deg"/>
+        </inkml:traceFormat>
+        <inkml:channelProperties>
+          <inkml:channelProperty channel="X" name="resolution" value="1000" units="1/cm"/>
+          <inkml:channelProperty channel="Y" name="resolution" value="1000" units="1/cm"/>
+          <inkml:channelProperty channel="F" name="resolution" value="0" units="1/dev"/>
+          <inkml:channelProperty channel="OA" name="resolution" value="1000" units="1/deg"/>
+          <inkml:channelProperty channel="OE" name="resolution" value="1000" units="1/deg"/>
+        </inkml:channelProperties>
+      </inkml:inkSource>
+      <inkml:timestamp xml:id="ts0" timeString="2024-11-12T07:05:46.374"/>
+    </inkml:context>
+    <inkml:brush xml:id="br0">
+      <inkml:brushProperty name="width" value="0.2" units="cm"/>
+      <inkml:brushProperty name="height" value="0.2" units="cm"/>
+    </inkml:brush>
+  </inkml:definitions>
+  <inkml:trace contextRef="#ctx0" brushRef="#br0">6 327 79 0 0,'11'0'10'0'0,"0"0"-1"0"0,0-2 0 0 0,0 1 0 0 0,0-1 0 0 0,-1-1 0 0 0,1 0 0 0 0,0 0 0 0 0,-1-1 0 0 0,0-1 0 0 0,12-6 0 0 0,-15 7-2 0 0,-1 0-1 0 0,0-1 0 0 0,0 0 0 0 0,0 1 1 0 0,-1-2-1 0 0,0 1 0 0 0,0-1 0 0 0,0 0 1 0 0,-1 0-1 0 0,1 0 0 0 0,-2 0 0 0 0,1-1 1 0 0,-1 0-1 0 0,0 1 0 0 0,5-16 0 0 0,-6 14-6 0 0,0-1 0 0 0,-1 0 0 0 0,0 0 0 0 0,0 0 0 0 0,-1 0 0 0 0,0 0 0 0 0,-3-17 0 0 0,2 20 0 0 0,0 1 0 0 0,-1 0 0 0 0,0-1 0 0 0,0 1 0 0 0,0 0 0 0 0,0 0 0 0 0,-1 0 0 0 0,0 0 0 0 0,0 0 0 0 0,0 1 0 0 0,-1-1 0 0 0,1 1 0 0 0,-8-7 0 0 0,8 9 0 0 0,0-1 0 0 0,0 1 0 0 0,0-1 0 0 0,-1 1 0 0 0,1 0 0 0 0,0 1 0 0 0,-1-1 0 0 0,0 0 0 0 0,1 1 0 0 0,-7-2 0 0 0,8 3 0 0 0,-1 0 0 0 0,1 0 0 0 0,-1 0 0 0 0,1 0 0 0 0,0 0 0 0 0,-1 1 0 0 0,1-1 0 0 0,0 1 0 0 0,-1 0 0 0 0,1-1 0 0 0,0 1 0 0 0,0 0 0 0 0,-1 0 0 0 0,1 0 0 0 0,0 1 0 0 0,0-1 0 0 0,0 0 0 0 0,-3 4 0 0 0,-1 1 0 0 0,0 1 0 0 0,0 0 0 0 0,0 0 0 0 0,1 1 0 0 0,0 0 0 0 0,0-1 0 0 0,1 2 0 0 0,0-1 0 0 0,-3 12 0 0 0,-1 4 0 0 0,1 0 0 0 0,-4 30 0 0 0,8-31 0 0 0,0 0 0 0 0,1 0 0 0 0,2 1 0 0 0,2 31 0 0 0,-1-44 0 0 0,1 0 0 0 0,1 0 0 0 0,-1 0 0 0 0,2 0 0 0 0,-1-1 0 0 0,1 0 0 0 0,1 0 0 0 0,0 0 0 0 0,0 0 0 0 0,1-1 0 0 0,9 12 0 0 0,-8-13 13 0 0,1 1-1 0 0,0-2 0 0 0,0 1 1 0 0,1-1-1 0 0,0 0 0 0 0,0-1 1 0 0,1 0-1 0 0,0 0 0 0 0,0-1 1 0 0,0-1-1 0 0,0 1 0 0 0,1-2 0 0 0,0 1 1 0 0,14 1-1 0 0,-15-3-11 0 0,0-1 1 0 0,0 0-1 0 0,0-1 1 0 0,0 0-1 0 0,0-1 0 0 0,0 0 1 0 0,0-1-1 0 0,-1 0 0 0 0,1 0 1 0 0,0-1-1 0 0,-1 0 1 0 0,0-1-1 0 0,1 0 0 0 0,-1 0 1 0 0,-1-1-1 0 0,11-7 0 0 0,-3 0-1 0 0,19-17 0 0 0,-20 13 0 0 0</inkml:trace>
+</inkml:ink>
+</file>
+
+<file path=ppt/ink/ink237.xml><?xml version="1.0" encoding="utf-8"?>
+<inkml:ink xmlns:inkml="http://www.w3.org/2003/InkML">
+  <inkml:definitions>
+    <inkml:context xml:id="ctx0">
+      <inkml:inkSource xml:id="inkSrc0">
+        <inkml:traceFormat>
+          <inkml:channel name="X" type="integer" min="-2.14748E9" max="2.14748E9" units="cm"/>
+          <inkml:channel name="Y" type="integer" min="-2.14748E9" max="2.14748E9" units="cm"/>
+          <inkml:channel name="F" type="integer" max="32767" units="dev"/>
+          <inkml:channel name="OA" type="integer" max="360" units="deg"/>
+          <inkml:channel name="OE" type="integer" max="90" units="deg"/>
+        </inkml:traceFormat>
+        <inkml:channelProperties>
+          <inkml:channelProperty channel="X" name="resolution" value="1000" units="1/cm"/>
+          <inkml:channelProperty channel="Y" name="resolution" value="1000" units="1/cm"/>
+          <inkml:channelProperty channel="F" name="resolution" value="0" units="1/dev"/>
+          <inkml:channelProperty channel="OA" name="resolution" value="1000" units="1/deg"/>
+          <inkml:channelProperty channel="OE" name="resolution" value="1000" units="1/deg"/>
+        </inkml:channelProperties>
+      </inkml:inkSource>
+      <inkml:timestamp xml:id="ts0" timeString="2024-11-12T07:05:46.735"/>
+    </inkml:context>
+    <inkml:brush xml:id="br0">
+      <inkml:brushProperty name="width" value="0.2" units="cm"/>
+      <inkml:brushProperty name="height" value="0.2" units="cm"/>
+    </inkml:brush>
+  </inkml:definitions>
+  <inkml:trace contextRef="#ctx0" brushRef="#br0">124 84 24 0 0,'3'-5'-1'0'0,"0"0"0"0"0,-1 0 0 0 0,0 0 0 0 0,1-1 1 0 0,0-5-1 0 0,-2 9 5 0 0,-1-1 1 0 0,1 0-1 0 0,-1 1 1 0 0,1-1-1 0 0,-1 0 1 0 0,0 1-1 0 0,0-1 1 0 0,0 0-1 0 0,0 0 0 0 0,-1 1 1 0 0,1-1-1 0 0,-2-4 1 0 0,2 7-5 0 0,0 0 0 0 0,0-1 0 0 0,0 1 0 0 0,-1-1 0 0 0,1 1 0 0 0,0 0 0 0 0,0-1 1 0 0,-1 1-1 0 0,1-1 0 0 0,0 1 0 0 0,0 0 0 0 0,-1-1 0 0 0,1 1 0 0 0,-1 0 0 0 0,1 0 0 0 0,0-1 0 0 0,-1 1 0 0 0,1 0 1 0 0,0 0-1 0 0,-1 0 0 0 0,1-1 0 0 0,-1 1 0 0 0,1 0 0 0 0,-1 0 0 0 0,1 0 0 0 0,0 0 0 0 0,-1 0 0 0 0,0 0 1 0 0,0 0 0 0 0,0 0 1 0 0,0 0 0 0 0,0 1 0 0 0,0-1 0 0 0,0 1 0 0 0,0-1 0 0 0,0 1 0 0 0,0-1 0 0 0,0 1-1 0 0,0-1 1 0 0,-1 2 0 0 0,-19 21 47 0 0,8-2-49 0 0,1 1 0 0 0,1 0 0 0 0,1 1 0 0 0,1 0 0 0 0,-6 25 0 0 0,9-30-1 0 0,0 1 0 0 0,2-1 0 0 0,0 1 0 0 0,-1 29 0 0 0,4-41 5 0 0,1 0 1 0 0,1 0-1 0 0,-1 0 0 0 0,1 0 1 0 0,0 0-1 0 0,1 0 0 0 0,0 0 1 0 0,0 0-1 0 0,0-1 0 0 0,1 1 1 0 0,0-1-1 0 0,0 1 0 0 0,1-1 1 0 0,0 0-1 0 0,7 9 0 0 0,-6-10-4 0 0,0 0 0 0 0,0 0 0 0 0,1 0 0 0 0,0 0 0 0 0,0-1 0 0 0,0 0 0 0 0,0 0 0 0 0,1-1 0 0 0,-1 1 0 0 0,1-1 0 0 0,0-1 0 0 0,0 1 0 0 0,0-1 0 0 0,0-1 0 0 0,1 1 0 0 0,-1-1 0 0 0,0 0 0 0 0,1-1 0 0 0,-1 0 0 0 0,0 0 0 0 0,1-1 0 0 0,-1 0 0 0 0,14-3 0 0 0,2-1 0 0 0,0-1 0 0 0</inkml:trace>
+</inkml:ink>
+</file>
+
+<file path=ppt/ink/ink238.xml><?xml version="1.0" encoding="utf-8"?>
+<inkml:ink xmlns:inkml="http://www.w3.org/2003/InkML">
+  <inkml:definitions>
+    <inkml:context xml:id="ctx0">
+      <inkml:inkSource xml:id="inkSrc0">
+        <inkml:traceFormat>
+          <inkml:channel name="X" type="integer" min="-2.14748E9" max="2.14748E9" units="cm"/>
+          <inkml:channel name="Y" type="integer" min="-2.14748E9" max="2.14748E9" units="cm"/>
+          <inkml:channel name="F" type="integer" max="32767" units="dev"/>
+          <inkml:channel name="OA" type="integer" max="360" units="deg"/>
+          <inkml:channel name="OE" type="integer" max="90" units="deg"/>
+        </inkml:traceFormat>
+        <inkml:channelProperties>
+          <inkml:channelProperty channel="X" name="resolution" value="1000" units="1/cm"/>
+          <inkml:channelProperty channel="Y" name="resolution" value="1000" units="1/cm"/>
+          <inkml:channelProperty channel="F" name="resolution" value="0" units="1/dev"/>
+          <inkml:channelProperty channel="OA" name="resolution" value="1000" units="1/deg"/>
+          <inkml:channelProperty channel="OE" name="resolution" value="1000" units="1/deg"/>
+        </inkml:channelProperties>
+      </inkml:inkSource>
+      <inkml:timestamp xml:id="ts0" timeString="2024-11-12T07:05:47.111"/>
+    </inkml:context>
+    <inkml:brush xml:id="br0">
+      <inkml:brushProperty name="width" value="0.2" units="cm"/>
+      <inkml:brushProperty name="height" value="0.2" units="cm"/>
+    </inkml:brush>
+  </inkml:definitions>
+  <inkml:trace contextRef="#ctx0" brushRef="#br0">33 256 55 0 0,'-8'-11'3'0'0,"4"7"1"0"0,1 0 1 0 0,0 0-1 0 0,0 0 1 0 0,0-1-1 0 0,-3-5 1 0 0,6 8-3 0 0,-1 0 0 0 0,1 0 0 0 0,-1 0 0 0 0,1 0 0 0 0,0 1 0 0 0,0-1-1 0 0,0 0 1 0 0,0 0 0 0 0,0 0 0 0 0,0 0 0 0 0,0 0 0 0 0,1 0 0 0 0,-1 1 0 0 0,1-1 0 0 0,-1 0 0 0 0,1 0 0 0 0,0 0 0 0 0,1-2 0 0 0,0 0 8 0 0,1 1-1 0 0,-1 0 1 0 0,1 0-1 0 0,0 0 1 0 0,-1 0-1 0 0,1 1 1 0 0,1-1-1 0 0,-1 1 1 0 0,0 0 0 0 0,1 0-1 0 0,-1 0 1 0 0,1 0-1 0 0,7-2 1 0 0,6-2 30 0 0,31-6 1 0 0,-32 9-40 0 0,36-9 42 0 0,226-62 103 0 0,-262 68-152 0 0,42-13 20 0 0,-51 17-28 0 0,0 1 1 0 0,0 0-1 0 0,0 0 1 0 0,1 0 0 0 0,13 1-1 0 0,-9 3-74 0 0,-8 0 73 0 0</inkml:trace>
+</inkml:ink>
+</file>
+
+<file path=ppt/ink/ink239.xml><?xml version="1.0" encoding="utf-8"?>
+<inkml:ink xmlns:inkml="http://www.w3.org/2003/InkML">
+  <inkml:definitions>
+    <inkml:context xml:id="ctx0">
+      <inkml:inkSource xml:id="inkSrc0">
+        <inkml:traceFormat>
+          <inkml:channel name="X" type="integer" min="-2.14748E9" max="2.14748E9" units="cm"/>
+          <inkml:channel name="Y" type="integer" min="-2.14748E9" max="2.14748E9" units="cm"/>
+          <inkml:channel name="F" type="integer" max="32767" units="dev"/>
+          <inkml:channel name="OA" type="integer" max="360" units="deg"/>
+          <inkml:channel name="OE" type="integer" max="90" units="deg"/>
+        </inkml:traceFormat>
+        <inkml:channelProperties>
+          <inkml:channelProperty channel="X" name="resolution" value="1000" units="1/cm"/>
+          <inkml:channelProperty channel="Y" name="resolution" value="1000" units="1/cm"/>
+          <inkml:channelProperty channel="F" name="resolution" value="0" units="1/dev"/>
+          <inkml:channelProperty channel="OA" name="resolution" value="1000" units="1/deg"/>
+          <inkml:channelProperty channel="OE" name="resolution" value="1000" units="1/deg"/>
+        </inkml:channelProperties>
+      </inkml:inkSource>
+      <inkml:timestamp xml:id="ts0" timeString="2024-11-12T07:05:47.504"/>
+    </inkml:context>
+    <inkml:brush xml:id="br0">
+      <inkml:brushProperty name="width" value="0.2" units="cm"/>
+      <inkml:brushProperty name="height" value="0.2" units="cm"/>
+    </inkml:brush>
+  </inkml:definitions>
+  <inkml:trace contextRef="#ctx0" brushRef="#br0">0 2 55 0 0,'2'-2'0'0'0,"-1"3"0"0"0,0-1 0 0 0,0 1 0 0 0,0-1 0 0 0,0 1 0 0 0,0 0 0 0 0,0-1 0 0 0,-1 1 0 0 0,1 0 0 0 0,0 0 0 0 0,0-1 0 0 0,-1 1 0 0 0,2 2 0 0 0,0-2 0 0 0,4 6 7 0 0,0 1 0 0 0,-1-1 0 0 0,1 1-1 0 0,-1 0 1 0 0,-1 0 0 0 0,1 1-1 0 0,3 11 1 0 0,19 67 71 0 0,-23-72-71 0 0,34 143 96 0 0,7 24-91 0 0,-30-131 16 0 0,33 74 0 0 0,-35-97-26 0 0,1-1-1 0 0,1 0 1 0 0,2-2 0 0 0,0 1 0 0 0,36 37-1 0 0,-38-48-1 0 0</inkml:trace>
 </inkml:ink>
 </file>
 
@@ -4929,6 +5085,68 @@
     </inkml:brush>
   </inkml:definitions>
   <inkml:trace contextRef="#ctx0" brushRef="#br0">1 5 55 0 0,'2'-2'21'0'0,"2"0"87"0"0,2 11-5 0 0,14 84 189 0 0,1 6-176 0 0,33 51-116 0 0,-50-141 0 0 0,-4-8 0 0 0,0-1 0 0 0,0 1 0 0 0,1 0 0 0 0,-1 0 0 0 0,1 0 0 0 0,-1-1 0 0 0,1 1 0 0 0,-1 0 0 0 0,1-1 0 0 0,-1 1 0 0 0,1 0 0 0 0,-1-1 0 0 0,2 2 0 0 0,0-2 0 0 0</inkml:trace>
+</inkml:ink>
+</file>
+
+<file path=ppt/ink/ink240.xml><?xml version="1.0" encoding="utf-8"?>
+<inkml:ink xmlns:inkml="http://www.w3.org/2003/InkML">
+  <inkml:definitions>
+    <inkml:context xml:id="ctx0">
+      <inkml:inkSource xml:id="inkSrc0">
+        <inkml:traceFormat>
+          <inkml:channel name="X" type="integer" min="-2.14748E9" max="2.14748E9" units="cm"/>
+          <inkml:channel name="Y" type="integer" min="-2.14748E9" max="2.14748E9" units="cm"/>
+          <inkml:channel name="F" type="integer" max="32767" units="dev"/>
+          <inkml:channel name="OA" type="integer" max="360" units="deg"/>
+          <inkml:channel name="OE" type="integer" max="90" units="deg"/>
+        </inkml:traceFormat>
+        <inkml:channelProperties>
+          <inkml:channelProperty channel="X" name="resolution" value="1000" units="1/cm"/>
+          <inkml:channelProperty channel="Y" name="resolution" value="1000" units="1/cm"/>
+          <inkml:channelProperty channel="F" name="resolution" value="0" units="1/dev"/>
+          <inkml:channelProperty channel="OA" name="resolution" value="1000" units="1/deg"/>
+          <inkml:channelProperty channel="OE" name="resolution" value="1000" units="1/deg"/>
+        </inkml:channelProperties>
+      </inkml:inkSource>
+      <inkml:timestamp xml:id="ts0" timeString="2024-11-12T07:05:53.661"/>
+    </inkml:context>
+    <inkml:brush xml:id="br0">
+      <inkml:brushProperty name="width" value="0.2" units="cm"/>
+      <inkml:brushProperty name="height" value="0.2" units="cm"/>
+    </inkml:brush>
+  </inkml:definitions>
+  <inkml:trace contextRef="#ctx0" brushRef="#br0">1 188 55 0 0,'1'-1'3'0'0,"0"0"0"0"0,1 1-1 0 0,-1-1 1 0 0,1 1 0 0 0,-1-1-1 0 0,1 1 1 0 0,0 0 0 0 0,-1-1-1 0 0,1 1 1 0 0,-1 0 0 0 0,1 0-1 0 0,-1 0 1 0 0,1 0 0 0 0,0 0-1 0 0,1 1 1 0 0,3 0 14 0 0,-1-2-9 0 0,0 1 0 0 0,0 1 0 0 0,0-1 0 0 0,0 1 0 0 0,0 0 0 0 0,0 0-1 0 0,0 0 1 0 0,0 1 0 0 0,0 0 0 0 0,-1 0 0 0 0,1 0 0 0 0,-1 0 0 0 0,1 1-1 0 0,-1 0 1 0 0,0-1 0 0 0,0 2 0 0 0,0-1 0 0 0,-1 0 0 0 0,1 1 0 0 0,-1 0-1 0 0,0 0 1 0 0,0 0 0 0 0,0 0 0 0 0,0 0 0 0 0,-1 0 0 0 0,3 8-1 0 0,46 79-7 0 0,-30-55 0 0 0,-1 0 0 0 0,19 51 0 0 0,-36-80 0 0 0,-2-3 0 0 0,1-1 0 0 0,-1 0 0 0 0,0 1 0 0 0,0-1 0 0 0,0 1 0 0 0,0-1 0 0 0,-1 1 0 0 0,1-1 0 0 0,-1 1 0 0 0,0 3 0 0 0,-1-8 0 0 0,-1 0 0 0 0,1 0 0 0 0,0 0 0 0 0,0-1 0 0 0,0 1 0 0 0,0 0 0 0 0,1 0 0 0 0,-1-1 0 0 0,0 1 0 0 0,0-1 0 0 0,0-1 0 0 0,-5-10 0 0 0,1-1 0 0 0,0 0 0 0 0,0 0 0 0 0,1 0 0 0 0,1 0 0 0 0,1-1 0 0 0,0 0 0 0 0,1 1 0 0 0,0-1 0 0 0,1 0 0 0 0,1 0 0 0 0,0 1 0 0 0,1-1 0 0 0,1 1 0 0 0,0-1 0 0 0,1 1 0 0 0,9-21 0 0 0,-2 10 0 0 0,2 0 0 0 0,0 2 0 0 0,2-1 0 0 0,1 2 0 0 0,0 0 0 0 0,2 1 0 0 0,0 0 0 0 0,26-20 0 0 0,-43 40 0 0 0,11-12 0 0 0,-11 12 0 0 0,-1 1 0 0 0,1-1 0 0 0,-1 0 0 0 0,1 1 0 0 0,-1-1 0 0 0,0 1 0 0 0,1-1 0 0 0,-1 0 0 0 0,0 0 0 0 0,0 1 0 0 0,1-1 0 0 0,-1 0 0 0 0,0 1 0 0 0,0-1 0 0 0,0 0 0 0 0,0 0 0 0 0,0 1 0 0 0,0-1 0 0 0,0 0 0 0 0,0 0 0 0 0,-1 0 0 0 0,0-4 0 0 0</inkml:trace>
+</inkml:ink>
+</file>
+
+<file path=ppt/ink/ink241.xml><?xml version="1.0" encoding="utf-8"?>
+<inkml:ink xmlns:inkml="http://www.w3.org/2003/InkML">
+  <inkml:definitions>
+    <inkml:context xml:id="ctx0">
+      <inkml:inkSource xml:id="inkSrc0">
+        <inkml:traceFormat>
+          <inkml:channel name="X" type="integer" min="-2.14748E9" max="2.14748E9" units="cm"/>
+          <inkml:channel name="Y" type="integer" min="-2.14748E9" max="2.14748E9" units="cm"/>
+          <inkml:channel name="F" type="integer" max="32767" units="dev"/>
+          <inkml:channel name="OA" type="integer" max="360" units="deg"/>
+          <inkml:channel name="OE" type="integer" max="90" units="deg"/>
+        </inkml:traceFormat>
+        <inkml:channelProperties>
+          <inkml:channelProperty channel="X" name="resolution" value="1000" units="1/cm"/>
+          <inkml:channelProperty channel="Y" name="resolution" value="1000" units="1/cm"/>
+          <inkml:channelProperty channel="F" name="resolution" value="0" units="1/dev"/>
+          <inkml:channelProperty channel="OA" name="resolution" value="1000" units="1/deg"/>
+          <inkml:channelProperty channel="OE" name="resolution" value="1000" units="1/deg"/>
+        </inkml:channelProperties>
+      </inkml:inkSource>
+      <inkml:timestamp xml:id="ts0" timeString="2024-11-12T07:05:54.210"/>
+    </inkml:context>
+    <inkml:brush xml:id="br0">
+      <inkml:brushProperty name="width" value="0.2" units="cm"/>
+      <inkml:brushProperty name="height" value="0.2" units="cm"/>
+    </inkml:brush>
+  </inkml:definitions>
+  <inkml:trace contextRef="#ctx0" brushRef="#br0">0 327 24 0 0,'56'-18'25'0'0,"-41"14"-5"0"0,-1 0 1 0 0,1-1-1 0 0,-1-1 1 0 0,15-8-1 0 0,-21 9-16 0 0,-1 0 0 0 0,0 0 0 0 0,0-1 0 0 0,0 0-1 0 0,-1 0 1 0 0,1-1 0 0 0,-2 1 0 0 0,1-2-1 0 0,-1 1 1 0 0,0 0 0 0 0,0-1 0 0 0,-1 0 0 0 0,0 0-1 0 0,3-11 1 0 0,-5 13-3 0 0,0 0-1 0 0,0 0 0 0 0,-1 0 1 0 0,0-1-1 0 0,-1 1 0 0 0,1 0 1 0 0,-1-1-1 0 0,0 1 0 0 0,-1 0 1 0 0,0-1-1 0 0,0 1 0 0 0,0 0 1 0 0,0 0-1 0 0,-1 0 0 0 0,0 0 1 0 0,-1 0-1 0 0,1 0 0 0 0,-1 0 1 0 0,0 1-1 0 0,-8-11 0 0 0,10 14 0 0 0,-1 0 0 0 0,1 0 0 0 0,-1 0 0 0 0,0 0 0 0 0,0 1 0 0 0,0-1 0 0 0,0 0 0 0 0,0 1 0 0 0,0-1 0 0 0,0 1 0 0 0,-1 0 0 0 0,1 0 0 0 0,0 0 0 0 0,-1 0 0 0 0,1 0 0 0 0,-1 0 0 0 0,1 1 0 0 0,-1-1 0 0 0,0 1 0 0 0,1 0 0 0 0,-5 0 0 0 0,4 0 0 0 0,0 1 0 0 0,0 0 0 0 0,-1 0 0 0 0,1 0 0 0 0,0 0 0 0 0,0 0 0 0 0,0 1 0 0 0,0-1 0 0 0,0 1 0 0 0,1 0 0 0 0,-1 0 0 0 0,0 0 0 0 0,1 0 0 0 0,0 0 0 0 0,-1 1 0 0 0,-2 3 0 0 0,-3 4 0 0 0,1 2 0 0 0,0-1 0 0 0,1 1 0 0 0,0 0 0 0 0,1 0 0 0 0,0 0 0 0 0,1 1 0 0 0,0 0 0 0 0,1 0 0 0 0,-3 20 0 0 0,4-9 0 0 0,0 0 0 0 0,2 0 0 0 0,0 0 0 0 0,8 47 0 0 0,-6-60 0 0 0,1 0 0 0 0,0 0-1 0 0,0-1 1 0 0,1 1-1 0 0,0-1 1 0 0,1 1-1 0 0,0-2 1 0 0,1 1-1 0 0,0 0 1 0 0,7 8-1 0 0,-8-13 5 0 0,0 0 0 0 0,-1 0 0 0 0,2-1 0 0 0,-1 1 0 0 0,0-1-1 0 0,1 0 1 0 0,0-1 0 0 0,0 1 0 0 0,0-1 0 0 0,0 0 0 0 0,1-1-1 0 0,-1 0 1 0 0,1 0 0 0 0,-1 0 0 0 0,1-1 0 0 0,0 0 0 0 0,9 1-1 0 0,-8-2-3 0 0,-1 0 0 0 0,1-1 0 0 0,0 0 0 0 0,-1 0 0 0 0,1-1 0 0 0,-1 0 0 0 0,0 0 0 0 0,0 0 0 0 0,13-7 0 0 0,-1-2 0 0 0,36-26 0 0 0,-36 23 0 0 0,-2 1 0 0 0</inkml:trace>
 </inkml:ink>
 </file>
 
@@ -11447,9 +11665,9 @@
         </p:nvGrpSpPr>
         <p:grpSpPr>
           <a:xfrm>
-            <a:off x="4593420" y="3500002"/>
+            <a:off x="2997524" y="2116891"/>
             <a:ext cx="2237760" cy="436320"/>
-            <a:chOff x="4593420" y="3500002"/>
+            <a:chOff x="2997524" y="2116891"/>
             <a:chExt cx="2237760" cy="436320"/>
           </a:xfrm>
         </p:grpSpPr>
@@ -11468,7 +11686,7 @@
                 <p14:nvPr/>
               </p14:nvContentPartPr>
               <p14:xfrm>
-                <a:off x="4605660" y="3675322"/>
+                <a:off x="3009764" y="2292211"/>
                 <a:ext cx="73800" cy="51480"/>
               </p14:xfrm>
             </p:contentPart>
@@ -11494,8 +11712,8 @@
               </p:blipFill>
               <p:spPr>
                 <a:xfrm>
-                  <a:off x="4569660" y="3639682"/>
-                  <a:ext cx="145440" cy="123120"/>
+                  <a:off x="2973939" y="2255957"/>
+                  <a:ext cx="145092" cy="123625"/>
                 </a:xfrm>
                 <a:prstGeom prst="rect">
                   <a:avLst/>
@@ -11519,7 +11737,7 @@
                 <p14:nvPr/>
               </p14:nvContentPartPr>
               <p14:xfrm>
-                <a:off x="4620780" y="3619162"/>
+                <a:off x="3024884" y="2236051"/>
                 <a:ext cx="51120" cy="288360"/>
               </p14:xfrm>
             </p:contentPart>
@@ -11545,7 +11763,7 @@
               </p:blipFill>
               <p:spPr>
                 <a:xfrm>
-                  <a:off x="4585140" y="3583162"/>
+                  <a:off x="2988884" y="2200051"/>
                   <a:ext cx="122760" cy="360000"/>
                 </a:xfrm>
                 <a:prstGeom prst="rect">
@@ -11570,7 +11788,7 @@
                 <p14:nvPr/>
               </p14:nvContentPartPr>
               <p14:xfrm>
-                <a:off x="4593420" y="3772882"/>
+                <a:off x="2997524" y="2389771"/>
                 <a:ext cx="26640" cy="95040"/>
               </p14:xfrm>
             </p:contentPart>
@@ -11596,8 +11814,8 @@
               </p:blipFill>
               <p:spPr>
                 <a:xfrm>
-                  <a:off x="4557780" y="3737242"/>
-                  <a:ext cx="98280" cy="166680"/>
+                  <a:off x="2961524" y="2353634"/>
+                  <a:ext cx="98280" cy="166952"/>
                 </a:xfrm>
                 <a:prstGeom prst="rect">
                   <a:avLst/>
@@ -11621,7 +11839,7 @@
                 <p14:nvPr/>
               </p14:nvContentPartPr>
               <p14:xfrm>
-                <a:off x="4634100" y="3797362"/>
+                <a:off x="3038204" y="2414251"/>
                 <a:ext cx="59400" cy="14400"/>
               </p14:xfrm>
             </p:contentPart>
@@ -11647,7 +11865,7 @@
               </p:blipFill>
               <p:spPr>
                 <a:xfrm>
-                  <a:off x="4598100" y="3761722"/>
+                  <a:off x="3002204" y="2378251"/>
                   <a:ext cx="131040" cy="86040"/>
                 </a:xfrm>
                 <a:prstGeom prst="rect">
@@ -11672,7 +11890,7 @@
                 <p14:nvPr/>
               </p14:nvContentPartPr>
               <p14:xfrm>
-                <a:off x="4719780" y="3577762"/>
+                <a:off x="3123884" y="2194651"/>
                 <a:ext cx="68760" cy="69120"/>
               </p14:xfrm>
             </p:contentPart>
@@ -11698,8 +11916,8 @@
               </p:blipFill>
               <p:spPr>
                 <a:xfrm>
-                  <a:off x="4683780" y="3542122"/>
-                  <a:ext cx="140400" cy="140760"/>
+                  <a:off x="3088071" y="2158651"/>
+                  <a:ext cx="140027" cy="140760"/>
                 </a:xfrm>
                 <a:prstGeom prst="rect">
                   <a:avLst/>
@@ -11723,7 +11941,7 @@
                 <p14:nvPr/>
               </p14:nvContentPartPr>
               <p14:xfrm>
-                <a:off x="4676220" y="3619882"/>
+                <a:off x="3080324" y="2236771"/>
                 <a:ext cx="269640" cy="127080"/>
               </p14:xfrm>
             </p:contentPart>
@@ -11749,7 +11967,7 @@
               </p:blipFill>
               <p:spPr>
                 <a:xfrm>
-                  <a:off x="4640220" y="3584242"/>
+                  <a:off x="3044324" y="2200771"/>
                   <a:ext cx="341280" cy="198720"/>
                 </a:xfrm>
                 <a:prstGeom prst="rect">
@@ -11774,7 +11992,7 @@
                 <p14:nvPr/>
               </p14:nvContentPartPr>
               <p14:xfrm>
-                <a:off x="4776660" y="3637882"/>
+                <a:off x="3180764" y="2254771"/>
                 <a:ext cx="24840" cy="88920"/>
               </p14:xfrm>
             </p:contentPart>
@@ -11800,8 +12018,8 @@
               </p:blipFill>
               <p:spPr>
                 <a:xfrm>
-                  <a:off x="4740660" y="3602242"/>
-                  <a:ext cx="96480" cy="160560"/>
+                  <a:off x="3145278" y="2218771"/>
+                  <a:ext cx="95457" cy="160560"/>
                 </a:xfrm>
                 <a:prstGeom prst="rect">
                   <a:avLst/>
@@ -11825,7 +12043,7 @@
                 <p14:nvPr/>
               </p14:nvContentPartPr>
               <p14:xfrm>
-                <a:off x="4825260" y="3615202"/>
+                <a:off x="3229364" y="2232091"/>
                 <a:ext cx="19800" cy="106920"/>
               </p14:xfrm>
             </p:contentPart>
@@ -11851,7 +12069,7 @@
               </p:blipFill>
               <p:spPr>
                 <a:xfrm>
-                  <a:off x="4789260" y="3579202"/>
+                  <a:off x="3193364" y="2196091"/>
                   <a:ext cx="91440" cy="178560"/>
                 </a:xfrm>
                 <a:prstGeom prst="rect">
@@ -11876,7 +12094,7 @@
                 <p14:nvPr/>
               </p14:nvContentPartPr>
               <p14:xfrm>
-                <a:off x="4761900" y="3703042"/>
+                <a:off x="3166004" y="2319931"/>
                 <a:ext cx="100800" cy="57600"/>
               </p14:xfrm>
             </p:contentPart>
@@ -11902,8 +12120,8 @@
               </p:blipFill>
               <p:spPr>
                 <a:xfrm>
-                  <a:off x="4725900" y="3667402"/>
-                  <a:ext cx="172440" cy="129240"/>
+                  <a:off x="3130132" y="2283931"/>
+                  <a:ext cx="172185" cy="129240"/>
                 </a:xfrm>
                 <a:prstGeom prst="rect">
                   <a:avLst/>
@@ -11927,7 +12145,7 @@
                 <p14:nvPr/>
               </p14:nvContentPartPr>
               <p14:xfrm>
-                <a:off x="4792500" y="3757042"/>
+                <a:off x="3196604" y="2373931"/>
                 <a:ext cx="81000" cy="41400"/>
               </p14:xfrm>
             </p:contentPart>
@@ -11953,8 +12171,8 @@
               </p:blipFill>
               <p:spPr>
                 <a:xfrm>
-                  <a:off x="4756500" y="3721402"/>
-                  <a:ext cx="152640" cy="113040"/>
+                  <a:off x="3160604" y="2337615"/>
+                  <a:ext cx="152640" cy="113668"/>
                 </a:xfrm>
                 <a:prstGeom prst="rect">
                   <a:avLst/>
@@ -11978,7 +12196,7 @@
                 <p14:nvPr/>
               </p14:nvContentPartPr>
               <p14:xfrm>
-                <a:off x="4802220" y="3788002"/>
+                <a:off x="3206324" y="2404891"/>
                 <a:ext cx="91080" cy="58680"/>
               </p14:xfrm>
             </p:contentPart>
@@ -12004,8 +12222,8 @@
               </p:blipFill>
               <p:spPr>
                 <a:xfrm>
-                  <a:off x="4766220" y="3752002"/>
-                  <a:ext cx="162720" cy="130320"/>
+                  <a:off x="3170466" y="2368891"/>
+                  <a:ext cx="162438" cy="130320"/>
                 </a:xfrm>
                 <a:prstGeom prst="rect">
                   <a:avLst/>
@@ -12029,7 +12247,7 @@
                 <p14:nvPr/>
               </p14:nvContentPartPr>
               <p14:xfrm>
-                <a:off x="4804740" y="3813922"/>
+                <a:off x="3208844" y="2430811"/>
                 <a:ext cx="96120" cy="122400"/>
               </p14:xfrm>
             </p:contentPart>
@@ -12055,8 +12273,8 @@
               </p:blipFill>
               <p:spPr>
                 <a:xfrm>
-                  <a:off x="4768740" y="3777922"/>
-                  <a:ext cx="167760" cy="194040"/>
+                  <a:off x="3172844" y="2394917"/>
+                  <a:ext cx="167760" cy="193830"/>
                 </a:xfrm>
                 <a:prstGeom prst="rect">
                   <a:avLst/>
@@ -12080,7 +12298,7 @@
                 <p14:nvPr/>
               </p14:nvContentPartPr>
               <p14:xfrm>
-                <a:off x="4960620" y="3864682"/>
+                <a:off x="3364724" y="2481571"/>
                 <a:ext cx="75600" cy="42480"/>
               </p14:xfrm>
             </p:contentPart>
@@ -12106,7 +12324,7 @@
               </p:blipFill>
               <p:spPr>
                 <a:xfrm>
-                  <a:off x="4924980" y="3829042"/>
+                  <a:off x="3328724" y="2445571"/>
                   <a:ext cx="147240" cy="114120"/>
                 </a:xfrm>
                 <a:prstGeom prst="rect">
@@ -12131,7 +12349,7 @@
                 <p14:nvPr/>
               </p14:nvContentPartPr>
               <p14:xfrm>
-                <a:off x="5146020" y="3575602"/>
+                <a:off x="3550124" y="2192491"/>
                 <a:ext cx="29520" cy="21600"/>
               </p14:xfrm>
             </p:contentPart>
@@ -12157,7 +12375,7 @@
               </p:blipFill>
               <p:spPr>
                 <a:xfrm>
-                  <a:off x="5110020" y="3539962"/>
+                  <a:off x="3514124" y="2156491"/>
                   <a:ext cx="101160" cy="93240"/>
                 </a:xfrm>
                 <a:prstGeom prst="rect">
@@ -12182,7 +12400,7 @@
                 <p14:nvPr/>
               </p14:nvContentPartPr>
               <p14:xfrm>
-                <a:off x="5140620" y="3649042"/>
+                <a:off x="3544724" y="2265931"/>
                 <a:ext cx="42480" cy="21960"/>
               </p14:xfrm>
             </p:contentPart>
@@ -12208,7 +12426,7 @@
               </p:blipFill>
               <p:spPr>
                 <a:xfrm>
-                  <a:off x="5104620" y="3613042"/>
+                  <a:off x="3508724" y="2229931"/>
                   <a:ext cx="114120" cy="93600"/>
                 </a:xfrm>
                 <a:prstGeom prst="rect">
@@ -12233,7 +12451,7 @@
                 <p14:nvPr/>
               </p14:nvContentPartPr>
               <p14:xfrm>
-                <a:off x="5150700" y="3749842"/>
+                <a:off x="3554804" y="2366731"/>
                 <a:ext cx="54360" cy="27720"/>
               </p14:xfrm>
             </p:contentPart>
@@ -12259,7 +12477,7 @@
               </p:blipFill>
               <p:spPr>
                 <a:xfrm>
-                  <a:off x="5115060" y="3714202"/>
+                  <a:off x="3518804" y="2330731"/>
                   <a:ext cx="126000" cy="99360"/>
                 </a:xfrm>
                 <a:prstGeom prst="rect">
@@ -12284,7 +12502,7 @@
                 <p14:nvPr/>
               </p14:nvContentPartPr>
               <p14:xfrm>
-                <a:off x="5257980" y="3500002"/>
+                <a:off x="3662084" y="2116891"/>
                 <a:ext cx="57240" cy="235080"/>
               </p14:xfrm>
             </p:contentPart>
@@ -12310,7 +12528,7 @@
               </p:blipFill>
               <p:spPr>
                 <a:xfrm>
-                  <a:off x="5221980" y="3464002"/>
+                  <a:off x="3626084" y="2080891"/>
                   <a:ext cx="128880" cy="306720"/>
                 </a:xfrm>
                 <a:prstGeom prst="rect">
@@ -12335,7 +12553,7 @@
                 <p14:nvPr/>
               </p14:nvContentPartPr>
               <p14:xfrm>
-                <a:off x="5346900" y="3513322"/>
+                <a:off x="3751004" y="2130211"/>
                 <a:ext cx="32400" cy="54000"/>
               </p14:xfrm>
             </p:contentPart>
@@ -12361,8 +12579,8 @@
               </p:blipFill>
               <p:spPr>
                 <a:xfrm>
-                  <a:off x="5311260" y="3477322"/>
-                  <a:ext cx="104040" cy="125640"/>
+                  <a:off x="3715004" y="2094449"/>
+                  <a:ext cx="104040" cy="125166"/>
                 </a:xfrm>
                 <a:prstGeom prst="rect">
                   <a:avLst/>
@@ -12386,7 +12604,7 @@
                 <p14:nvPr/>
               </p14:nvContentPartPr>
               <p14:xfrm>
-                <a:off x="5301540" y="3569842"/>
+                <a:off x="3705644" y="2186731"/>
                 <a:ext cx="109080" cy="150480"/>
               </p14:xfrm>
             </p:contentPart>
@@ -12412,7 +12630,7 @@
               </p:blipFill>
               <p:spPr>
                 <a:xfrm>
-                  <a:off x="5265900" y="3533842"/>
+                  <a:off x="3669644" y="2150731"/>
                   <a:ext cx="180720" cy="222120"/>
                 </a:xfrm>
                 <a:prstGeom prst="rect">
@@ -12437,7 +12655,7 @@
                 <p14:nvPr/>
               </p14:nvContentPartPr>
               <p14:xfrm>
-                <a:off x="5324580" y="3627442"/>
+                <a:off x="3728684" y="2244331"/>
                 <a:ext cx="55440" cy="42120"/>
               </p14:xfrm>
             </p:contentPart>
@@ -12463,8 +12681,8 @@
               </p:blipFill>
               <p:spPr>
                 <a:xfrm>
-                  <a:off x="5288580" y="3591442"/>
-                  <a:ext cx="127080" cy="113760"/>
+                  <a:off x="3692916" y="2208331"/>
+                  <a:ext cx="126618" cy="113760"/>
                 </a:xfrm>
                 <a:prstGeom prst="rect">
                   <a:avLst/>
@@ -12488,7 +12706,7 @@
                 <p14:nvPr/>
               </p14:nvContentPartPr>
               <p14:xfrm>
-                <a:off x="5318100" y="3677842"/>
+                <a:off x="3722204" y="2294731"/>
                 <a:ext cx="74160" cy="27000"/>
               </p14:xfrm>
             </p:contentPart>
@@ -12514,7 +12732,7 @@
               </p:blipFill>
               <p:spPr>
                 <a:xfrm>
-                  <a:off x="5282100" y="3642202"/>
+                  <a:off x="3686204" y="2258731"/>
                   <a:ext cx="145800" cy="98640"/>
                 </a:xfrm>
                 <a:prstGeom prst="rect">
@@ -12539,7 +12757,7 @@
                 <p14:nvPr/>
               </p14:nvContentPartPr>
               <p14:xfrm>
-                <a:off x="5332140" y="3726442"/>
+                <a:off x="3736244" y="2343331"/>
                 <a:ext cx="100440" cy="43920"/>
               </p14:xfrm>
             </p:contentPart>
@@ -12565,8 +12783,8 @@
               </p:blipFill>
               <p:spPr>
                 <a:xfrm>
-                  <a:off x="5296500" y="3690802"/>
-                  <a:ext cx="172080" cy="115560"/>
+                  <a:off x="3700115" y="2307331"/>
+                  <a:ext cx="172338" cy="115560"/>
                 </a:xfrm>
                 <a:prstGeom prst="rect">
                   <a:avLst/>
@@ -12590,7 +12808,7 @@
                 <p14:nvPr/>
               </p14:nvContentPartPr>
               <p14:xfrm>
-                <a:off x="5216940" y="3795922"/>
+                <a:off x="3621044" y="2412811"/>
                 <a:ext cx="240480" cy="70200"/>
               </p14:xfrm>
             </p:contentPart>
@@ -12616,8 +12834,8 @@
               </p:blipFill>
               <p:spPr>
                 <a:xfrm>
-                  <a:off x="5180940" y="3760282"/>
-                  <a:ext cx="312120" cy="141840"/>
+                  <a:off x="3585098" y="2376811"/>
+                  <a:ext cx="312013" cy="141840"/>
                 </a:xfrm>
                 <a:prstGeom prst="rect">
                   <a:avLst/>
@@ -12641,7 +12859,7 @@
                 <p14:nvPr/>
               </p14:nvContentPartPr>
               <p14:xfrm>
-                <a:off x="5319540" y="3785122"/>
+                <a:off x="3723644" y="2402011"/>
                 <a:ext cx="43560" cy="133920"/>
               </p14:xfrm>
             </p:contentPart>
@@ -12667,7 +12885,7 @@
               </p:blipFill>
               <p:spPr>
                 <a:xfrm>
-                  <a:off x="5283900" y="3749482"/>
+                  <a:off x="3687644" y="2366011"/>
                   <a:ext cx="115200" cy="205560"/>
                 </a:xfrm>
                 <a:prstGeom prst="rect">
@@ -12692,7 +12910,7 @@
                 <p14:nvPr/>
               </p14:nvContentPartPr>
               <p14:xfrm>
-                <a:off x="5635980" y="3624922"/>
+                <a:off x="4040084" y="2241811"/>
                 <a:ext cx="112680" cy="47880"/>
               </p14:xfrm>
             </p:contentPart>
@@ -12718,8 +12936,8 @@
               </p:blipFill>
               <p:spPr>
                 <a:xfrm>
-                  <a:off x="5599980" y="3588922"/>
-                  <a:ext cx="184320" cy="119520"/>
+                  <a:off x="4004199" y="2205811"/>
+                  <a:ext cx="184092" cy="119520"/>
                 </a:xfrm>
                 <a:prstGeom prst="rect">
                   <a:avLst/>
@@ -12743,7 +12961,7 @@
                 <p14:nvPr/>
               </p14:nvContentPartPr>
               <p14:xfrm>
-                <a:off x="5698620" y="3652282"/>
+                <a:off x="4102724" y="2269171"/>
                 <a:ext cx="17280" cy="108000"/>
               </p14:xfrm>
             </p:contentPart>
@@ -12769,7 +12987,7 @@
               </p:blipFill>
               <p:spPr>
                 <a:xfrm>
-                  <a:off x="5662980" y="3616282"/>
+                  <a:off x="4066724" y="2233171"/>
                   <a:ext cx="88920" cy="179640"/>
                 </a:xfrm>
                 <a:prstGeom prst="rect">
@@ -12794,7 +13012,7 @@
                 <p14:nvPr/>
               </p14:nvContentPartPr>
               <p14:xfrm>
-                <a:off x="5658300" y="3740122"/>
+                <a:off x="4062404" y="2357011"/>
                 <a:ext cx="169200" cy="94320"/>
               </p14:xfrm>
             </p:contentPart>
@@ -12820,7 +13038,7 @@
               </p:blipFill>
               <p:spPr>
                 <a:xfrm>
-                  <a:off x="5622660" y="3704482"/>
+                  <a:off x="4026404" y="2321011"/>
                   <a:ext cx="240840" cy="165960"/>
                 </a:xfrm>
                 <a:prstGeom prst="rect">
@@ -12845,7 +13063,7 @@
                 <p14:nvPr/>
               </p14:nvContentPartPr>
               <p14:xfrm>
-                <a:off x="5869260" y="3527362"/>
+                <a:off x="4273364" y="2144251"/>
                 <a:ext cx="41760" cy="23400"/>
               </p14:xfrm>
             </p:contentPart>
@@ -12871,8 +13089,8 @@
               </p:blipFill>
               <p:spPr>
                 <a:xfrm>
-                  <a:off x="5833260" y="3491722"/>
-                  <a:ext cx="113400" cy="95040"/>
+                  <a:off x="4237672" y="2108251"/>
+                  <a:ext cx="112788" cy="95040"/>
                 </a:xfrm>
                 <a:prstGeom prst="rect">
                   <a:avLst/>
@@ -12896,7 +13114,7 @@
                 <p14:nvPr/>
               </p14:nvContentPartPr>
               <p14:xfrm>
-                <a:off x="5868180" y="3629242"/>
+                <a:off x="4272284" y="2246131"/>
                 <a:ext cx="144000" cy="213120"/>
               </p14:xfrm>
             </p:contentPart>
@@ -12922,8 +13140,8 @@
               </p:blipFill>
               <p:spPr>
                 <a:xfrm>
-                  <a:off x="5832180" y="3593242"/>
-                  <a:ext cx="215640" cy="284760"/>
+                  <a:off x="4236374" y="2210131"/>
+                  <a:ext cx="215461" cy="284760"/>
                 </a:xfrm>
                 <a:prstGeom prst="rect">
                   <a:avLst/>
@@ -12947,7 +13165,7 @@
                 <p14:nvPr/>
               </p14:nvContentPartPr>
               <p14:xfrm>
-                <a:off x="6119460" y="3693322"/>
+                <a:off x="4523564" y="2310211"/>
                 <a:ext cx="111960" cy="41400"/>
               </p14:xfrm>
             </p:contentPart>
@@ -12973,7 +13191,7 @@
               </p:blipFill>
               <p:spPr>
                 <a:xfrm>
-                  <a:off x="6083460" y="3657322"/>
+                  <a:off x="4487564" y="2274211"/>
                   <a:ext cx="183600" cy="113040"/>
                 </a:xfrm>
                 <a:prstGeom prst="rect">
@@ -12998,7 +13216,7 @@
                 <p14:nvPr/>
               </p14:nvContentPartPr>
               <p14:xfrm>
-                <a:off x="6368580" y="3505402"/>
+                <a:off x="4772684" y="2122291"/>
                 <a:ext cx="42840" cy="251280"/>
               </p14:xfrm>
             </p:contentPart>
@@ -13024,8 +13242,8 @@
               </p:blipFill>
               <p:spPr>
                 <a:xfrm>
-                  <a:off x="6332580" y="3469762"/>
-                  <a:ext cx="114480" cy="322920"/>
+                  <a:off x="4736984" y="2086239"/>
+                  <a:ext cx="113883" cy="323023"/>
                 </a:xfrm>
                 <a:prstGeom prst="rect">
                   <a:avLst/>
@@ -13049,7 +13267,7 @@
                 <p14:nvPr/>
               </p14:nvContentPartPr>
               <p14:xfrm>
-                <a:off x="6304500" y="3568762"/>
+                <a:off x="4708604" y="2185651"/>
                 <a:ext cx="142560" cy="63360"/>
               </p14:xfrm>
             </p:contentPart>
@@ -13075,8 +13293,8 @@
               </p:blipFill>
               <p:spPr>
                 <a:xfrm>
-                  <a:off x="6268860" y="3532762"/>
-                  <a:ext cx="214200" cy="135000"/>
+                  <a:off x="4672513" y="2149651"/>
+                  <a:ext cx="214381" cy="135000"/>
                 </a:xfrm>
                 <a:prstGeom prst="rect">
                   <a:avLst/>
@@ -13100,7 +13318,7 @@
                 <p14:nvPr/>
               </p14:nvContentPartPr>
               <p14:xfrm>
-                <a:off x="6475140" y="3539962"/>
+                <a:off x="4879244" y="2156851"/>
                 <a:ext cx="15480" cy="101160"/>
               </p14:xfrm>
             </p:contentPart>
@@ -13126,7 +13344,7 @@
               </p:blipFill>
               <p:spPr>
                 <a:xfrm>
-                  <a:off x="6439140" y="3503962"/>
+                  <a:off x="4843244" y="2120851"/>
                   <a:ext cx="87120" cy="172800"/>
                 </a:xfrm>
                 <a:prstGeom prst="rect">
@@ -13151,7 +13369,7 @@
                 <p14:nvPr/>
               </p14:nvContentPartPr>
               <p14:xfrm>
-                <a:off x="6330420" y="3725722"/>
+                <a:off x="4734524" y="2342611"/>
                 <a:ext cx="240120" cy="85680"/>
               </p14:xfrm>
             </p:contentPart>
@@ -13177,7 +13395,7 @@
               </p:blipFill>
               <p:spPr>
                 <a:xfrm>
-                  <a:off x="6294420" y="3689722"/>
+                  <a:off x="4698524" y="2306611"/>
                   <a:ext cx="311760" cy="157320"/>
                 </a:xfrm>
                 <a:prstGeom prst="rect">
@@ -13202,7 +13420,7 @@
                 <p14:nvPr/>
               </p14:nvContentPartPr>
               <p14:xfrm>
-                <a:off x="6645420" y="3543562"/>
+                <a:off x="5049524" y="2160451"/>
                 <a:ext cx="185760" cy="317160"/>
               </p14:xfrm>
             </p:contentPart>
@@ -13228,7 +13446,7 @@
               </p:blipFill>
               <p:spPr>
                 <a:xfrm>
-                  <a:off x="6609780" y="3507562"/>
+                  <a:off x="5013524" y="2124451"/>
                   <a:ext cx="257400" cy="388800"/>
                 </a:xfrm>
                 <a:prstGeom prst="rect">
@@ -13253,7 +13471,7 @@
                 <p14:nvPr/>
               </p14:nvContentPartPr>
               <p14:xfrm>
-                <a:off x="6655860" y="3519802"/>
+                <a:off x="5059964" y="2136691"/>
                 <a:ext cx="47880" cy="209520"/>
               </p14:xfrm>
             </p:contentPart>
@@ -13279,7 +13497,7 @@
               </p:blipFill>
               <p:spPr>
                 <a:xfrm>
-                  <a:off x="6620220" y="3484162"/>
+                  <a:off x="5023964" y="2100691"/>
                   <a:ext cx="119520" cy="281160"/>
                 </a:xfrm>
                 <a:prstGeom prst="rect">
@@ -13305,7 +13523,7 @@
               <p14:nvPr/>
             </p14:nvContentPartPr>
             <p14:xfrm>
-              <a:off x="8752140" y="1709722"/>
+              <a:off x="2135458" y="4036116"/>
               <a:ext cx="24480" cy="346320"/>
             </p14:xfrm>
           </p:contentPart>
@@ -13331,7 +13549,7 @@
             </p:blipFill>
             <p:spPr>
               <a:xfrm>
-                <a:off x="8716140" y="1674082"/>
+                <a:off x="2099458" y="4000116"/>
                 <a:ext cx="96120" cy="417960"/>
               </a:xfrm>
               <a:prstGeom prst="rect">
@@ -13356,7 +13574,7 @@
               <p14:nvPr/>
             </p14:nvContentPartPr>
             <p14:xfrm>
-              <a:off x="7597980" y="1608922"/>
+              <a:off x="981298" y="3935316"/>
               <a:ext cx="1077120" cy="418680"/>
             </p14:xfrm>
           </p:contentPart>
@@ -13382,7 +13600,7 @@
             </p:blipFill>
             <p:spPr>
               <a:xfrm>
-                <a:off x="7561980" y="1573282"/>
+                <a:off x="945298" y="3899316"/>
                 <a:ext cx="1148760" cy="490320"/>
               </a:xfrm>
               <a:prstGeom prst="rect">
@@ -13406,9 +13624,9 @@
         </p:nvGrpSpPr>
         <p:grpSpPr>
           <a:xfrm>
-            <a:off x="9136620" y="1608922"/>
+            <a:off x="2519938" y="3935316"/>
             <a:ext cx="1529139" cy="380880"/>
-            <a:chOff x="9136620" y="1608922"/>
+            <a:chOff x="2519938" y="3935316"/>
             <a:chExt cx="1529139" cy="380880"/>
           </a:xfrm>
         </p:grpSpPr>
@@ -13427,7 +13645,7 @@
                 <p14:nvPr/>
               </p14:nvContentPartPr>
               <p14:xfrm>
-                <a:off x="9136620" y="1660762"/>
+                <a:off x="2519938" y="3987156"/>
                 <a:ext cx="168840" cy="270720"/>
               </p14:xfrm>
             </p:contentPart>
@@ -13453,8 +13671,8 @@
               </p:blipFill>
               <p:spPr>
                 <a:xfrm>
-                  <a:off x="9100620" y="1625122"/>
-                  <a:ext cx="240480" cy="342360"/>
+                  <a:off x="2484015" y="3951156"/>
+                  <a:ext cx="240328" cy="342360"/>
                 </a:xfrm>
                 <a:prstGeom prst="rect">
                   <a:avLst/>
@@ -13478,7 +13696,7 @@
                 <p14:nvPr/>
               </p14:nvContentPartPr>
               <p14:xfrm>
-                <a:off x="9706359" y="1770202"/>
+                <a:off x="3089677" y="4096596"/>
                 <a:ext cx="101880" cy="219600"/>
               </p14:xfrm>
             </p:contentPart>
@@ -13504,8 +13722,8 @@
               </p:blipFill>
               <p:spPr>
                 <a:xfrm>
-                  <a:off x="9670719" y="1734202"/>
-                  <a:ext cx="173520" cy="291240"/>
+                  <a:off x="3053549" y="4060596"/>
+                  <a:ext cx="173774" cy="291240"/>
                 </a:xfrm>
                 <a:prstGeom prst="rect">
                   <a:avLst/>
@@ -13529,7 +13747,7 @@
                 <p14:nvPr/>
               </p14:nvContentPartPr>
               <p14:xfrm>
-                <a:off x="9806439" y="1829242"/>
+                <a:off x="3189757" y="4155636"/>
                 <a:ext cx="126000" cy="40680"/>
               </p14:xfrm>
             </p:contentPart>
@@ -13555,7 +13773,7 @@
               </p:blipFill>
               <p:spPr>
                 <a:xfrm>
-                  <a:off x="9770439" y="1793242"/>
+                  <a:off x="3153757" y="4119636"/>
                   <a:ext cx="197640" cy="112320"/>
                 </a:xfrm>
                 <a:prstGeom prst="rect">
@@ -13580,7 +13798,7 @@
                 <p14:nvPr/>
               </p14:nvContentPartPr>
               <p14:xfrm>
-                <a:off x="9871239" y="1775242"/>
+                <a:off x="3254557" y="4101636"/>
                 <a:ext cx="11520" cy="194400"/>
               </p14:xfrm>
             </p:contentPart>
@@ -13606,7 +13824,7 @@
               </p:blipFill>
               <p:spPr>
                 <a:xfrm>
-                  <a:off x="9835239" y="1739242"/>
+                  <a:off x="3218557" y="4065636"/>
                   <a:ext cx="83160" cy="266040"/>
                 </a:xfrm>
                 <a:prstGeom prst="rect">
@@ -13631,7 +13849,7 @@
                 <p14:nvPr/>
               </p14:nvContentPartPr>
               <p14:xfrm>
-                <a:off x="9978159" y="1671202"/>
+                <a:off x="3361477" y="3997596"/>
                 <a:ext cx="161640" cy="286200"/>
               </p14:xfrm>
             </p:contentPart>
@@ -13657,7 +13875,7 @@
               </p:blipFill>
               <p:spPr>
                 <a:xfrm>
-                  <a:off x="9942519" y="1635202"/>
+                  <a:off x="3325477" y="3961596"/>
                   <a:ext cx="233280" cy="357840"/>
                 </a:xfrm>
                 <a:prstGeom prst="rect">
@@ -13682,7 +13900,7 @@
                 <p14:nvPr/>
               </p14:nvContentPartPr>
               <p14:xfrm>
-                <a:off x="10209639" y="1838242"/>
+                <a:off x="3592957" y="4164636"/>
                 <a:ext cx="94680" cy="118440"/>
               </p14:xfrm>
             </p:contentPart>
@@ -13708,7 +13926,7 @@
               </p:blipFill>
               <p:spPr>
                 <a:xfrm>
-                  <a:off x="10173639" y="1802242"/>
+                  <a:off x="3556957" y="4128636"/>
                   <a:ext cx="166320" cy="190080"/>
                 </a:xfrm>
                 <a:prstGeom prst="rect">
@@ -13733,7 +13951,7 @@
                 <p14:nvPr/>
               </p14:nvContentPartPr>
               <p14:xfrm>
-                <a:off x="10366959" y="1838602"/>
+                <a:off x="3750277" y="4164996"/>
                 <a:ext cx="135360" cy="107640"/>
               </p14:xfrm>
             </p:contentPart>
@@ -13759,8 +13977,8 @@
               </p:blipFill>
               <p:spPr>
                 <a:xfrm>
-                  <a:off x="10330959" y="1802602"/>
-                  <a:ext cx="207000" cy="179280"/>
+                  <a:off x="3714277" y="4129116"/>
+                  <a:ext cx="207000" cy="179041"/>
                 </a:xfrm>
                 <a:prstGeom prst="rect">
                   <a:avLst/>
@@ -13784,7 +14002,7 @@
                 <p14:nvPr/>
               </p14:nvContentPartPr>
               <p14:xfrm>
-                <a:off x="10592319" y="1608922"/>
+                <a:off x="3975637" y="3935316"/>
                 <a:ext cx="32400" cy="375480"/>
               </p14:xfrm>
             </p:contentPart>
@@ -13810,8 +14028,8 @@
               </p:blipFill>
               <p:spPr>
                 <a:xfrm>
-                  <a:off x="10556679" y="1572922"/>
-                  <a:ext cx="104040" cy="447120"/>
+                  <a:off x="3939637" y="3899350"/>
+                  <a:ext cx="104040" cy="447051"/>
                 </a:xfrm>
                 <a:prstGeom prst="rect">
                   <a:avLst/>
@@ -13835,7 +14053,7 @@
                 <p14:nvPr/>
               </p14:nvContentPartPr>
               <p14:xfrm>
-                <a:off x="10464519" y="1731682"/>
+                <a:off x="3847837" y="4058076"/>
                 <a:ext cx="201240" cy="46080"/>
               </p14:xfrm>
             </p:contentPart>
@@ -13861,7 +14079,7 @@
               </p:blipFill>
               <p:spPr>
                 <a:xfrm>
-                  <a:off x="10428519" y="1695682"/>
+                  <a:off x="3811837" y="4022076"/>
                   <a:ext cx="272880" cy="117720"/>
                 </a:xfrm>
                 <a:prstGeom prst="rect">
@@ -13886,9 +14104,9 @@
         </p:nvGrpSpPr>
         <p:grpSpPr>
           <a:xfrm>
-            <a:off x="8877946" y="2532687"/>
+            <a:off x="2261264" y="4859081"/>
             <a:ext cx="528480" cy="232200"/>
-            <a:chOff x="8877946" y="2532687"/>
+            <a:chOff x="2261264" y="4859081"/>
             <a:chExt cx="528480" cy="232200"/>
           </a:xfrm>
         </p:grpSpPr>
@@ -13907,7 +14125,7 @@
                 <p14:nvPr/>
               </p14:nvContentPartPr>
               <p14:xfrm>
-                <a:off x="8877946" y="2545287"/>
+                <a:off x="2261264" y="4871681"/>
                 <a:ext cx="194760" cy="216000"/>
               </p14:xfrm>
             </p:contentPart>
@@ -13933,7 +14151,7 @@
               </p:blipFill>
               <p:spPr>
                 <a:xfrm>
-                  <a:off x="8842306" y="2509287"/>
+                  <a:off x="2225264" y="4835681"/>
                   <a:ext cx="266400" cy="287640"/>
                 </a:xfrm>
                 <a:prstGeom prst="rect">
@@ -13958,7 +14176,7 @@
                 <p14:nvPr/>
               </p14:nvContentPartPr>
               <p14:xfrm>
-                <a:off x="9245866" y="2532687"/>
+                <a:off x="2629184" y="4859081"/>
                 <a:ext cx="160560" cy="232200"/>
               </p14:xfrm>
             </p:contentPart>
@@ -13984,8 +14202,8 @@
               </p:blipFill>
               <p:spPr>
                 <a:xfrm>
-                  <a:off x="9210226" y="2496687"/>
-                  <a:ext cx="232200" cy="303840"/>
+                  <a:off x="2593184" y="4823137"/>
+                  <a:ext cx="232200" cy="303729"/>
                 </a:xfrm>
                 <a:prstGeom prst="rect">
                   <a:avLst/>
@@ -14009,9 +14227,9 @@
         </p:nvGrpSpPr>
         <p:grpSpPr>
           <a:xfrm>
-            <a:off x="9818266" y="2321367"/>
+            <a:off x="3201584" y="4647761"/>
             <a:ext cx="1493280" cy="677160"/>
-            <a:chOff x="9818266" y="2321367"/>
+            <a:chOff x="3201584" y="4647761"/>
             <a:chExt cx="1493280" cy="677160"/>
           </a:xfrm>
         </p:grpSpPr>
@@ -14030,7 +14248,7 @@
                 <p14:nvPr/>
               </p14:nvContentPartPr>
               <p14:xfrm>
-                <a:off x="9818266" y="2465727"/>
+                <a:off x="3201584" y="4792121"/>
                 <a:ext cx="97920" cy="181800"/>
               </p14:xfrm>
             </p:contentPart>
@@ -14056,8 +14274,8 @@
               </p:blipFill>
               <p:spPr>
                 <a:xfrm>
-                  <a:off x="9782266" y="2429727"/>
-                  <a:ext cx="169560" cy="253440"/>
+                  <a:off x="3165716" y="4756121"/>
+                  <a:ext cx="169298" cy="253440"/>
                 </a:xfrm>
                 <a:prstGeom prst="rect">
                   <a:avLst/>
@@ -14081,7 +14299,7 @@
                 <p14:nvPr/>
               </p14:nvContentPartPr>
               <p14:xfrm>
-                <a:off x="9953986" y="2507487"/>
+                <a:off x="3337304" y="4833881"/>
                 <a:ext cx="100800" cy="20880"/>
               </p14:xfrm>
             </p:contentPart>
@@ -14107,7 +14325,7 @@
               </p:blipFill>
               <p:spPr>
                 <a:xfrm>
-                  <a:off x="9918346" y="2471487"/>
+                  <a:off x="3301304" y="4797881"/>
                   <a:ext cx="172440" cy="92520"/>
                 </a:xfrm>
                 <a:prstGeom prst="rect">
@@ -14132,7 +14350,7 @@
                 <p14:nvPr/>
               </p14:nvContentPartPr>
               <p14:xfrm>
-                <a:off x="9996826" y="2456727"/>
+                <a:off x="3380144" y="4783121"/>
                 <a:ext cx="15480" cy="165600"/>
               </p14:xfrm>
             </p:contentPart>
@@ -14158,7 +14376,7 @@
               </p:blipFill>
               <p:spPr>
                 <a:xfrm>
-                  <a:off x="9961186" y="2421087"/>
+                  <a:off x="3344144" y="4747121"/>
                   <a:ext cx="87120" cy="237240"/>
                 </a:xfrm>
                 <a:prstGeom prst="rect">
@@ -14183,7 +14401,7 @@
                 <p14:nvPr/>
               </p14:nvContentPartPr>
               <p14:xfrm>
-                <a:off x="10094386" y="2321367"/>
+                <a:off x="3477704" y="4647761"/>
                 <a:ext cx="144720" cy="293760"/>
               </p14:xfrm>
             </p:contentPart>
@@ -14209,8 +14427,8 @@
               </p:blipFill>
               <p:spPr>
                 <a:xfrm>
-                  <a:off x="10058386" y="2285727"/>
-                  <a:ext cx="216360" cy="365400"/>
+                  <a:off x="3441793" y="4611761"/>
+                  <a:ext cx="216182" cy="365400"/>
                 </a:xfrm>
                 <a:prstGeom prst="rect">
                   <a:avLst/>
@@ -14234,7 +14452,7 @@
                 <p14:nvPr/>
               </p14:nvContentPartPr>
               <p14:xfrm>
-                <a:off x="10347466" y="2465007"/>
+                <a:off x="3730784" y="4791401"/>
                 <a:ext cx="125640" cy="147600"/>
               </p14:xfrm>
             </p:contentPart>
@@ -14260,8 +14478,8 @@
               </p:blipFill>
               <p:spPr>
                 <a:xfrm>
-                  <a:off x="10311826" y="2429007"/>
-                  <a:ext cx="197280" cy="219240"/>
+                  <a:off x="3694681" y="4755401"/>
+                  <a:ext cx="197486" cy="219240"/>
                 </a:xfrm>
                 <a:prstGeom prst="rect">
                   <a:avLst/>
@@ -14285,7 +14503,7 @@
                 <p14:nvPr/>
               </p14:nvContentPartPr>
               <p14:xfrm>
-                <a:off x="10520266" y="2465007"/>
+                <a:off x="3903584" y="4791401"/>
                 <a:ext cx="119880" cy="137160"/>
               </p14:xfrm>
             </p:contentPart>
@@ -14311,8 +14529,8 @@
               </p:blipFill>
               <p:spPr>
                 <a:xfrm>
-                  <a:off x="10484266" y="2429367"/>
-                  <a:ext cx="191520" cy="208800"/>
+                  <a:off x="3867584" y="4755306"/>
+                  <a:ext cx="191520" cy="208989"/>
                 </a:xfrm>
                 <a:prstGeom prst="rect">
                   <a:avLst/>
@@ -14336,7 +14554,7 @@
                 <p14:nvPr/>
               </p14:nvContentPartPr>
               <p14:xfrm>
-                <a:off x="10664986" y="2440167"/>
+                <a:off x="4048304" y="4766561"/>
                 <a:ext cx="152640" cy="171360"/>
               </p14:xfrm>
             </p:contentPart>
@@ -14362,7 +14580,7 @@
               </p:blipFill>
               <p:spPr>
                 <a:xfrm>
-                  <a:off x="10628986" y="2404167"/>
+                  <a:off x="4012304" y="4730561"/>
                   <a:ext cx="224280" cy="243000"/>
                 </a:xfrm>
                 <a:prstGeom prst="rect">
@@ -14387,7 +14605,7 @@
                 <p14:nvPr/>
               </p14:nvContentPartPr>
               <p14:xfrm>
-                <a:off x="9873346" y="2877927"/>
+                <a:off x="3256664" y="5204321"/>
                 <a:ext cx="115920" cy="36360"/>
               </p14:xfrm>
             </p:contentPart>
@@ -14413,7 +14631,7 @@
               </p:blipFill>
               <p:spPr>
                 <a:xfrm>
-                  <a:off x="9837346" y="2842287"/>
+                  <a:off x="3220664" y="5168321"/>
                   <a:ext cx="187560" cy="108000"/>
                 </a:xfrm>
                 <a:prstGeom prst="rect">
@@ -14438,7 +14656,7 @@
                 <p14:nvPr/>
               </p14:nvContentPartPr>
               <p14:xfrm>
-                <a:off x="9917986" y="2822847"/>
+                <a:off x="3301304" y="5149241"/>
                 <a:ext cx="15120" cy="128880"/>
               </p14:xfrm>
             </p:contentPart>
@@ -14464,7 +14682,7 @@
               </p:blipFill>
               <p:spPr>
                 <a:xfrm>
-                  <a:off x="9882346" y="2786847"/>
+                  <a:off x="3265304" y="5113241"/>
                   <a:ext cx="86760" cy="200520"/>
                 </a:xfrm>
                 <a:prstGeom prst="rect">
@@ -14489,7 +14707,7 @@
                 <p14:nvPr/>
               </p14:nvContentPartPr>
               <p14:xfrm>
-                <a:off x="10121026" y="2857407"/>
+                <a:off x="3504344" y="5183801"/>
                 <a:ext cx="110520" cy="141120"/>
               </p14:xfrm>
             </p:contentPart>
@@ -14515,8 +14733,8 @@
               </p:blipFill>
               <p:spPr>
                 <a:xfrm>
-                  <a:off x="10085026" y="2821407"/>
-                  <a:ext cx="182160" cy="212760"/>
+                  <a:off x="3468461" y="5147801"/>
+                  <a:ext cx="181927" cy="212760"/>
                 </a:xfrm>
                 <a:prstGeom prst="rect">
                   <a:avLst/>
@@ -14540,7 +14758,7 @@
                 <p14:nvPr/>
               </p14:nvContentPartPr>
               <p14:xfrm>
-                <a:off x="10254586" y="2885127"/>
+                <a:off x="3637904" y="5211521"/>
                 <a:ext cx="98640" cy="26640"/>
               </p14:xfrm>
             </p:contentPart>
@@ -14566,7 +14784,7 @@
               </p:blipFill>
               <p:spPr>
                 <a:xfrm>
-                  <a:off x="10218946" y="2849127"/>
+                  <a:off x="3601904" y="5175521"/>
                   <a:ext cx="170280" cy="98280"/>
                 </a:xfrm>
                 <a:prstGeom prst="rect">
@@ -14591,7 +14809,7 @@
                 <p14:nvPr/>
               </p14:nvContentPartPr>
               <p14:xfrm>
-                <a:off x="10309306" y="2854527"/>
+                <a:off x="3692624" y="5180921"/>
                 <a:ext cx="10080" cy="132120"/>
               </p14:xfrm>
             </p:contentPart>
@@ -14617,8 +14835,8 @@
               </p:blipFill>
               <p:spPr>
                 <a:xfrm>
-                  <a:off x="10273306" y="2818527"/>
-                  <a:ext cx="81720" cy="203760"/>
+                  <a:off x="3657865" y="5144921"/>
+                  <a:ext cx="79250" cy="203760"/>
                 </a:xfrm>
                 <a:prstGeom prst="rect">
                   <a:avLst/>
@@ -14642,7 +14860,7 @@
                 <p14:nvPr/>
               </p14:nvContentPartPr>
               <p14:xfrm>
-                <a:off x="10436026" y="2700087"/>
+                <a:off x="3819344" y="5026481"/>
                 <a:ext cx="159480" cy="274320"/>
               </p14:xfrm>
             </p:contentPart>
@@ -14668,7 +14886,7 @@
               </p:blipFill>
               <p:spPr>
                 <a:xfrm>
-                  <a:off x="10400026" y="2664447"/>
+                  <a:off x="3783344" y="4990481"/>
                   <a:ext cx="231120" cy="345960"/>
                 </a:xfrm>
                 <a:prstGeom prst="rect">
@@ -14693,7 +14911,7 @@
                 <p14:nvPr/>
               </p14:nvContentPartPr>
               <p14:xfrm>
-                <a:off x="10733386" y="2839407"/>
+                <a:off x="4116704" y="5165801"/>
                 <a:ext cx="92520" cy="123120"/>
               </p14:xfrm>
             </p:contentPart>
@@ -14719,8 +14937,8 @@
               </p:blipFill>
               <p:spPr>
                 <a:xfrm>
-                  <a:off x="10697386" y="2803767"/>
-                  <a:ext cx="164160" cy="194760"/>
+                  <a:off x="4080844" y="5129695"/>
+                  <a:ext cx="163882" cy="194970"/>
                 </a:xfrm>
                 <a:prstGeom prst="rect">
                   <a:avLst/>
@@ -14744,7 +14962,7 @@
                 <p14:nvPr/>
               </p14:nvContentPartPr>
               <p14:xfrm>
-                <a:off x="10920586" y="2836527"/>
+                <a:off x="4303904" y="5162921"/>
                 <a:ext cx="138600" cy="117720"/>
               </p14:xfrm>
             </p:contentPart>
@@ -14770,8 +14988,8 @@
               </p:blipFill>
               <p:spPr>
                 <a:xfrm>
-                  <a:off x="10884586" y="2800527"/>
-                  <a:ext cx="210240" cy="189360"/>
+                  <a:off x="4267904" y="5127031"/>
+                  <a:ext cx="210240" cy="189142"/>
                 </a:xfrm>
                 <a:prstGeom prst="rect">
                   <a:avLst/>
@@ -14795,7 +15013,7 @@
                 <p14:nvPr/>
               </p14:nvContentPartPr>
               <p14:xfrm>
-                <a:off x="11109586" y="2750127"/>
+                <a:off x="4492904" y="5076521"/>
                 <a:ext cx="145440" cy="32040"/>
               </p14:xfrm>
             </p:contentPart>
@@ -14821,8 +15039,8 @@
               </p:blipFill>
               <p:spPr>
                 <a:xfrm>
-                  <a:off x="11073586" y="2714487"/>
-                  <a:ext cx="217080" cy="103680"/>
+                  <a:off x="4456993" y="5040521"/>
+                  <a:ext cx="216903" cy="103680"/>
                 </a:xfrm>
                 <a:prstGeom prst="rect">
                   <a:avLst/>
@@ -14846,7 +15064,7 @@
                 <p14:nvPr/>
               </p14:nvContentPartPr>
               <p14:xfrm>
-                <a:off x="11163226" y="2691087"/>
+                <a:off x="4546544" y="5017481"/>
                 <a:ext cx="148320" cy="264240"/>
               </p14:xfrm>
             </p:contentPart>
@@ -14872,8 +15090,8 @@
               </p:blipFill>
               <p:spPr>
                 <a:xfrm>
-                  <a:off x="11127226" y="2655447"/>
-                  <a:ext cx="219960" cy="335880"/>
+                  <a:off x="4510631" y="4981481"/>
+                  <a:ext cx="219787" cy="335880"/>
                 </a:xfrm>
                 <a:prstGeom prst="rect">
                   <a:avLst/>
@@ -14897,9 +15115,9 @@
         </p:nvGrpSpPr>
         <p:grpSpPr>
           <a:xfrm>
-            <a:off x="7523820" y="2495962"/>
+            <a:off x="907138" y="4822356"/>
             <a:ext cx="1071000" cy="392760"/>
-            <a:chOff x="7523820" y="2495962"/>
+            <a:chOff x="907138" y="4822356"/>
             <a:chExt cx="1071000" cy="392760"/>
           </a:xfrm>
         </p:grpSpPr>
@@ -14918,7 +15136,7 @@
                 <p14:nvPr/>
               </p14:nvContentPartPr>
               <p14:xfrm>
-                <a:off x="8571420" y="2553562"/>
+                <a:off x="1954738" y="4879956"/>
                 <a:ext cx="23400" cy="335160"/>
               </p14:xfrm>
             </p:contentPart>
@@ -14944,7 +15162,7 @@
               </p:blipFill>
               <p:spPr>
                 <a:xfrm>
-                  <a:off x="8535420" y="2517562"/>
+                  <a:off x="1918738" y="4843956"/>
                   <a:ext cx="95040" cy="406800"/>
                 </a:xfrm>
                 <a:prstGeom prst="rect">
@@ -14969,7 +15187,7 @@
                 <p14:nvPr/>
               </p14:nvContentPartPr>
               <p14:xfrm>
-                <a:off x="7523820" y="2495962"/>
+                <a:off x="907138" y="4822356"/>
                 <a:ext cx="1018440" cy="386280"/>
               </p14:xfrm>
             </p:contentPart>
@@ -14995,8 +15213,8 @@
               </p:blipFill>
               <p:spPr>
                 <a:xfrm>
-                  <a:off x="7488180" y="2459962"/>
-                  <a:ext cx="1090080" cy="457920"/>
+                  <a:off x="871138" y="4786390"/>
+                  <a:ext cx="1090080" cy="457853"/>
                 </a:xfrm>
                 <a:prstGeom prst="rect">
                   <a:avLst/>
@@ -15020,9 +15238,9 @@
         </p:nvGrpSpPr>
         <p:grpSpPr>
           <a:xfrm>
-            <a:off x="7680780" y="3445642"/>
+            <a:off x="1064098" y="5772036"/>
             <a:ext cx="1335600" cy="372960"/>
-            <a:chOff x="7680780" y="3445642"/>
+            <a:chOff x="1064098" y="5772036"/>
             <a:chExt cx="1335600" cy="372960"/>
           </a:xfrm>
         </p:grpSpPr>
@@ -15041,7 +15259,7 @@
                 <p14:nvPr/>
               </p14:nvContentPartPr>
               <p14:xfrm>
-                <a:off x="8654940" y="3535642"/>
+                <a:off x="2038258" y="5862036"/>
                 <a:ext cx="47520" cy="241200"/>
               </p14:xfrm>
             </p:contentPart>
@@ -15067,7 +15285,7 @@
               </p:blipFill>
               <p:spPr>
                 <a:xfrm>
-                  <a:off x="8618940" y="3500002"/>
+                  <a:off x="2002258" y="5826036"/>
                   <a:ext cx="119160" cy="312840"/>
                 </a:xfrm>
                 <a:prstGeom prst="rect">
@@ -15092,7 +15310,7 @@
                 <p14:nvPr/>
               </p14:nvContentPartPr>
               <p14:xfrm>
-                <a:off x="7680780" y="3445642"/>
+                <a:off x="1064098" y="5772036"/>
                 <a:ext cx="1035000" cy="372960"/>
               </p14:xfrm>
             </p:contentPart>
@@ -15118,8 +15336,8 @@
               </p:blipFill>
               <p:spPr>
                 <a:xfrm>
-                  <a:off x="7644780" y="3409642"/>
-                  <a:ext cx="1106640" cy="444600"/>
+                  <a:off x="1028098" y="5736071"/>
+                  <a:ext cx="1106640" cy="444531"/>
                 </a:xfrm>
                 <a:prstGeom prst="rect">
                   <a:avLst/>
@@ -15143,7 +15361,7 @@
                 <p14:nvPr/>
               </p14:nvContentPartPr>
               <p14:xfrm>
-                <a:off x="8888220" y="3509722"/>
+                <a:off x="2271538" y="5836116"/>
                 <a:ext cx="128160" cy="222840"/>
               </p14:xfrm>
             </p:contentPart>
@@ -15169,7 +15387,7 @@
               </p:blipFill>
               <p:spPr>
                 <a:xfrm>
-                  <a:off x="8852220" y="3473722"/>
+                  <a:off x="2235538" y="5800116"/>
                   <a:ext cx="199800" cy="294480"/>
                 </a:xfrm>
                 <a:prstGeom prst="rect">
@@ -15194,9 +15412,9 @@
         </p:nvGrpSpPr>
         <p:grpSpPr>
           <a:xfrm>
-            <a:off x="9301860" y="3282922"/>
+            <a:off x="2685178" y="5609316"/>
             <a:ext cx="2160720" cy="378720"/>
-            <a:chOff x="9301860" y="3282922"/>
+            <a:chOff x="2685178" y="5609316"/>
             <a:chExt cx="2160720" cy="378720"/>
           </a:xfrm>
         </p:grpSpPr>
@@ -15215,7 +15433,7 @@
                 <p14:nvPr/>
               </p14:nvContentPartPr>
               <p14:xfrm>
-                <a:off x="9301860" y="3509722"/>
+                <a:off x="2685178" y="5836116"/>
                 <a:ext cx="83880" cy="151920"/>
               </p14:xfrm>
             </p:contentPart>
@@ -15241,7 +15459,7 @@
               </p:blipFill>
               <p:spPr>
                 <a:xfrm>
-                  <a:off x="9265860" y="3473722"/>
+                  <a:off x="2649178" y="5800116"/>
                   <a:ext cx="155520" cy="223560"/>
                 </a:xfrm>
                 <a:prstGeom prst="rect">
@@ -15266,7 +15484,7 @@
                 <p14:nvPr/>
               </p14:nvContentPartPr>
               <p14:xfrm>
-                <a:off x="9399060" y="3502162"/>
+                <a:off x="2782378" y="5828556"/>
                 <a:ext cx="128880" cy="120960"/>
               </p14:xfrm>
             </p:contentPart>
@@ -15292,7 +15510,7 @@
               </p:blipFill>
               <p:spPr>
                 <a:xfrm>
-                  <a:off x="9363060" y="3466522"/>
+                  <a:off x="2746378" y="5792556"/>
                   <a:ext cx="200520" cy="192600"/>
                 </a:xfrm>
                 <a:prstGeom prst="rect">
@@ -15317,7 +15535,7 @@
                 <p14:nvPr/>
               </p14:nvContentPartPr>
               <p14:xfrm>
-                <a:off x="9573300" y="3495322"/>
+                <a:off x="2956618" y="5821716"/>
                 <a:ext cx="77760" cy="162000"/>
               </p14:xfrm>
             </p:contentPart>
@@ -15343,7 +15561,7 @@
               </p:blipFill>
               <p:spPr>
                 <a:xfrm>
-                  <a:off x="9537300" y="3459682"/>
+                  <a:off x="2920618" y="5785716"/>
                   <a:ext cx="149400" cy="233640"/>
                 </a:xfrm>
                 <a:prstGeom prst="rect">
@@ -15368,7 +15586,7 @@
                 <p14:nvPr/>
               </p14:nvContentPartPr>
               <p14:xfrm>
-                <a:off x="9694620" y="3529162"/>
+                <a:off x="3077938" y="5855556"/>
                 <a:ext cx="127800" cy="102240"/>
               </p14:xfrm>
             </p:contentPart>
@@ -15394,7 +15612,7 @@
               </p:blipFill>
               <p:spPr>
                 <a:xfrm>
-                  <a:off x="9658620" y="3493522"/>
+                  <a:off x="3041938" y="5819556"/>
                   <a:ext cx="199440" cy="173880"/>
                 </a:xfrm>
                 <a:prstGeom prst="rect">
@@ -15419,7 +15637,7 @@
                 <p14:nvPr/>
               </p14:nvContentPartPr>
               <p14:xfrm>
-                <a:off x="9890100" y="3344482"/>
+                <a:off x="3273418" y="5670876"/>
                 <a:ext cx="13680" cy="277920"/>
               </p14:xfrm>
             </p:contentPart>
@@ -15445,7 +15663,7 @@
               </p:blipFill>
               <p:spPr>
                 <a:xfrm>
-                  <a:off x="9854100" y="3308842"/>
+                  <a:off x="3237418" y="5634876"/>
                   <a:ext cx="85320" cy="349560"/>
                 </a:xfrm>
                 <a:prstGeom prst="rect">
@@ -15470,7 +15688,7 @@
                 <p14:nvPr/>
               </p14:nvContentPartPr>
               <p14:xfrm>
-                <a:off x="9937620" y="3452122"/>
+                <a:off x="3320938" y="5778516"/>
                 <a:ext cx="105120" cy="33840"/>
               </p14:xfrm>
             </p:contentPart>
@@ -15496,8 +15714,8 @@
               </p:blipFill>
               <p:spPr>
                 <a:xfrm>
-                  <a:off x="9901620" y="3416482"/>
-                  <a:ext cx="176760" cy="105480"/>
+                  <a:off x="3284938" y="5742129"/>
+                  <a:ext cx="176760" cy="106250"/>
                 </a:xfrm>
                 <a:prstGeom prst="rect">
                   <a:avLst/>
@@ -15521,7 +15739,7 @@
                 <p14:nvPr/>
               </p14:nvContentPartPr>
               <p14:xfrm>
-                <a:off x="9983340" y="3362482"/>
+                <a:off x="3366658" y="5688876"/>
                 <a:ext cx="24840" cy="231840"/>
               </p14:xfrm>
             </p:contentPart>
@@ -15547,7 +15765,7 @@
               </p:blipFill>
               <p:spPr>
                 <a:xfrm>
-                  <a:off x="9947700" y="3326842"/>
+                  <a:off x="3330658" y="5652876"/>
                   <a:ext cx="96480" cy="303480"/>
                 </a:xfrm>
                 <a:prstGeom prst="rect">
@@ -15572,7 +15790,7 @@
                 <p14:nvPr/>
               </p14:nvContentPartPr>
               <p14:xfrm>
-                <a:off x="10107540" y="3479842"/>
+                <a:off x="3490858" y="5806236"/>
                 <a:ext cx="87480" cy="159840"/>
               </p14:xfrm>
             </p:contentPart>
@@ -15598,7 +15816,7 @@
               </p:blipFill>
               <p:spPr>
                 <a:xfrm>
-                  <a:off x="10071540" y="3444202"/>
+                  <a:off x="3454858" y="5770236"/>
                   <a:ext cx="159120" cy="231480"/>
                 </a:xfrm>
                 <a:prstGeom prst="rect">
@@ -15623,7 +15841,7 @@
                 <p14:nvPr/>
               </p14:nvContentPartPr>
               <p14:xfrm>
-                <a:off x="10361700" y="3447442"/>
+                <a:off x="3745018" y="5773836"/>
                 <a:ext cx="77760" cy="43200"/>
               </p14:xfrm>
             </p:contentPart>
@@ -15649,8 +15867,8 @@
               </p:blipFill>
               <p:spPr>
                 <a:xfrm>
-                  <a:off x="10325700" y="3411442"/>
-                  <a:ext cx="149400" cy="114840"/>
+                  <a:off x="3709184" y="5737836"/>
+                  <a:ext cx="149070" cy="114840"/>
                 </a:xfrm>
                 <a:prstGeom prst="rect">
                   <a:avLst/>
@@ -15674,7 +15892,7 @@
                 <p14:nvPr/>
               </p14:nvContentPartPr>
               <p14:xfrm>
-                <a:off x="10292580" y="3590722"/>
+                <a:off x="3675898" y="5917116"/>
                 <a:ext cx="22680" cy="15840"/>
               </p14:xfrm>
             </p:contentPart>
@@ -15700,7 +15918,7 @@
               </p:blipFill>
               <p:spPr>
                 <a:xfrm>
-                  <a:off x="10256940" y="3555082"/>
+                  <a:off x="3639898" y="5881116"/>
                   <a:ext cx="94320" cy="87480"/>
                 </a:xfrm>
                 <a:prstGeom prst="rect">
@@ -15725,7 +15943,7 @@
                 <p14:nvPr/>
               </p14:nvContentPartPr>
               <p14:xfrm>
-                <a:off x="10365300" y="3331162"/>
+                <a:off x="3748618" y="5657556"/>
                 <a:ext cx="59400" cy="287640"/>
               </p14:xfrm>
             </p:contentPart>
@@ -15751,8 +15969,8 @@
               </p:blipFill>
               <p:spPr>
                 <a:xfrm>
-                  <a:off x="10329660" y="3295162"/>
-                  <a:ext cx="131040" cy="359280"/>
+                  <a:off x="3712618" y="5621601"/>
+                  <a:ext cx="131040" cy="359190"/>
                 </a:xfrm>
                 <a:prstGeom prst="rect">
                   <a:avLst/>
@@ -15776,7 +15994,7 @@
                 <p14:nvPr/>
               </p14:nvContentPartPr>
               <p14:xfrm>
-                <a:off x="10511820" y="3414682"/>
+                <a:off x="3895138" y="5741076"/>
                 <a:ext cx="133560" cy="197640"/>
               </p14:xfrm>
             </p:contentPart>
@@ -15802,8 +16020,8 @@
               </p:blipFill>
               <p:spPr>
                 <a:xfrm>
-                  <a:off x="10475820" y="3378682"/>
-                  <a:ext cx="205200" cy="269280"/>
+                  <a:off x="3859235" y="5705076"/>
+                  <a:ext cx="205007" cy="269280"/>
                 </a:xfrm>
                 <a:prstGeom prst="rect">
                   <a:avLst/>
@@ -15827,7 +16045,7 @@
                 <p14:nvPr/>
               </p14:nvContentPartPr>
               <p14:xfrm>
-                <a:off x="10546020" y="3461122"/>
+                <a:off x="3929338" y="5787516"/>
                 <a:ext cx="92160" cy="142920"/>
               </p14:xfrm>
             </p:contentPart>
@@ -15853,7 +16071,7 @@
               </p:blipFill>
               <p:spPr>
                 <a:xfrm>
-                  <a:off x="10510380" y="3425122"/>
+                  <a:off x="3893338" y="5751516"/>
                   <a:ext cx="163800" cy="214560"/>
                 </a:xfrm>
                 <a:prstGeom prst="rect">
@@ -15878,7 +16096,7 @@
                 <p14:nvPr/>
               </p14:nvContentPartPr>
               <p14:xfrm>
-                <a:off x="10711620" y="3402082"/>
+                <a:off x="4094938" y="5728476"/>
                 <a:ext cx="143640" cy="63360"/>
               </p14:xfrm>
             </p:contentPart>
@@ -15904,8 +16122,8 @@
               </p:blipFill>
               <p:spPr>
                 <a:xfrm>
-                  <a:off x="10675980" y="3366442"/>
-                  <a:ext cx="215280" cy="135000"/>
+                  <a:off x="4058848" y="5692476"/>
+                  <a:ext cx="215460" cy="135000"/>
                 </a:xfrm>
                 <a:prstGeom prst="rect">
                   <a:avLst/>
@@ -15929,7 +16147,7 @@
                 <p14:nvPr/>
               </p14:nvContentPartPr>
               <p14:xfrm>
-                <a:off x="10778220" y="3333322"/>
+                <a:off x="4161538" y="5659716"/>
                 <a:ext cx="109800" cy="255960"/>
               </p14:xfrm>
             </p:contentPart>
@@ -15955,8 +16173,8 @@
               </p:blipFill>
               <p:spPr>
                 <a:xfrm>
-                  <a:off x="10742580" y="3297322"/>
-                  <a:ext cx="181440" cy="327600"/>
+                  <a:off x="4125420" y="5623716"/>
+                  <a:ext cx="181676" cy="327600"/>
                 </a:xfrm>
                 <a:prstGeom prst="rect">
                   <a:avLst/>
@@ -15980,7 +16198,7 @@
                 <p14:nvPr/>
               </p14:nvContentPartPr>
               <p14:xfrm>
-                <a:off x="11089260" y="3403162"/>
+                <a:off x="4472578" y="5729556"/>
                 <a:ext cx="155880" cy="183600"/>
               </p14:xfrm>
             </p:contentPart>
@@ -16006,8 +16224,8 @@
               </p:blipFill>
               <p:spPr>
                 <a:xfrm>
-                  <a:off x="11053260" y="3367522"/>
-                  <a:ext cx="227520" cy="255240"/>
+                  <a:off x="4436661" y="5693556"/>
+                  <a:ext cx="227355" cy="255240"/>
                 </a:xfrm>
                 <a:prstGeom prst="rect">
                   <a:avLst/>
@@ -16031,7 +16249,7 @@
                 <p14:nvPr/>
               </p14:nvContentPartPr>
               <p14:xfrm>
-                <a:off x="11314980" y="3282922"/>
+                <a:off x="4698298" y="5609316"/>
                 <a:ext cx="147600" cy="333720"/>
               </p14:xfrm>
             </p:contentPart>
@@ -16057,7 +16275,7 @@
               </p:blipFill>
               <p:spPr>
                 <a:xfrm>
-                  <a:off x="11278980" y="3246922"/>
+                  <a:off x="4662298" y="5573316"/>
                   <a:ext cx="219240" cy="405360"/>
                 </a:xfrm>
                 <a:prstGeom prst="rect">
@@ -16082,9 +16300,9 @@
         </p:nvGrpSpPr>
         <p:grpSpPr>
           <a:xfrm>
-            <a:off x="9994860" y="3998962"/>
+            <a:off x="3378178" y="6325356"/>
             <a:ext cx="1501920" cy="325080"/>
-            <a:chOff x="9994860" y="3998962"/>
+            <a:chOff x="3378178" y="6325356"/>
             <a:chExt cx="1501920" cy="325080"/>
           </a:xfrm>
         </p:grpSpPr>
@@ -16103,7 +16321,7 @@
                 <p14:nvPr/>
               </p14:nvContentPartPr>
               <p14:xfrm>
-                <a:off x="9994860" y="4163122"/>
+                <a:off x="3378178" y="6489516"/>
                 <a:ext cx="137160" cy="160920"/>
               </p14:xfrm>
             </p:contentPart>
@@ -16129,8 +16347,8 @@
               </p:blipFill>
               <p:spPr>
                 <a:xfrm>
-                  <a:off x="9959220" y="4127482"/>
-                  <a:ext cx="208800" cy="232560"/>
+                  <a:off x="3342083" y="6453435"/>
+                  <a:ext cx="208989" cy="232721"/>
                 </a:xfrm>
                 <a:prstGeom prst="rect">
                   <a:avLst/>
@@ -16154,7 +16372,7 @@
                 <p14:nvPr/>
               </p14:nvContentPartPr>
               <p14:xfrm>
-                <a:off x="10174860" y="4143322"/>
+                <a:off x="3558178" y="6469716"/>
                 <a:ext cx="116280" cy="136800"/>
               </p14:xfrm>
             </p:contentPart>
@@ -16180,7 +16398,7 @@
               </p:blipFill>
               <p:spPr>
                 <a:xfrm>
-                  <a:off x="10138860" y="4107682"/>
+                  <a:off x="3522178" y="6433716"/>
                   <a:ext cx="187920" cy="208440"/>
                 </a:xfrm>
                 <a:prstGeom prst="rect">
@@ -16205,7 +16423,7 @@
                 <p14:nvPr/>
               </p14:nvContentPartPr>
               <p14:xfrm>
-                <a:off x="10308060" y="4131442"/>
+                <a:off x="3691378" y="6457836"/>
                 <a:ext cx="109080" cy="133200"/>
               </p14:xfrm>
             </p:contentPart>
@@ -16231,7 +16449,7 @@
               </p:blipFill>
               <p:spPr>
                 <a:xfrm>
-                  <a:off x="10272060" y="4095442"/>
+                  <a:off x="3655378" y="6421836"/>
                   <a:ext cx="180720" cy="204840"/>
                 </a:xfrm>
                 <a:prstGeom prst="rect">
@@ -16256,7 +16474,7 @@
                 <p14:nvPr/>
               </p14:nvContentPartPr>
               <p14:xfrm>
-                <a:off x="10485540" y="4154122"/>
+                <a:off x="3868858" y="6480516"/>
                 <a:ext cx="92160" cy="105480"/>
               </p14:xfrm>
             </p:contentPart>
@@ -16282,8 +16500,8 @@
               </p:blipFill>
               <p:spPr>
                 <a:xfrm>
-                  <a:off x="10449540" y="4118122"/>
-                  <a:ext cx="163800" cy="177120"/>
+                  <a:off x="3832998" y="6444516"/>
+                  <a:ext cx="163521" cy="177120"/>
                 </a:xfrm>
                 <a:prstGeom prst="rect">
                   <a:avLst/>
@@ -16307,7 +16525,7 @@
                 <p14:nvPr/>
               </p14:nvContentPartPr>
               <p14:xfrm>
-                <a:off x="10629180" y="4135042"/>
+                <a:off x="4012498" y="6461436"/>
                 <a:ext cx="185400" cy="132120"/>
               </p14:xfrm>
             </p:contentPart>
@@ -16333,8 +16551,8 @@
               </p:blipFill>
               <p:spPr>
                 <a:xfrm>
-                  <a:off x="10593540" y="4099402"/>
-                  <a:ext cx="257040" cy="203760"/>
+                  <a:off x="3976498" y="6425338"/>
+                  <a:ext cx="257040" cy="203956"/>
                 </a:xfrm>
                 <a:prstGeom prst="rect">
                   <a:avLst/>
@@ -16358,7 +16576,7 @@
                 <p14:nvPr/>
               </p14:nvContentPartPr>
               <p14:xfrm>
-                <a:off x="10827540" y="4290922"/>
+                <a:off x="4210858" y="6617316"/>
                 <a:ext cx="17280" cy="23400"/>
               </p14:xfrm>
             </p:contentPart>
@@ -16384,8 +16602,8 @@
               </p:blipFill>
               <p:spPr>
                 <a:xfrm>
-                  <a:off x="10791540" y="4254922"/>
-                  <a:ext cx="88920" cy="95040"/>
+                  <a:off x="4175593" y="6581316"/>
+                  <a:ext cx="87458" cy="95040"/>
                 </a:xfrm>
                 <a:prstGeom prst="rect">
                   <a:avLst/>
@@ -16409,7 +16627,7 @@
                 <p14:nvPr/>
               </p14:nvContentPartPr>
               <p14:xfrm>
-                <a:off x="10941300" y="4074562"/>
+                <a:off x="4324618" y="6400956"/>
                 <a:ext cx="87120" cy="58320"/>
               </p14:xfrm>
             </p:contentPart>
@@ -16435,7 +16653,7 @@
               </p:blipFill>
               <p:spPr>
                 <a:xfrm>
-                  <a:off x="10905300" y="4038562"/>
+                  <a:off x="4288618" y="6364956"/>
                   <a:ext cx="158760" cy="129960"/>
                 </a:xfrm>
                 <a:prstGeom prst="rect">
@@ -16460,7 +16678,7 @@
                 <p14:nvPr/>
               </p14:nvContentPartPr>
               <p14:xfrm>
-                <a:off x="11002860" y="3998962"/>
+                <a:off x="4386178" y="6325356"/>
                 <a:ext cx="262080" cy="206280"/>
               </p14:xfrm>
             </p:contentPart>
@@ -16486,7 +16704,7 @@
               </p:blipFill>
               <p:spPr>
                 <a:xfrm>
-                  <a:off x="10967220" y="3963322"/>
+                  <a:off x="4350178" y="6289356"/>
                   <a:ext cx="333720" cy="277920"/>
                 </a:xfrm>
                 <a:prstGeom prst="rect">
@@ -16511,7 +16729,7 @@
                 <p14:nvPr/>
               </p14:nvContentPartPr>
               <p14:xfrm>
-                <a:off x="11156580" y="4059802"/>
+                <a:off x="4539898" y="6386196"/>
                 <a:ext cx="104760" cy="113400"/>
               </p14:xfrm>
             </p:contentPart>
@@ -16537,7 +16755,7 @@
               </p:blipFill>
               <p:spPr>
                 <a:xfrm>
-                  <a:off x="11120580" y="4023802"/>
+                  <a:off x="4503898" y="6350196"/>
                   <a:ext cx="176400" cy="185040"/>
                 </a:xfrm>
                 <a:prstGeom prst="rect">
@@ -16562,7 +16780,7 @@
                 <p14:nvPr/>
               </p14:nvContentPartPr>
               <p14:xfrm>
-                <a:off x="11343420" y="4004722"/>
+                <a:off x="4726738" y="6331116"/>
                 <a:ext cx="153360" cy="249480"/>
               </p14:xfrm>
             </p:contentPart>
@@ -16588,7 +16806,7 @@
               </p:blipFill>
               <p:spPr>
                 <a:xfrm>
-                  <a:off x="11307420" y="3968722"/>
+                  <a:off x="4690738" y="6295116"/>
                   <a:ext cx="225000" cy="321120"/>
                 </a:xfrm>
                 <a:prstGeom prst="rect">
@@ -16613,9 +16831,9 @@
         </p:nvGrpSpPr>
         <p:grpSpPr>
           <a:xfrm>
-            <a:off x="817740" y="3921202"/>
+            <a:off x="5278095" y="4099296"/>
             <a:ext cx="884160" cy="420120"/>
-            <a:chOff x="817740" y="3921202"/>
+            <a:chOff x="5278095" y="4099296"/>
             <a:chExt cx="884160" cy="420120"/>
           </a:xfrm>
         </p:grpSpPr>
@@ -16634,7 +16852,7 @@
                 <p14:nvPr/>
               </p14:nvContentPartPr>
               <p14:xfrm>
-                <a:off x="827820" y="4067362"/>
+                <a:off x="5288175" y="4245456"/>
                 <a:ext cx="72000" cy="273960"/>
               </p14:xfrm>
             </p:contentPart>
@@ -16660,8 +16878,8 @@
               </p:blipFill>
               <p:spPr>
                 <a:xfrm>
-                  <a:off x="792180" y="4031722"/>
-                  <a:ext cx="143640" cy="345600"/>
+                  <a:off x="5251994" y="4209456"/>
+                  <a:ext cx="144000" cy="345600"/>
                 </a:xfrm>
                 <a:prstGeom prst="rect">
                   <a:avLst/>
@@ -16685,7 +16903,7 @@
                 <p14:nvPr/>
               </p14:nvContentPartPr>
               <p14:xfrm>
-                <a:off x="817740" y="4039282"/>
+                <a:off x="5278095" y="4217376"/>
                 <a:ext cx="245880" cy="216360"/>
               </p14:xfrm>
             </p:contentPart>
@@ -16711,7 +16929,7 @@
               </p:blipFill>
               <p:spPr>
                 <a:xfrm>
-                  <a:off x="782100" y="4003642"/>
+                  <a:off x="5242095" y="4181376"/>
                   <a:ext cx="317520" cy="288000"/>
                 </a:xfrm>
                 <a:prstGeom prst="rect">
@@ -16736,7 +16954,7 @@
                 <p14:nvPr/>
               </p14:nvContentPartPr>
               <p14:xfrm>
-                <a:off x="1079820" y="4157722"/>
+                <a:off x="5540175" y="4335816"/>
                 <a:ext cx="192240" cy="75960"/>
               </p14:xfrm>
             </p:contentPart>
@@ -16762,7 +16980,7 @@
               </p:blipFill>
               <p:spPr>
                 <a:xfrm>
-                  <a:off x="1043820" y="4122082"/>
+                  <a:off x="5504175" y="4299816"/>
                   <a:ext cx="263880" cy="147600"/>
                 </a:xfrm>
                 <a:prstGeom prst="rect">
@@ -16787,7 +17005,7 @@
                 <p14:nvPr/>
               </p14:nvContentPartPr>
               <p14:xfrm>
-                <a:off x="1256220" y="3921202"/>
+                <a:off x="5716575" y="4099296"/>
                 <a:ext cx="189360" cy="278640"/>
               </p14:xfrm>
             </p:contentPart>
@@ -16813,7 +17031,7 @@
               </p:blipFill>
               <p:spPr>
                 <a:xfrm>
-                  <a:off x="1220220" y="3885562"/>
+                  <a:off x="5680575" y="4063296"/>
                   <a:ext cx="261000" cy="350280"/>
                 </a:xfrm>
                 <a:prstGeom prst="rect">
@@ -16838,7 +17056,7 @@
                 <p14:nvPr/>
               </p14:nvContentPartPr>
               <p14:xfrm>
-                <a:off x="1456740" y="3965122"/>
+                <a:off x="5917095" y="4143216"/>
                 <a:ext cx="245160" cy="365400"/>
               </p14:xfrm>
             </p:contentPart>
@@ -16864,7 +17082,7 @@
               </p:blipFill>
               <p:spPr>
                 <a:xfrm>
-                  <a:off x="1420740" y="3929122"/>
+                  <a:off x="5881095" y="4107216"/>
                   <a:ext cx="316800" cy="437040"/>
                 </a:xfrm>
                 <a:prstGeom prst="rect">
@@ -16889,9 +17107,9 @@
         </p:nvGrpSpPr>
         <p:grpSpPr>
           <a:xfrm>
-            <a:off x="2167740" y="4247722"/>
+            <a:off x="6628095" y="4425816"/>
             <a:ext cx="1106280" cy="441360"/>
-            <a:chOff x="2167740" y="4247722"/>
+            <a:chOff x="6628095" y="4425816"/>
             <a:chExt cx="1106280" cy="441360"/>
           </a:xfrm>
         </p:grpSpPr>
@@ -16910,7 +17128,7 @@
                 <p14:nvPr/>
               </p14:nvContentPartPr>
               <p14:xfrm>
-                <a:off x="2167740" y="4365442"/>
+                <a:off x="6628095" y="4543536"/>
                 <a:ext cx="115200" cy="155880"/>
               </p14:xfrm>
             </p:contentPart>
@@ -16936,8 +17154,8 @@
               </p:blipFill>
               <p:spPr>
                 <a:xfrm>
-                  <a:off x="2132100" y="4329442"/>
-                  <a:ext cx="186840" cy="227520"/>
+                  <a:off x="6591982" y="4507536"/>
+                  <a:ext cx="187065" cy="227520"/>
                 </a:xfrm>
                 <a:prstGeom prst="rect">
                   <a:avLst/>
@@ -16961,7 +17179,7 @@
                 <p14:nvPr/>
               </p14:nvContentPartPr>
               <p14:xfrm>
-                <a:off x="2357460" y="4344202"/>
+                <a:off x="6817815" y="4522296"/>
                 <a:ext cx="174960" cy="344880"/>
               </p14:xfrm>
             </p:contentPart>
@@ -16987,8 +17205,8 @@
               </p:blipFill>
               <p:spPr>
                 <a:xfrm>
-                  <a:off x="2321820" y="4308202"/>
-                  <a:ext cx="246600" cy="416520"/>
+                  <a:off x="6781815" y="4486334"/>
+                  <a:ext cx="246600" cy="416445"/>
                 </a:xfrm>
                 <a:prstGeom prst="rect">
                   <a:avLst/>
@@ -17012,7 +17230,7 @@
                 <p14:nvPr/>
               </p14:nvContentPartPr>
               <p14:xfrm>
-                <a:off x="2608380" y="4334482"/>
+                <a:off x="7068735" y="4512576"/>
                 <a:ext cx="95400" cy="180360"/>
               </p14:xfrm>
             </p:contentPart>
@@ -17038,7 +17256,7 @@
               </p:blipFill>
               <p:spPr>
                 <a:xfrm>
-                  <a:off x="2572740" y="4298842"/>
+                  <a:off x="7032735" y="4476576"/>
                   <a:ext cx="167040" cy="252000"/>
                 </a:xfrm>
                 <a:prstGeom prst="rect">
@@ -17063,7 +17281,7 @@
                 <p14:nvPr/>
               </p14:nvContentPartPr>
               <p14:xfrm>
-                <a:off x="2702700" y="4330162"/>
+                <a:off x="7163055" y="4508256"/>
                 <a:ext cx="111960" cy="41400"/>
               </p14:xfrm>
             </p:contentPart>
@@ -17089,8 +17307,8 @@
               </p:blipFill>
               <p:spPr>
                 <a:xfrm>
-                  <a:off x="2667060" y="4294522"/>
-                  <a:ext cx="183600" cy="113040"/>
+                  <a:off x="7126939" y="4471940"/>
+                  <a:ext cx="183831" cy="113668"/>
                 </a:xfrm>
                 <a:prstGeom prst="rect">
                   <a:avLst/>
@@ -17114,7 +17332,7 @@
                 <p14:nvPr/>
               </p14:nvContentPartPr>
               <p14:xfrm>
-                <a:off x="2750940" y="4247722"/>
+                <a:off x="7211295" y="4425816"/>
                 <a:ext cx="47880" cy="251280"/>
               </p14:xfrm>
             </p:contentPart>
@@ -17140,7 +17358,7 @@
               </p:blipFill>
               <p:spPr>
                 <a:xfrm>
-                  <a:off x="2714940" y="4211722"/>
+                  <a:off x="7175295" y="4389816"/>
                   <a:ext cx="119520" cy="322920"/>
                 </a:xfrm>
                 <a:prstGeom prst="rect">
@@ -17165,7 +17383,7 @@
                 <p14:nvPr/>
               </p14:nvContentPartPr>
               <p14:xfrm>
-                <a:off x="2858940" y="4366882"/>
+                <a:off x="7319295" y="4544976"/>
                 <a:ext cx="127080" cy="132120"/>
               </p14:xfrm>
             </p:contentPart>
@@ -17191,7 +17409,7 @@
               </p:blipFill>
               <p:spPr>
                 <a:xfrm>
-                  <a:off x="2823300" y="4330882"/>
+                  <a:off x="7283295" y="4508976"/>
                   <a:ext cx="198720" cy="203760"/>
                 </a:xfrm>
                 <a:prstGeom prst="rect">
@@ -17216,7 +17434,7 @@
                 <p14:nvPr/>
               </p14:nvContentPartPr>
               <p14:xfrm>
-                <a:off x="3055140" y="4355722"/>
+                <a:off x="7515495" y="4533816"/>
                 <a:ext cx="218880" cy="158040"/>
               </p14:xfrm>
             </p:contentPart>
@@ -17242,7 +17460,7 @@
               </p:blipFill>
               <p:spPr>
                 <a:xfrm>
-                  <a:off x="3019500" y="4320082"/>
+                  <a:off x="7479495" y="4497816"/>
                   <a:ext cx="290520" cy="229680"/>
                 </a:xfrm>
                 <a:prstGeom prst="rect">
@@ -17267,9 +17485,9 @@
         </p:nvGrpSpPr>
         <p:grpSpPr>
           <a:xfrm>
-            <a:off x="3664260" y="4319362"/>
+            <a:off x="8124615" y="4497456"/>
             <a:ext cx="947520" cy="198720"/>
-            <a:chOff x="3664260" y="4319362"/>
+            <a:chOff x="8124615" y="4497456"/>
             <a:chExt cx="947520" cy="198720"/>
           </a:xfrm>
         </p:grpSpPr>
@@ -17288,7 +17506,7 @@
                 <p14:nvPr/>
               </p14:nvContentPartPr>
               <p14:xfrm>
-                <a:off x="3664260" y="4371562"/>
+                <a:off x="8124615" y="4549656"/>
                 <a:ext cx="116280" cy="146520"/>
               </p14:xfrm>
             </p:contentPart>
@@ -17314,7 +17532,7 @@
               </p:blipFill>
               <p:spPr>
                 <a:xfrm>
-                  <a:off x="3628260" y="4335922"/>
+                  <a:off x="8088615" y="4513656"/>
                   <a:ext cx="187920" cy="218160"/>
                 </a:xfrm>
                 <a:prstGeom prst="rect">
@@ -17339,7 +17557,7 @@
                 <p14:nvPr/>
               </p14:nvContentPartPr>
               <p14:xfrm>
-                <a:off x="3857580" y="4319362"/>
+                <a:off x="8317935" y="4497456"/>
                 <a:ext cx="151200" cy="132840"/>
               </p14:xfrm>
             </p:contentPart>
@@ -17365,7 +17583,7 @@
               </p:blipFill>
               <p:spPr>
                 <a:xfrm>
-                  <a:off x="3821940" y="4283362"/>
+                  <a:off x="8281935" y="4461456"/>
                   <a:ext cx="222840" cy="204480"/>
                 </a:xfrm>
                 <a:prstGeom prst="rect">
@@ -17390,7 +17608,7 @@
                 <p14:nvPr/>
               </p14:nvContentPartPr>
               <p14:xfrm>
-                <a:off x="4098780" y="4321522"/>
+                <a:off x="8559135" y="4499616"/>
                 <a:ext cx="202320" cy="143280"/>
               </p14:xfrm>
             </p:contentPart>
@@ -17416,8 +17634,8 @@
               </p:blipFill>
               <p:spPr>
                 <a:xfrm>
-                  <a:off x="4062780" y="4285882"/>
-                  <a:ext cx="273960" cy="214920"/>
+                  <a:off x="8523199" y="4463616"/>
+                  <a:ext cx="273833" cy="214920"/>
                 </a:xfrm>
                 <a:prstGeom prst="rect">
                   <a:avLst/>
@@ -17441,7 +17659,7 @@
                 <p14:nvPr/>
               </p14:nvContentPartPr>
               <p14:xfrm>
-                <a:off x="4386420" y="4337002"/>
+                <a:off x="8846775" y="4515096"/>
                 <a:ext cx="225360" cy="128520"/>
               </p14:xfrm>
             </p:contentPart>
@@ -17467,7 +17685,7 @@
               </p:blipFill>
               <p:spPr>
                 <a:xfrm>
-                  <a:off x="4350780" y="4301002"/>
+                  <a:off x="8810775" y="4479096"/>
                   <a:ext cx="297000" cy="200160"/>
                 </a:xfrm>
                 <a:prstGeom prst="rect">
@@ -17492,9 +17710,9 @@
         </p:nvGrpSpPr>
         <p:grpSpPr>
           <a:xfrm>
-            <a:off x="4782180" y="4170322"/>
+            <a:off x="9242535" y="4348416"/>
             <a:ext cx="597240" cy="274320"/>
-            <a:chOff x="4782180" y="4170322"/>
+            <a:chOff x="9242535" y="4348416"/>
             <a:chExt cx="597240" cy="274320"/>
           </a:xfrm>
         </p:grpSpPr>
@@ -17513,7 +17731,7 @@
                 <p14:nvPr/>
               </p14:nvContentPartPr>
               <p14:xfrm>
-                <a:off x="4782180" y="4233682"/>
+                <a:off x="9242535" y="4411776"/>
                 <a:ext cx="144720" cy="65160"/>
               </p14:xfrm>
             </p:contentPart>
@@ -17539,7 +17757,7 @@
               </p:blipFill>
               <p:spPr>
                 <a:xfrm>
-                  <a:off x="4746180" y="4197682"/>
+                  <a:off x="9206535" y="4375776"/>
                   <a:ext cx="216360" cy="136800"/>
                 </a:xfrm>
                 <a:prstGeom prst="rect">
@@ -17564,7 +17782,7 @@
                 <p14:nvPr/>
               </p14:nvContentPartPr>
               <p14:xfrm>
-                <a:off x="4785420" y="4317202"/>
+                <a:off x="9245775" y="4495296"/>
                 <a:ext cx="174600" cy="81000"/>
               </p14:xfrm>
             </p:contentPart>
@@ -17590,7 +17808,7 @@
               </p:blipFill>
               <p:spPr>
                 <a:xfrm>
-                  <a:off x="4749420" y="4281562"/>
+                  <a:off x="9209775" y="4459296"/>
                   <a:ext cx="246240" cy="152640"/>
                 </a:xfrm>
                 <a:prstGeom prst="rect">
@@ -17615,7 +17833,7 @@
                 <p14:nvPr/>
               </p14:nvContentPartPr>
               <p14:xfrm>
-                <a:off x="4803420" y="4185802"/>
+                <a:off x="9263775" y="4363896"/>
                 <a:ext cx="27720" cy="237960"/>
               </p14:xfrm>
             </p:contentPart>
@@ -17641,7 +17859,7 @@
               </p:blipFill>
               <p:spPr>
                 <a:xfrm>
-                  <a:off x="4767420" y="4150162"/>
+                  <a:off x="9227775" y="4327896"/>
                   <a:ext cx="99360" cy="309600"/>
                 </a:xfrm>
                 <a:prstGeom prst="rect">
@@ -17666,7 +17884,7 @@
                 <p14:nvPr/>
               </p14:nvContentPartPr>
               <p14:xfrm>
-                <a:off x="4903860" y="4170322"/>
+                <a:off x="9364215" y="4348416"/>
                 <a:ext cx="38160" cy="239400"/>
               </p14:xfrm>
             </p:contentPart>
@@ -17692,8 +17910,8 @@
               </p:blipFill>
               <p:spPr>
                 <a:xfrm>
-                  <a:off x="4868220" y="4134322"/>
-                  <a:ext cx="109800" cy="311040"/>
+                  <a:off x="9327872" y="4312416"/>
+                  <a:ext cx="110482" cy="311040"/>
                 </a:xfrm>
                 <a:prstGeom prst="rect">
                   <a:avLst/>
@@ -17717,7 +17935,7 @@
                 <p14:nvPr/>
               </p14:nvContentPartPr>
               <p14:xfrm>
-                <a:off x="5154780" y="4271122"/>
+                <a:off x="9615135" y="4449216"/>
                 <a:ext cx="118440" cy="25560"/>
               </p14:xfrm>
             </p:contentPart>
@@ -17743,7 +17961,7 @@
               </p:blipFill>
               <p:spPr>
                 <a:xfrm>
-                  <a:off x="5118780" y="4235122"/>
+                  <a:off x="9579135" y="4413216"/>
                   <a:ext cx="190080" cy="97200"/>
                 </a:xfrm>
                 <a:prstGeom prst="rect">
@@ -17768,7 +17986,7 @@
                 <p14:nvPr/>
               </p14:nvContentPartPr>
               <p14:xfrm>
-                <a:off x="5186820" y="4337362"/>
+                <a:off x="9647175" y="4515456"/>
                 <a:ext cx="104040" cy="13680"/>
               </p14:xfrm>
             </p:contentPart>
@@ -17794,7 +18012,7 @@
               </p:blipFill>
               <p:spPr>
                 <a:xfrm>
-                  <a:off x="5151180" y="4301362"/>
+                  <a:off x="9611175" y="4479456"/>
                   <a:ext cx="175680" cy="85320"/>
                 </a:xfrm>
                 <a:prstGeom prst="rect">
@@ -17819,7 +18037,7 @@
                 <p14:nvPr/>
               </p14:nvContentPartPr>
               <p14:xfrm>
-                <a:off x="5243340" y="4195882"/>
+                <a:off x="9703695" y="4373976"/>
                 <a:ext cx="136080" cy="248760"/>
               </p14:xfrm>
             </p:contentPart>
@@ -17845,8 +18063,8 @@
               </p:blipFill>
               <p:spPr>
                 <a:xfrm>
-                  <a:off x="5207340" y="4160242"/>
-                  <a:ext cx="207720" cy="320400"/>
+                  <a:off x="9667695" y="4337924"/>
+                  <a:ext cx="207720" cy="320504"/>
                 </a:xfrm>
                 <a:prstGeom prst="rect">
                   <a:avLst/>
@@ -17870,9 +18088,9 @@
         </p:nvGrpSpPr>
         <p:grpSpPr>
           <a:xfrm>
-            <a:off x="5693700" y="4079962"/>
+            <a:off x="10154055" y="4258056"/>
             <a:ext cx="1817280" cy="589320"/>
-            <a:chOff x="5693700" y="4079962"/>
+            <a:chOff x="10154055" y="4258056"/>
             <a:chExt cx="1817280" cy="589320"/>
           </a:xfrm>
         </p:grpSpPr>
@@ -17891,7 +18109,7 @@
                 <p14:nvPr/>
               </p14:nvContentPartPr>
               <p14:xfrm>
-                <a:off x="5693700" y="4215682"/>
+                <a:off x="10154055" y="4393776"/>
                 <a:ext cx="136440" cy="160920"/>
               </p14:xfrm>
             </p:contentPart>
@@ -17917,7 +18135,7 @@
               </p:blipFill>
               <p:spPr>
                 <a:xfrm>
-                  <a:off x="5657700" y="4179682"/>
+                  <a:off x="10118055" y="4357776"/>
                   <a:ext cx="208080" cy="232560"/>
                 </a:xfrm>
                 <a:prstGeom prst="rect">
@@ -17942,7 +18160,7 @@
                 <p14:nvPr/>
               </p14:nvContentPartPr>
               <p14:xfrm>
-                <a:off x="5825460" y="4238362"/>
+                <a:off x="10285815" y="4416456"/>
                 <a:ext cx="119880" cy="39600"/>
               </p14:xfrm>
             </p:contentPart>
@@ -17968,7 +18186,7 @@
               </p:blipFill>
               <p:spPr>
                 <a:xfrm>
-                  <a:off x="5789820" y="4202362"/>
+                  <a:off x="10249815" y="4380456"/>
                   <a:ext cx="191520" cy="111240"/>
                 </a:xfrm>
                 <a:prstGeom prst="rect">
@@ -17993,7 +18211,7 @@
                 <p14:nvPr/>
               </p14:nvContentPartPr>
               <p14:xfrm>
-                <a:off x="5886300" y="4210282"/>
+                <a:off x="10346655" y="4388376"/>
                 <a:ext cx="12960" cy="158400"/>
               </p14:xfrm>
             </p:contentPart>
@@ -18019,7 +18237,7 @@
               </p:blipFill>
               <p:spPr>
                 <a:xfrm>
-                  <a:off x="5850300" y="4174282"/>
+                  <a:off x="10310655" y="4352376"/>
                   <a:ext cx="84600" cy="230040"/>
                 </a:xfrm>
                 <a:prstGeom prst="rect">
@@ -18044,7 +18262,7 @@
                 <p14:nvPr/>
               </p14:nvContentPartPr>
               <p14:xfrm>
-                <a:off x="6024180" y="4079962"/>
+                <a:off x="10484535" y="4258056"/>
                 <a:ext cx="128880" cy="264960"/>
               </p14:xfrm>
             </p:contentPart>
@@ -18070,7 +18288,7 @@
               </p:blipFill>
               <p:spPr>
                 <a:xfrm>
-                  <a:off x="5988540" y="4044322"/>
+                  <a:off x="10448535" y="4222056"/>
                   <a:ext cx="200520" cy="336600"/>
                 </a:xfrm>
                 <a:prstGeom prst="rect">
@@ -18095,7 +18313,7 @@
                 <p14:nvPr/>
               </p14:nvContentPartPr>
               <p14:xfrm>
-                <a:off x="6289860" y="4243762"/>
+                <a:off x="10750215" y="4421856"/>
                 <a:ext cx="79560" cy="107280"/>
               </p14:xfrm>
             </p:contentPart>
@@ -18121,7 +18339,7 @@
               </p:blipFill>
               <p:spPr>
                 <a:xfrm>
-                  <a:off x="6254220" y="4208122"/>
+                  <a:off x="10714215" y="4385856"/>
                   <a:ext cx="151200" cy="178920"/>
                 </a:xfrm>
                 <a:prstGeom prst="rect">
@@ -18146,7 +18364,7 @@
                 <p14:nvPr/>
               </p14:nvContentPartPr>
               <p14:xfrm>
-                <a:off x="6457260" y="4227202"/>
+                <a:off x="10917615" y="4405296"/>
                 <a:ext cx="119880" cy="120960"/>
               </p14:xfrm>
             </p:contentPart>
@@ -18172,7 +18390,7 @@
               </p:blipFill>
               <p:spPr>
                 <a:xfrm>
-                  <a:off x="6421260" y="4191202"/>
+                  <a:off x="10881615" y="4369296"/>
                   <a:ext cx="191520" cy="192600"/>
                 </a:xfrm>
                 <a:prstGeom prst="rect">
@@ -18197,7 +18415,7 @@
                 <p14:nvPr/>
               </p14:nvContentPartPr>
               <p14:xfrm>
-                <a:off x="6586140" y="4213522"/>
+                <a:off x="11046495" y="4391616"/>
                 <a:ext cx="107280" cy="127800"/>
               </p14:xfrm>
             </p:contentPart>
@@ -18223,8 +18441,8 @@
               </p:blipFill>
               <p:spPr>
                 <a:xfrm>
-                  <a:off x="6550140" y="4177882"/>
-                  <a:ext cx="178920" cy="199440"/>
+                  <a:off x="11010615" y="4355616"/>
+                  <a:ext cx="178680" cy="199440"/>
                 </a:xfrm>
                 <a:prstGeom prst="rect">
                   <a:avLst/>
@@ -18248,7 +18466,7 @@
                 <p14:nvPr/>
               </p14:nvContentPartPr>
               <p14:xfrm>
-                <a:off x="6338100" y="4536442"/>
+                <a:off x="10798455" y="4714536"/>
                 <a:ext cx="120600" cy="57240"/>
               </p14:xfrm>
             </p:contentPart>
@@ -18274,7 +18492,7 @@
               </p:blipFill>
               <p:spPr>
                 <a:xfrm>
-                  <a:off x="6302100" y="4500442"/>
+                  <a:off x="10762455" y="4678536"/>
                   <a:ext cx="192240" cy="128880"/>
                 </a:xfrm>
                 <a:prstGeom prst="rect">
@@ -18299,7 +18517,7 @@
                 <p14:nvPr/>
               </p14:nvContentPartPr>
               <p14:xfrm>
-                <a:off x="6400740" y="4508002"/>
+                <a:off x="10861095" y="4686096"/>
                 <a:ext cx="15480" cy="118800"/>
               </p14:xfrm>
             </p:contentPart>
@@ -18325,7 +18543,7 @@
               </p:blipFill>
               <p:spPr>
                 <a:xfrm>
-                  <a:off x="6365100" y="4472002"/>
+                  <a:off x="10825095" y="4650096"/>
                   <a:ext cx="87120" cy="190440"/>
                 </a:xfrm>
                 <a:prstGeom prst="rect">
@@ -18350,7 +18568,7 @@
                 <p14:nvPr/>
               </p14:nvContentPartPr>
               <p14:xfrm>
-                <a:off x="6553020" y="4478122"/>
+                <a:off x="11013375" y="4656216"/>
                 <a:ext cx="101520" cy="191160"/>
               </p14:xfrm>
             </p:contentPart>
@@ -18376,7 +18594,7 @@
               </p:blipFill>
               <p:spPr>
                 <a:xfrm>
-                  <a:off x="6517020" y="4442122"/>
+                  <a:off x="10977375" y="4620216"/>
                   <a:ext cx="173160" cy="262800"/>
                 </a:xfrm>
                 <a:prstGeom prst="rect">
@@ -18401,7 +18619,7 @@
                 <p14:nvPr/>
               </p14:nvContentPartPr>
               <p14:xfrm>
-                <a:off x="6643380" y="4487482"/>
+                <a:off x="11103735" y="4665576"/>
                 <a:ext cx="106920" cy="137520"/>
               </p14:xfrm>
             </p:contentPart>
@@ -18427,8 +18645,8 @@
               </p:blipFill>
               <p:spPr>
                 <a:xfrm>
-                  <a:off x="6607740" y="4451482"/>
-                  <a:ext cx="178560" cy="209160"/>
+                  <a:off x="11067613" y="4629576"/>
+                  <a:ext cx="178802" cy="209160"/>
                 </a:xfrm>
                 <a:prstGeom prst="rect">
                   <a:avLst/>
@@ -18452,7 +18670,7 @@
                 <p14:nvPr/>
               </p14:nvContentPartPr>
               <p14:xfrm>
-                <a:off x="6833820" y="4314682"/>
+                <a:off x="11294175" y="4492776"/>
                 <a:ext cx="130320" cy="312840"/>
               </p14:xfrm>
             </p:contentPart>
@@ -18478,7 +18696,7 @@
               </p:blipFill>
               <p:spPr>
                 <a:xfrm>
-                  <a:off x="6797820" y="4279042"/>
+                  <a:off x="11258175" y="4456776"/>
                   <a:ext cx="201960" cy="384480"/>
                 </a:xfrm>
                 <a:prstGeom prst="rect">
@@ -18503,7 +18721,7 @@
                 <p14:nvPr/>
               </p14:nvContentPartPr>
               <p14:xfrm>
-                <a:off x="7079340" y="4512322"/>
+                <a:off x="11539695" y="4690416"/>
                 <a:ext cx="95760" cy="115200"/>
               </p14:xfrm>
             </p:contentPart>
@@ -18529,8 +18747,8 @@
               </p:blipFill>
               <p:spPr>
                 <a:xfrm>
-                  <a:off x="7043340" y="4476322"/>
-                  <a:ext cx="167400" cy="186840"/>
+                  <a:off x="11503830" y="4654416"/>
+                  <a:ext cx="167132" cy="186840"/>
                 </a:xfrm>
                 <a:prstGeom prst="rect">
                   <a:avLst/>
@@ -18554,7 +18772,7 @@
                 <p14:nvPr/>
               </p14:nvContentPartPr>
               <p14:xfrm>
-                <a:off x="7222980" y="4476322"/>
+                <a:off x="11683335" y="4654416"/>
                 <a:ext cx="169200" cy="161640"/>
               </p14:xfrm>
             </p:contentPart>
@@ -18580,7 +18798,7 @@
               </p:blipFill>
               <p:spPr>
                 <a:xfrm>
-                  <a:off x="7187340" y="4440322"/>
+                  <a:off x="11647335" y="4618416"/>
                   <a:ext cx="240840" cy="233280"/>
                 </a:xfrm>
                 <a:prstGeom prst="rect">
@@ -18605,7 +18823,7 @@
                 <p14:nvPr/>
               </p14:nvContentPartPr>
               <p14:xfrm>
-                <a:off x="7490820" y="4254562"/>
+                <a:off x="11951175" y="4432656"/>
                 <a:ext cx="17280" cy="384480"/>
               </p14:xfrm>
             </p:contentPart>
@@ -18631,7 +18849,7 @@
               </p:blipFill>
               <p:spPr>
                 <a:xfrm>
-                  <a:off x="7454820" y="4218922"/>
+                  <a:off x="11915175" y="4396656"/>
                   <a:ext cx="88920" cy="456120"/>
                 </a:xfrm>
                 <a:prstGeom prst="rect">
@@ -18656,7 +18874,7 @@
                 <p14:nvPr/>
               </p14:nvContentPartPr>
               <p14:xfrm>
-                <a:off x="7346820" y="4379482"/>
+                <a:off x="11807175" y="4557576"/>
                 <a:ext cx="164160" cy="19080"/>
               </p14:xfrm>
             </p:contentPart>
@@ -18682,7 +18900,7 @@
               </p:blipFill>
               <p:spPr>
                 <a:xfrm>
-                  <a:off x="7311180" y="4343842"/>
+                  <a:off x="11771175" y="4521576"/>
                   <a:ext cx="235800" cy="90720"/>
                 </a:xfrm>
                 <a:prstGeom prst="rect">
@@ -18708,7 +18926,7 @@
               <p14:nvPr/>
             </p14:nvContentPartPr>
             <p14:xfrm>
-              <a:off x="1880460" y="4257442"/>
+              <a:off x="6340815" y="4435536"/>
               <a:ext cx="161280" cy="576000"/>
             </p14:xfrm>
           </p:contentPart>
@@ -18734,7 +18952,7 @@
             </p:blipFill>
             <p:spPr>
               <a:xfrm>
-                <a:off x="1844820" y="4221442"/>
+                <a:off x="6304815" y="4399536"/>
                 <a:ext cx="232920" cy="647640"/>
               </a:xfrm>
               <a:prstGeom prst="rect">
@@ -18758,10 +18976,10 @@
         </p:nvGrpSpPr>
         <p:grpSpPr>
           <a:xfrm>
-            <a:off x="5752980" y="5131162"/>
-            <a:ext cx="915120" cy="162360"/>
-            <a:chOff x="5752980" y="5131162"/>
-            <a:chExt cx="915120" cy="162360"/>
+            <a:off x="10213335" y="5292646"/>
+            <a:ext cx="822103" cy="178970"/>
+            <a:chOff x="10213335" y="5292646"/>
+            <a:chExt cx="822103" cy="178970"/>
           </a:xfrm>
         </p:grpSpPr>
         <mc:AlternateContent xmlns:mc="http://schemas.openxmlformats.org/markup-compatibility/2006">
@@ -18779,7 +18997,7 @@
                 <p14:nvPr/>
               </p14:nvContentPartPr>
               <p14:xfrm>
-                <a:off x="5752980" y="5148442"/>
+                <a:off x="10213335" y="5326536"/>
                 <a:ext cx="118800" cy="142920"/>
               </p14:xfrm>
             </p:contentPart>
@@ -18805,7 +19023,7 @@
               </p:blipFill>
               <p:spPr>
                 <a:xfrm>
-                  <a:off x="5716980" y="5112802"/>
+                  <a:off x="10177335" y="5290536"/>
                   <a:ext cx="190440" cy="214560"/>
                 </a:xfrm>
                 <a:prstGeom prst="rect">
@@ -18830,7 +19048,7 @@
                 <p14:nvPr/>
               </p14:nvContentPartPr>
               <p14:xfrm>
-                <a:off x="5925060" y="5131162"/>
+                <a:off x="10385415" y="5309256"/>
                 <a:ext cx="413640" cy="162360"/>
               </p14:xfrm>
             </p:contentPart>
@@ -18856,7 +19074,7 @@
               </p:blipFill>
               <p:spPr>
                 <a:xfrm>
-                  <a:off x="5889420" y="5095162"/>
+                  <a:off x="10349415" y="5273256"/>
                   <a:ext cx="485280" cy="234000"/>
                 </a:xfrm>
                 <a:prstGeom prst="rect">
@@ -18881,7 +19099,7 @@
                 <p14:nvPr/>
               </p14:nvContentPartPr>
               <p14:xfrm>
-                <a:off x="6425820" y="5154202"/>
+                <a:off x="10793158" y="5292646"/>
                 <a:ext cx="242280" cy="127080"/>
               </p14:xfrm>
             </p:contentPart>
@@ -18907,7 +19125,7 @@
               </p:blipFill>
               <p:spPr>
                 <a:xfrm>
-                  <a:off x="6390180" y="5118202"/>
+                  <a:off x="10757158" y="5256646"/>
                   <a:ext cx="313920" cy="198720"/>
                 </a:xfrm>
                 <a:prstGeom prst="rect">
@@ -18932,9 +19150,9 @@
         </p:nvGrpSpPr>
         <p:grpSpPr>
           <a:xfrm>
-            <a:off x="2244420" y="5042602"/>
+            <a:off x="6704775" y="5220696"/>
             <a:ext cx="3099240" cy="759108"/>
-            <a:chOff x="2244420" y="5042602"/>
+            <a:chOff x="6704775" y="5220696"/>
             <a:chExt cx="3099240" cy="759108"/>
           </a:xfrm>
         </p:grpSpPr>
@@ -18953,7 +19171,7 @@
                 <p14:nvPr/>
               </p14:nvContentPartPr>
               <p14:xfrm>
-                <a:off x="2244420" y="5327002"/>
+                <a:off x="6704775" y="5505096"/>
                 <a:ext cx="142560" cy="190800"/>
               </p14:xfrm>
             </p:contentPart>
@@ -18979,8 +19197,8 @@
               </p:blipFill>
               <p:spPr>
                 <a:xfrm>
-                  <a:off x="2208780" y="5291362"/>
-                  <a:ext cx="214200" cy="262440"/>
+                  <a:off x="6668684" y="5469096"/>
+                  <a:ext cx="214381" cy="262440"/>
                 </a:xfrm>
                 <a:prstGeom prst="rect">
                   <a:avLst/>
@@ -19004,7 +19222,7 @@
                 <p14:nvPr/>
               </p14:nvContentPartPr>
               <p14:xfrm>
-                <a:off x="2412180" y="5366962"/>
+                <a:off x="6872535" y="5545056"/>
                 <a:ext cx="135720" cy="102600"/>
               </p14:xfrm>
             </p:contentPart>
@@ -19030,8 +19248,8 @@
               </p:blipFill>
               <p:spPr>
                 <a:xfrm>
-                  <a:off x="2376180" y="5331322"/>
-                  <a:ext cx="207360" cy="174240"/>
+                  <a:off x="6836630" y="5509056"/>
+                  <a:ext cx="207170" cy="174240"/>
                 </a:xfrm>
                 <a:prstGeom prst="rect">
                   <a:avLst/>
@@ -19055,7 +19273,7 @@
                 <p14:nvPr/>
               </p14:nvContentPartPr>
               <p14:xfrm>
-                <a:off x="2569500" y="5301442"/>
+                <a:off x="7029855" y="5479536"/>
                 <a:ext cx="98280" cy="160560"/>
               </p14:xfrm>
             </p:contentPart>
@@ -19081,8 +19299,8 @@
               </p:blipFill>
               <p:spPr>
                 <a:xfrm>
-                  <a:off x="2533500" y="5265802"/>
-                  <a:ext cx="169920" cy="232200"/>
+                  <a:off x="6993986" y="5443455"/>
+                  <a:ext cx="169659" cy="232361"/>
                 </a:xfrm>
                 <a:prstGeom prst="rect">
                   <a:avLst/>
@@ -19106,7 +19324,7 @@
                 <p14:nvPr/>
               </p14:nvContentPartPr>
               <p14:xfrm>
-                <a:off x="2965500" y="5325562"/>
+                <a:off x="7425855" y="5503656"/>
                 <a:ext cx="69120" cy="127800"/>
               </p14:xfrm>
             </p:contentPart>
@@ -19132,7 +19350,7 @@
               </p:blipFill>
               <p:spPr>
                 <a:xfrm>
-                  <a:off x="2929860" y="5289922"/>
+                  <a:off x="7389855" y="5467656"/>
                   <a:ext cx="140760" cy="199440"/>
                 </a:xfrm>
                 <a:prstGeom prst="rect">
@@ -19157,7 +19375,7 @@
                 <p14:nvPr/>
               </p14:nvContentPartPr>
               <p14:xfrm>
-                <a:off x="3106620" y="5291722"/>
+                <a:off x="7566975" y="5469816"/>
                 <a:ext cx="381600" cy="154800"/>
               </p14:xfrm>
             </p:contentPart>
@@ -19183,7 +19401,7 @@
               </p:blipFill>
               <p:spPr>
                 <a:xfrm>
-                  <a:off x="3070620" y="5255722"/>
+                  <a:off x="7530975" y="5433816"/>
                   <a:ext cx="453240" cy="226440"/>
                 </a:xfrm>
                 <a:prstGeom prst="rect">
@@ -19208,7 +19426,7 @@
                 <p14:nvPr/>
               </p14:nvContentPartPr>
               <p14:xfrm>
-                <a:off x="3526740" y="5260762"/>
+                <a:off x="7987095" y="5438856"/>
                 <a:ext cx="228240" cy="122400"/>
               </p14:xfrm>
             </p:contentPart>
@@ -19234,8 +19452,8 @@
               </p:blipFill>
               <p:spPr>
                 <a:xfrm>
-                  <a:off x="3490740" y="5224762"/>
-                  <a:ext cx="299880" cy="194040"/>
+                  <a:off x="7951095" y="5402962"/>
+                  <a:ext cx="299880" cy="193830"/>
                 </a:xfrm>
                 <a:prstGeom prst="rect">
                   <a:avLst/>
@@ -19259,7 +19477,7 @@
                 <p14:nvPr/>
               </p14:nvContentPartPr>
               <p14:xfrm>
-                <a:off x="3849300" y="5280562"/>
+                <a:off x="8309655" y="5458656"/>
                 <a:ext cx="349200" cy="141480"/>
               </p14:xfrm>
             </p:contentPart>
@@ -19285,8 +19503,8 @@
               </p:blipFill>
               <p:spPr>
                 <a:xfrm>
-                  <a:off x="3813660" y="5244922"/>
-                  <a:ext cx="420840" cy="213120"/>
+                  <a:off x="8273618" y="5422656"/>
+                  <a:ext cx="420914" cy="213120"/>
                 </a:xfrm>
                 <a:prstGeom prst="rect">
                   <a:avLst/>
@@ -19310,7 +19528,7 @@
                 <p14:nvPr/>
               </p14:nvContentPartPr>
               <p14:xfrm>
-                <a:off x="4263660" y="5054482"/>
+                <a:off x="8724015" y="5232576"/>
                 <a:ext cx="158400" cy="335880"/>
               </p14:xfrm>
             </p:contentPart>
@@ -19336,7 +19554,7 @@
               </p:blipFill>
               <p:spPr>
                 <a:xfrm>
-                  <a:off x="4227660" y="5018482"/>
+                  <a:off x="8688015" y="5196576"/>
                   <a:ext cx="230040" cy="407520"/>
                 </a:xfrm>
                 <a:prstGeom prst="rect">
@@ -19361,7 +19579,7 @@
                 <p14:nvPr/>
               </p14:nvContentPartPr>
               <p14:xfrm>
-                <a:off x="4571100" y="5356162"/>
+                <a:off x="9031455" y="5534256"/>
                 <a:ext cx="82800" cy="43200"/>
               </p14:xfrm>
             </p:contentPart>
@@ -19387,8 +19605,8 @@
               </p:blipFill>
               <p:spPr>
                 <a:xfrm>
-                  <a:off x="4535460" y="5320522"/>
-                  <a:ext cx="154440" cy="114840"/>
+                  <a:off x="8995455" y="5497953"/>
+                  <a:ext cx="154440" cy="115442"/>
                 </a:xfrm>
                 <a:prstGeom prst="rect">
                   <a:avLst/>
@@ -19412,7 +19630,7 @@
                 <p14:nvPr/>
               </p14:nvContentPartPr>
               <p14:xfrm>
-                <a:off x="4754340" y="5042602"/>
+                <a:off x="9214695" y="5220696"/>
                 <a:ext cx="34920" cy="318600"/>
               </p14:xfrm>
             </p:contentPart>
@@ -19438,7 +19656,7 @@
               </p:blipFill>
               <p:spPr>
                 <a:xfrm>
-                  <a:off x="4718340" y="5006962"/>
+                  <a:off x="9178695" y="5184696"/>
                   <a:ext cx="106560" cy="390240"/>
                 </a:xfrm>
                 <a:prstGeom prst="rect">
@@ -19463,7 +19681,7 @@
                 <p14:nvPr/>
               </p14:nvContentPartPr>
               <p14:xfrm>
-                <a:off x="4854060" y="5167162"/>
+                <a:off x="9314415" y="5345256"/>
                 <a:ext cx="81720" cy="189000"/>
               </p14:xfrm>
             </p:contentPart>
@@ -19489,7 +19707,7 @@
               </p:blipFill>
               <p:spPr>
                 <a:xfrm>
-                  <a:off x="4818420" y="5131162"/>
+                  <a:off x="9278415" y="5309256"/>
                   <a:ext cx="153360" cy="260640"/>
                 </a:xfrm>
                 <a:prstGeom prst="rect">
@@ -19514,7 +19732,7 @@
                 <p14:nvPr/>
               </p14:nvContentPartPr>
               <p14:xfrm>
-                <a:off x="5022540" y="5202082"/>
+                <a:off x="9482895" y="5380176"/>
                 <a:ext cx="242280" cy="149400"/>
               </p14:xfrm>
             </p:contentPart>
@@ -19540,7 +19758,7 @@
               </p:blipFill>
               <p:spPr>
                 <a:xfrm>
-                  <a:off x="4986540" y="5166442"/>
+                  <a:off x="9446895" y="5344176"/>
                   <a:ext cx="313920" cy="221040"/>
                 </a:xfrm>
                 <a:prstGeom prst="rect">
@@ -19565,7 +19783,7 @@
                 <p14:nvPr/>
               </p14:nvContentPartPr>
               <p14:xfrm>
-                <a:off x="5232420" y="5198122"/>
+                <a:off x="9692775" y="5376216"/>
                 <a:ext cx="111240" cy="174960"/>
               </p14:xfrm>
             </p:contentPart>
@@ -19591,7 +19809,7 @@
               </p:blipFill>
               <p:spPr>
                 <a:xfrm>
-                  <a:off x="5196420" y="5162482"/>
+                  <a:off x="9656775" y="5340216"/>
                   <a:ext cx="182880" cy="246600"/>
                 </a:xfrm>
                 <a:prstGeom prst="rect">
@@ -19616,7 +19834,7 @@
                 <p14:nvPr/>
               </p14:nvContentPartPr>
               <p14:xfrm>
-                <a:off x="2446020" y="5705098"/>
+                <a:off x="6906375" y="5883192"/>
                 <a:ext cx="166320" cy="96612"/>
               </p14:xfrm>
             </p:contentPart>
@@ -19642,7 +19860,7 @@
               </p:blipFill>
               <p:spPr>
                 <a:xfrm>
-                  <a:off x="2410380" y="5669183"/>
+                  <a:off x="6870375" y="5847277"/>
                   <a:ext cx="237960" cy="168083"/>
                 </a:xfrm>
                 <a:prstGeom prst="rect">
@@ -19667,7 +19885,7 @@
                 <p14:nvPr/>
               </p14:nvContentPartPr>
               <p14:xfrm>
-                <a:off x="2628540" y="5699108"/>
+                <a:off x="7088895" y="5877202"/>
                 <a:ext cx="117720" cy="81734"/>
               </p14:xfrm>
             </p:contentPart>
@@ -19693,7 +19911,7 @@
               </p:blipFill>
               <p:spPr>
                 <a:xfrm>
-                  <a:off x="2592900" y="5663462"/>
+                  <a:off x="7052895" y="5841196"/>
                   <a:ext cx="189360" cy="153386"/>
                 </a:xfrm>
                 <a:prstGeom prst="rect">
@@ -19718,7 +19936,7 @@
                 <p14:nvPr/>
               </p14:nvContentPartPr>
               <p14:xfrm>
-                <a:off x="2798100" y="5701620"/>
+                <a:off x="7258455" y="5879714"/>
                 <a:ext cx="72360" cy="92941"/>
               </p14:xfrm>
             </p:contentPart>
@@ -19744,8 +19962,8 @@
               </p:blipFill>
               <p:spPr>
                 <a:xfrm>
-                  <a:off x="2762100" y="5666094"/>
-                  <a:ext cx="144000" cy="164351"/>
+                  <a:off x="7222633" y="5843690"/>
+                  <a:ext cx="143645" cy="164628"/>
                 </a:xfrm>
                 <a:prstGeom prst="rect">
                   <a:avLst/>
@@ -19769,7 +19987,7 @@
                 <p14:nvPr/>
               </p14:nvContentPartPr>
               <p14:xfrm>
-                <a:off x="2963340" y="5773306"/>
+                <a:off x="7423695" y="5951400"/>
                 <a:ext cx="13320" cy="10434"/>
               </p14:xfrm>
             </p:contentPart>
@@ -19795,7 +20013,7 @@
               </p:blipFill>
               <p:spPr>
                 <a:xfrm>
-                  <a:off x="2927700" y="5738526"/>
+                  <a:off x="7387695" y="5916620"/>
                   <a:ext cx="84960" cy="79646"/>
                 </a:xfrm>
                 <a:prstGeom prst="rect">
@@ -19820,7 +20038,7 @@
                 <p14:nvPr/>
               </p14:nvContentPartPr>
               <p14:xfrm>
-                <a:off x="3104100" y="5660464"/>
+                <a:off x="7564455" y="5838558"/>
                 <a:ext cx="96120" cy="108205"/>
               </p14:xfrm>
             </p:contentPart>
@@ -19846,8 +20064,8 @@
               </p:blipFill>
               <p:spPr>
                 <a:xfrm>
-                  <a:off x="3068460" y="5624515"/>
-                  <a:ext cx="167760" cy="179743"/>
+                  <a:off x="7528320" y="5802609"/>
+                  <a:ext cx="168029" cy="179743"/>
                 </a:xfrm>
                 <a:prstGeom prst="rect">
                   <a:avLst/>
@@ -19871,7 +20089,7 @@
                 <p14:nvPr/>
               </p14:nvContentPartPr>
               <p14:xfrm>
-                <a:off x="3229020" y="5673216"/>
+                <a:off x="7689375" y="5851310"/>
                 <a:ext cx="102600" cy="42316"/>
               </p14:xfrm>
             </p:contentPart>
@@ -19897,7 +20115,7 @@
               </p:blipFill>
               <p:spPr>
                 <a:xfrm>
-                  <a:off x="3193020" y="5637355"/>
+                  <a:off x="7653375" y="5815449"/>
                   <a:ext cx="174240" cy="113679"/>
                 </a:xfrm>
                 <a:prstGeom prst="rect">
@@ -19922,7 +20140,7 @@
                 <p14:nvPr/>
               </p14:nvContentPartPr>
               <p14:xfrm>
-                <a:off x="3277980" y="5648870"/>
+                <a:off x="7738335" y="5826964"/>
                 <a:ext cx="22320" cy="83086"/>
               </p14:xfrm>
             </p:contentPart>
@@ -19948,8 +20166,8 @@
               </p:blipFill>
               <p:spPr>
                 <a:xfrm>
-                  <a:off x="3242340" y="5612902"/>
-                  <a:ext cx="93960" cy="154662"/>
+                  <a:off x="7701745" y="5790996"/>
+                  <a:ext cx="95134" cy="154662"/>
                 </a:xfrm>
                 <a:prstGeom prst="rect">
                   <a:avLst/>
@@ -19973,7 +20191,7 @@
                 <p14:nvPr/>
               </p14:nvContentPartPr>
               <p14:xfrm>
-                <a:off x="3400020" y="5600371"/>
+                <a:off x="7860375" y="5778465"/>
                 <a:ext cx="104040" cy="142599"/>
               </p14:xfrm>
             </p:contentPart>
@@ -19999,8 +20217,8 @@
               </p:blipFill>
               <p:spPr>
                 <a:xfrm>
-                  <a:off x="3364380" y="5564361"/>
-                  <a:ext cx="175680" cy="214259"/>
+                  <a:off x="7824250" y="5742546"/>
+                  <a:ext cx="175929" cy="214078"/>
                 </a:xfrm>
                 <a:prstGeom prst="rect">
                   <a:avLst/>
@@ -20024,7 +20242,7 @@
                 <p14:nvPr/>
               </p14:nvContentPartPr>
               <p14:xfrm>
-                <a:off x="3614580" y="5674376"/>
+                <a:off x="8074935" y="5852470"/>
                 <a:ext cx="69120" cy="70913"/>
               </p14:xfrm>
             </p:contentPart>
@@ -20050,8 +20268,8 @@
               </p:blipFill>
               <p:spPr>
                 <a:xfrm>
-                  <a:off x="3578580" y="5638380"/>
-                  <a:ext cx="140760" cy="142546"/>
+                  <a:off x="8038935" y="5816655"/>
+                  <a:ext cx="140760" cy="142184"/>
                 </a:xfrm>
                 <a:prstGeom prst="rect">
                   <a:avLst/>
@@ -20075,7 +20293,7 @@
                 <p14:nvPr/>
               </p14:nvContentPartPr>
               <p14:xfrm>
-                <a:off x="3740220" y="5673603"/>
+                <a:off x="8200575" y="5851697"/>
                 <a:ext cx="152280" cy="55262"/>
               </p14:xfrm>
             </p:contentPart>
@@ -20101,8 +20319,8 @@
               </p:blipFill>
               <p:spPr>
                 <a:xfrm>
-                  <a:off x="3704580" y="5637719"/>
-                  <a:ext cx="223920" cy="126672"/>
+                  <a:off x="8164490" y="5815813"/>
+                  <a:ext cx="224090" cy="126672"/>
                 </a:xfrm>
                 <a:prstGeom prst="rect">
                   <a:avLst/>
@@ -20126,7 +20344,7 @@
                 <p14:nvPr/>
               </p14:nvContentPartPr>
               <p14:xfrm>
-                <a:off x="3961980" y="5545882"/>
+                <a:off x="8422335" y="5723976"/>
                 <a:ext cx="43920" cy="165979"/>
               </p14:xfrm>
             </p:contentPart>
@@ -20152,8 +20370,8 @@
               </p:blipFill>
               <p:spPr>
                 <a:xfrm>
-                  <a:off x="3926340" y="5509878"/>
-                  <a:ext cx="115560" cy="237627"/>
+                  <a:off x="8386037" y="5688050"/>
+                  <a:ext cx="116152" cy="237472"/>
                 </a:xfrm>
                 <a:prstGeom prst="rect">
                   <a:avLst/>
@@ -20177,7 +20395,7 @@
                 <p14:nvPr/>
               </p14:nvContentPartPr>
               <p14:xfrm>
-                <a:off x="3825900" y="5601530"/>
+                <a:off x="8286255" y="5779624"/>
                 <a:ext cx="173520" cy="14878"/>
               </p14:xfrm>
             </p:contentPart>
@@ -20203,7 +20421,7 @@
               </p:blipFill>
               <p:spPr>
                 <a:xfrm>
-                  <a:off x="3790260" y="5566106"/>
+                  <a:off x="8250255" y="5744200"/>
                   <a:ext cx="245160" cy="85371"/>
                 </a:xfrm>
                 <a:prstGeom prst="rect">
@@ -20228,9 +20446,9 @@
         </p:nvGrpSpPr>
         <p:grpSpPr>
           <a:xfrm>
-            <a:off x="1639260" y="5811562"/>
+            <a:off x="6099615" y="5989656"/>
             <a:ext cx="592200" cy="703080"/>
-            <a:chOff x="1639260" y="5811562"/>
+            <a:chOff x="6099615" y="5989656"/>
             <a:chExt cx="592200" cy="703080"/>
           </a:xfrm>
         </p:grpSpPr>
@@ -20249,7 +20467,7 @@
                 <p14:nvPr/>
               </p14:nvContentPartPr>
               <p14:xfrm>
-                <a:off x="2146140" y="5811562"/>
+                <a:off x="6606495" y="5989656"/>
                 <a:ext cx="85320" cy="703080"/>
               </p14:xfrm>
             </p:contentPart>
@@ -20275,7 +20493,7 @@
               </p:blipFill>
               <p:spPr>
                 <a:xfrm>
-                  <a:off x="2110500" y="5775922"/>
+                  <a:off x="6570495" y="5953656"/>
                   <a:ext cx="156960" cy="774720"/>
                 </a:xfrm>
                 <a:prstGeom prst="rect">
@@ -20300,7 +20518,7 @@
                 <p14:nvPr/>
               </p14:nvContentPartPr>
               <p14:xfrm>
-                <a:off x="1639260" y="6116482"/>
+                <a:off x="6099615" y="6294576"/>
                 <a:ext cx="286920" cy="30240"/>
               </p14:xfrm>
             </p:contentPart>
@@ -20326,7 +20544,7 @@
               </p:blipFill>
               <p:spPr>
                 <a:xfrm>
-                  <a:off x="1603260" y="6080482"/>
+                  <a:off x="6063615" y="6258576"/>
                   <a:ext cx="358560" cy="101880"/>
                 </a:xfrm>
                 <a:prstGeom prst="rect">
@@ -20351,7 +20569,7 @@
                 <p14:nvPr/>
               </p14:nvContentPartPr>
               <p14:xfrm>
-                <a:off x="1710540" y="6203602"/>
+                <a:off x="6170895" y="6381696"/>
                 <a:ext cx="191520" cy="34920"/>
               </p14:xfrm>
             </p:contentPart>
@@ -20377,8 +20595,8 @@
               </p:blipFill>
               <p:spPr>
                 <a:xfrm>
-                  <a:off x="1674900" y="6167962"/>
-                  <a:ext cx="263160" cy="106560"/>
+                  <a:off x="6134895" y="6345321"/>
+                  <a:ext cx="263160" cy="107306"/>
                 </a:xfrm>
                 <a:prstGeom prst="rect">
                   <a:avLst/>
@@ -20402,7 +20620,7 @@
                 <p14:nvPr/>
               </p14:nvContentPartPr>
               <p14:xfrm>
-                <a:off x="1844100" y="5990482"/>
+                <a:off x="6304455" y="6168576"/>
                 <a:ext cx="138960" cy="303480"/>
               </p14:xfrm>
             </p:contentPart>
@@ -20428,7 +20646,7 @@
               </p:blipFill>
               <p:spPr>
                 <a:xfrm>
-                  <a:off x="1808100" y="5954482"/>
+                  <a:off x="6268455" y="6132576"/>
                   <a:ext cx="210600" cy="375120"/>
                 </a:xfrm>
                 <a:prstGeom prst="rect">
@@ -20453,9 +20671,9 @@
         </p:nvGrpSpPr>
         <p:grpSpPr>
           <a:xfrm>
-            <a:off x="2521980" y="6152842"/>
+            <a:off x="6982335" y="6330936"/>
             <a:ext cx="1714680" cy="333360"/>
-            <a:chOff x="2521980" y="6152842"/>
+            <a:chOff x="6982335" y="6330936"/>
             <a:chExt cx="1714680" cy="333360"/>
           </a:xfrm>
         </p:grpSpPr>
@@ -20474,7 +20692,7 @@
                 <p14:nvPr/>
               </p14:nvContentPartPr>
               <p14:xfrm>
-                <a:off x="2521980" y="6304042"/>
+                <a:off x="6982335" y="6482136"/>
                 <a:ext cx="91800" cy="180720"/>
               </p14:xfrm>
             </p:contentPart>
@@ -20500,7 +20718,7 @@
               </p:blipFill>
               <p:spPr>
                 <a:xfrm>
-                  <a:off x="2486340" y="6268042"/>
+                  <a:off x="6946335" y="6446136"/>
                   <a:ext cx="163440" cy="252360"/>
                 </a:xfrm>
                 <a:prstGeom prst="rect">
@@ -20525,7 +20743,7 @@
                 <p14:nvPr/>
               </p14:nvContentPartPr>
               <p14:xfrm>
-                <a:off x="2641140" y="6302962"/>
+                <a:off x="7101495" y="6481056"/>
                 <a:ext cx="110160" cy="149400"/>
               </p14:xfrm>
             </p:contentPart>
@@ -20551,7 +20769,7 @@
               </p:blipFill>
               <p:spPr>
                 <a:xfrm>
-                  <a:off x="2605140" y="6266962"/>
+                  <a:off x="7065495" y="6445056"/>
                   <a:ext cx="181800" cy="221040"/>
                 </a:xfrm>
                 <a:prstGeom prst="rect">
@@ -20576,7 +20794,7 @@
                 <p14:nvPr/>
               </p14:nvContentPartPr>
               <p14:xfrm>
-                <a:off x="2861100" y="6265882"/>
+                <a:off x="7321455" y="6443976"/>
                 <a:ext cx="105840" cy="177840"/>
               </p14:xfrm>
             </p:contentPart>
@@ -20602,7 +20820,7 @@
               </p:blipFill>
               <p:spPr>
                 <a:xfrm>
-                  <a:off x="2825100" y="6229882"/>
+                  <a:off x="7285455" y="6407976"/>
                   <a:ext cx="177480" cy="249480"/>
                 </a:xfrm>
                 <a:prstGeom prst="rect">
@@ -20627,7 +20845,7 @@
                 <p14:nvPr/>
               </p14:nvContentPartPr>
               <p14:xfrm>
-                <a:off x="3090780" y="6440122"/>
+                <a:off x="7551135" y="6618216"/>
                 <a:ext cx="10800" cy="20160"/>
               </p14:xfrm>
             </p:contentPart>
@@ -20653,7 +20871,7 @@
               </p:blipFill>
               <p:spPr>
                 <a:xfrm>
-                  <a:off x="3054780" y="6404122"/>
+                  <a:off x="7515135" y="6582216"/>
                   <a:ext cx="82440" cy="91800"/>
                 </a:xfrm>
                 <a:prstGeom prst="rect">
@@ -20678,7 +20896,7 @@
                 <p14:nvPr/>
               </p14:nvContentPartPr>
               <p14:xfrm>
-                <a:off x="3226860" y="6296122"/>
+                <a:off x="7687215" y="6474216"/>
                 <a:ext cx="60840" cy="190080"/>
               </p14:xfrm>
             </p:contentPart>
@@ -20704,7 +20922,7 @@
               </p:blipFill>
               <p:spPr>
                 <a:xfrm>
-                  <a:off x="3191220" y="6260482"/>
+                  <a:off x="7651215" y="6438216"/>
                   <a:ext cx="132480" cy="261720"/>
                 </a:xfrm>
                 <a:prstGeom prst="rect">
@@ -20729,7 +20947,7 @@
                 <p14:nvPr/>
               </p14:nvContentPartPr>
               <p14:xfrm>
-                <a:off x="3331620" y="6305842"/>
+                <a:off x="7791975" y="6483936"/>
                 <a:ext cx="102600" cy="41760"/>
               </p14:xfrm>
             </p:contentPart>
@@ -20755,7 +20973,7 @@
               </p:blipFill>
               <p:spPr>
                 <a:xfrm>
-                  <a:off x="3295620" y="6269842"/>
+                  <a:off x="7755975" y="6447936"/>
                   <a:ext cx="174240" cy="113400"/>
                 </a:xfrm>
                 <a:prstGeom prst="rect">
@@ -20780,7 +20998,7 @@
                 <p14:nvPr/>
               </p14:nvContentPartPr>
               <p14:xfrm>
-                <a:off x="3387780" y="6281002"/>
+                <a:off x="7848135" y="6459096"/>
                 <a:ext cx="18000" cy="158760"/>
               </p14:xfrm>
             </p:contentPart>
@@ -20806,8 +21024,8 @@
               </p:blipFill>
               <p:spPr>
                 <a:xfrm>
-                  <a:off x="3352140" y="6245362"/>
-                  <a:ext cx="89640" cy="230400"/>
+                  <a:off x="7811400" y="6423096"/>
+                  <a:ext cx="91102" cy="230400"/>
                 </a:xfrm>
                 <a:prstGeom prst="rect">
                   <a:avLst/>
@@ -20831,7 +21049,7 @@
                 <p14:nvPr/>
               </p14:nvContentPartPr>
               <p14:xfrm>
-                <a:off x="3524220" y="6152842"/>
+                <a:off x="7984575" y="6330936"/>
                 <a:ext cx="164160" cy="289080"/>
               </p14:xfrm>
             </p:contentPart>
@@ -20857,7 +21075,7 @@
               </p:blipFill>
               <p:spPr>
                 <a:xfrm>
-                  <a:off x="3488220" y="6116842"/>
+                  <a:off x="7948575" y="6294936"/>
                   <a:ext cx="235800" cy="360720"/>
                 </a:xfrm>
                 <a:prstGeom prst="rect">
@@ -20882,7 +21100,7 @@
                 <p14:nvPr/>
               </p14:nvContentPartPr>
               <p14:xfrm>
-                <a:off x="3781260" y="6283162"/>
+                <a:off x="8241615" y="6461256"/>
                 <a:ext cx="109080" cy="130680"/>
               </p14:xfrm>
             </p:contentPart>
@@ -20908,7 +21126,7 @@
               </p:blipFill>
               <p:spPr>
                 <a:xfrm>
-                  <a:off x="3745260" y="6247162"/>
+                  <a:off x="8205615" y="6425256"/>
                   <a:ext cx="180720" cy="202320"/>
                 </a:xfrm>
                 <a:prstGeom prst="rect">
@@ -20933,7 +21151,7 @@
                 <p14:nvPr/>
               </p14:nvContentPartPr>
               <p14:xfrm>
-                <a:off x="3961620" y="6257602"/>
+                <a:off x="8421975" y="6435696"/>
                 <a:ext cx="88920" cy="137880"/>
               </p14:xfrm>
             </p:contentPart>
@@ -20959,7 +21177,7 @@
               </p:blipFill>
               <p:spPr>
                 <a:xfrm>
-                  <a:off x="3925620" y="6221602"/>
+                  <a:off x="8385975" y="6399696"/>
                   <a:ext cx="160560" cy="209520"/>
                 </a:xfrm>
                 <a:prstGeom prst="rect">
@@ -20984,7 +21202,7 @@
                 <p14:nvPr/>
               </p14:nvContentPartPr>
               <p14:xfrm>
-                <a:off x="4093740" y="6227002"/>
+                <a:off x="8554095" y="6405096"/>
                 <a:ext cx="142920" cy="149400"/>
               </p14:xfrm>
             </p:contentPart>
@@ -21010,8 +21228,8 @@
               </p:blipFill>
               <p:spPr>
                 <a:xfrm>
-                  <a:off x="4057740" y="6191362"/>
-                  <a:ext cx="214560" cy="221040"/>
+                  <a:off x="8518095" y="6369009"/>
+                  <a:ext cx="214560" cy="221213"/>
                 </a:xfrm>
                 <a:prstGeom prst="rect">
                   <a:avLst/>
@@ -21035,10 +21253,10 @@
         </p:nvGrpSpPr>
         <p:grpSpPr>
           <a:xfrm>
-            <a:off x="1545300" y="1682362"/>
-            <a:ext cx="4668269" cy="1695240"/>
-            <a:chOff x="1545300" y="1682362"/>
-            <a:chExt cx="4668269" cy="1695240"/>
+            <a:off x="177644" y="299251"/>
+            <a:ext cx="4440029" cy="1695240"/>
+            <a:chOff x="177644" y="299251"/>
+            <a:chExt cx="4440029" cy="1695240"/>
           </a:xfrm>
         </p:grpSpPr>
         <mc:AlternateContent xmlns:mc="http://schemas.openxmlformats.org/markup-compatibility/2006">
@@ -21056,7 +21274,7 @@
                 <p14:nvPr/>
               </p14:nvContentPartPr>
               <p14:xfrm>
-                <a:off x="3596580" y="2499922"/>
+                <a:off x="2000684" y="1116811"/>
                 <a:ext cx="565200" cy="26280"/>
               </p14:xfrm>
             </p:contentPart>
@@ -21082,7 +21300,7 @@
               </p:blipFill>
               <p:spPr>
                 <a:xfrm>
-                  <a:off x="3560580" y="2464282"/>
+                  <a:off x="1964684" y="1080811"/>
                   <a:ext cx="636840" cy="97920"/>
                 </a:xfrm>
                 <a:prstGeom prst="rect">
@@ -21107,7 +21325,7 @@
                 <p14:nvPr/>
               </p14:nvContentPartPr>
               <p14:xfrm>
-                <a:off x="4018500" y="2400562"/>
+                <a:off x="2422604" y="1017451"/>
                 <a:ext cx="151560" cy="207000"/>
               </p14:xfrm>
             </p:contentPart>
@@ -21133,7 +21351,7 @@
               </p:blipFill>
               <p:spPr>
                 <a:xfrm>
-                  <a:off x="3982860" y="2364922"/>
+                  <a:off x="2386604" y="981451"/>
                   <a:ext cx="223200" cy="278640"/>
                 </a:xfrm>
                 <a:prstGeom prst="rect">
@@ -21158,7 +21376,7 @@
                 <p14:nvPr/>
               </p14:nvContentPartPr>
               <p14:xfrm>
-                <a:off x="4553609" y="2380042"/>
+                <a:off x="2957713" y="996931"/>
                 <a:ext cx="161640" cy="199800"/>
               </p14:xfrm>
             </p:contentPart>
@@ -21184,7 +21402,7 @@
               </p:blipFill>
               <p:spPr>
                 <a:xfrm>
-                  <a:off x="4517969" y="2344042"/>
+                  <a:off x="2921713" y="960931"/>
                   <a:ext cx="233280" cy="271440"/>
                 </a:xfrm>
                 <a:prstGeom prst="rect">
@@ -21209,7 +21427,7 @@
                 <p14:nvPr/>
               </p14:nvContentPartPr>
               <p14:xfrm>
-                <a:off x="4751249" y="2439082"/>
+                <a:off x="3155353" y="1055971"/>
                 <a:ext cx="190800" cy="13320"/>
               </p14:xfrm>
             </p:contentPart>
@@ -21235,7 +21453,7 @@
               </p:blipFill>
               <p:spPr>
                 <a:xfrm>
-                  <a:off x="4715249" y="2403442"/>
+                  <a:off x="3119353" y="1019971"/>
                   <a:ext cx="262440" cy="84960"/>
                 </a:xfrm>
                 <a:prstGeom prst="rect">
@@ -21260,7 +21478,7 @@
                 <p14:nvPr/>
               </p14:nvContentPartPr>
               <p14:xfrm>
-                <a:off x="4843409" y="2379682"/>
+                <a:off x="3247513" y="996571"/>
                 <a:ext cx="40680" cy="209520"/>
               </p14:xfrm>
             </p:contentPart>
@@ -21286,8 +21504,8 @@
               </p:blipFill>
               <p:spPr>
                 <a:xfrm>
-                  <a:off x="4807409" y="2343682"/>
-                  <a:ext cx="112320" cy="281160"/>
+                  <a:off x="3211829" y="960571"/>
+                  <a:ext cx="111692" cy="281160"/>
                 </a:xfrm>
                 <a:prstGeom prst="rect">
                   <a:avLst/>
@@ -21311,7 +21529,7 @@
                 <p14:nvPr/>
               </p14:nvContentPartPr>
               <p14:xfrm>
-                <a:off x="5043929" y="2280682"/>
+                <a:off x="3448033" y="897571"/>
                 <a:ext cx="200880" cy="294480"/>
               </p14:xfrm>
             </p:contentPart>
@@ -21337,8 +21555,8 @@
               </p:blipFill>
               <p:spPr>
                 <a:xfrm>
-                  <a:off x="5008289" y="2244682"/>
-                  <a:ext cx="272520" cy="366120"/>
+                  <a:off x="3411968" y="861571"/>
+                  <a:ext cx="272649" cy="366120"/>
                 </a:xfrm>
                 <a:prstGeom prst="rect">
                   <a:avLst/>
@@ -21362,7 +21580,7 @@
                 <p14:nvPr/>
               </p14:nvContentPartPr>
               <p14:xfrm>
-                <a:off x="5530289" y="2412802"/>
+                <a:off x="3934393" y="1029691"/>
                 <a:ext cx="93600" cy="135720"/>
               </p14:xfrm>
             </p:contentPart>
@@ -21388,7 +21606,7 @@
               </p:blipFill>
               <p:spPr>
                 <a:xfrm>
-                  <a:off x="5494649" y="2376802"/>
+                  <a:off x="3898393" y="993691"/>
                   <a:ext cx="165240" cy="207360"/>
                 </a:xfrm>
                 <a:prstGeom prst="rect">
@@ -21413,7 +21631,7 @@
                 <p14:nvPr/>
               </p14:nvContentPartPr>
               <p14:xfrm>
-                <a:off x="5718209" y="2372482"/>
+                <a:off x="4122313" y="989371"/>
                 <a:ext cx="227160" cy="159840"/>
               </p14:xfrm>
             </p:contentPart>
@@ -21439,8 +21657,8 @@
               </p:blipFill>
               <p:spPr>
                 <a:xfrm>
-                  <a:off x="5682209" y="2336482"/>
-                  <a:ext cx="298800" cy="231480"/>
+                  <a:off x="4086313" y="953452"/>
+                  <a:ext cx="298800" cy="231319"/>
                 </a:xfrm>
                 <a:prstGeom prst="rect">
                   <a:avLst/>
@@ -21464,7 +21682,7 @@
                 <p14:nvPr/>
               </p14:nvContentPartPr>
               <p14:xfrm>
-                <a:off x="5983889" y="2348722"/>
+                <a:off x="4387993" y="965611"/>
                 <a:ext cx="169560" cy="16920"/>
               </p14:xfrm>
             </p:contentPart>
@@ -21490,8 +21708,8 @@
               </p:blipFill>
               <p:spPr>
                 <a:xfrm>
-                  <a:off x="5948249" y="2312722"/>
-                  <a:ext cx="241200" cy="88560"/>
+                  <a:off x="4351993" y="930361"/>
+                  <a:ext cx="241200" cy="87068"/>
                 </a:xfrm>
                 <a:prstGeom prst="rect">
                   <a:avLst/>
@@ -21515,7 +21733,7 @@
                 <p14:nvPr/>
               </p14:nvContentPartPr>
               <p14:xfrm>
-                <a:off x="6060209" y="2283562"/>
+                <a:off x="4464313" y="900451"/>
                 <a:ext cx="153360" cy="262080"/>
               </p14:xfrm>
             </p:contentPart>
@@ -21541,7 +21759,7 @@
               </p:blipFill>
               <p:spPr>
                 <a:xfrm>
-                  <a:off x="6024209" y="2247562"/>
+                  <a:off x="4428313" y="864451"/>
                   <a:ext cx="225000" cy="333720"/>
                 </a:xfrm>
                 <a:prstGeom prst="rect">
@@ -21566,7 +21784,7 @@
                 <p14:nvPr/>
               </p14:nvContentPartPr>
               <p14:xfrm>
-                <a:off x="4538489" y="1884322"/>
+                <a:off x="2942593" y="501211"/>
                 <a:ext cx="105480" cy="67320"/>
               </p14:xfrm>
             </p:contentPart>
@@ -21592,8 +21810,8 @@
               </p:blipFill>
               <p:spPr>
                 <a:xfrm>
-                  <a:off x="4502849" y="1848322"/>
-                  <a:ext cx="177120" cy="138960"/>
+                  <a:off x="2906593" y="465402"/>
+                  <a:ext cx="177120" cy="138579"/>
                 </a:xfrm>
                 <a:prstGeom prst="rect">
                   <a:avLst/>
@@ -21617,7 +21835,7 @@
                 <p14:nvPr/>
               </p14:nvContentPartPr>
               <p14:xfrm>
-                <a:off x="4577729" y="1805482"/>
+                <a:off x="2981833" y="422371"/>
                 <a:ext cx="69120" cy="334440"/>
               </p14:xfrm>
             </p:contentPart>
@@ -21643,7 +21861,7 @@
               </p:blipFill>
               <p:spPr>
                 <a:xfrm>
-                  <a:off x="4542089" y="1769482"/>
+                  <a:off x="2945833" y="386371"/>
                   <a:ext cx="140760" cy="406080"/>
                 </a:xfrm>
                 <a:prstGeom prst="rect">
@@ -21668,7 +21886,7 @@
                 <p14:nvPr/>
               </p14:nvContentPartPr>
               <p14:xfrm>
-                <a:off x="4555409" y="2052082"/>
+                <a:off x="2959513" y="668971"/>
                 <a:ext cx="29880" cy="77400"/>
               </p14:xfrm>
             </p:contentPart>
@@ -21694,7 +21912,7 @@
               </p:blipFill>
               <p:spPr>
                 <a:xfrm>
-                  <a:off x="4519769" y="2016082"/>
+                  <a:off x="2923513" y="632971"/>
                   <a:ext cx="101520" cy="149040"/>
                 </a:xfrm>
                 <a:prstGeom prst="rect">
@@ -21719,7 +21937,7 @@
                 <p14:nvPr/>
               </p14:nvContentPartPr>
               <p14:xfrm>
-                <a:off x="4634609" y="1808002"/>
+                <a:off x="3038713" y="424891"/>
                 <a:ext cx="158760" cy="251280"/>
               </p14:xfrm>
             </p:contentPart>
@@ -21745,8 +21963,8 @@
               </p:blipFill>
               <p:spPr>
                 <a:xfrm>
-                  <a:off x="4598969" y="1772362"/>
-                  <a:ext cx="230400" cy="322920"/>
+                  <a:off x="3002713" y="388839"/>
+                  <a:ext cx="230400" cy="323023"/>
                 </a:xfrm>
                 <a:prstGeom prst="rect">
                   <a:avLst/>
@@ -21770,7 +21988,7 @@
                 <p14:nvPr/>
               </p14:nvContentPartPr>
               <p14:xfrm>
-                <a:off x="4693289" y="1867762"/>
+                <a:off x="3097393" y="484651"/>
                 <a:ext cx="290880" cy="163080"/>
               </p14:xfrm>
             </p:contentPart>
@@ -21796,7 +22014,7 @@
               </p:blipFill>
               <p:spPr>
                 <a:xfrm>
-                  <a:off x="4657289" y="1831762"/>
+                  <a:off x="3061393" y="448651"/>
                   <a:ext cx="362520" cy="234720"/>
                 </a:xfrm>
                 <a:prstGeom prst="rect">
@@ -21821,7 +22039,7 @@
                 <p14:nvPr/>
               </p14:nvContentPartPr>
               <p14:xfrm>
-                <a:off x="4786169" y="1915282"/>
+                <a:off x="3190273" y="532171"/>
                 <a:ext cx="33120" cy="73440"/>
               </p14:xfrm>
             </p:contentPart>
@@ -21847,7 +22065,7 @@
               </p:blipFill>
               <p:spPr>
                 <a:xfrm>
-                  <a:off x="4750169" y="1879282"/>
+                  <a:off x="3154273" y="496171"/>
                   <a:ext cx="104760" cy="145080"/>
                 </a:xfrm>
                 <a:prstGeom prst="rect">
@@ -21872,7 +22090,7 @@
                 <p14:nvPr/>
               </p14:nvContentPartPr>
               <p14:xfrm>
-                <a:off x="4813889" y="1891162"/>
+                <a:off x="3217993" y="508051"/>
                 <a:ext cx="73080" cy="152280"/>
               </p14:xfrm>
             </p:contentPart>
@@ -21898,7 +22116,7 @@
               </p:blipFill>
               <p:spPr>
                 <a:xfrm>
-                  <a:off x="4777889" y="1855522"/>
+                  <a:off x="3181993" y="472051"/>
                   <a:ext cx="144720" cy="223920"/>
                 </a:xfrm>
                 <a:prstGeom prst="rect">
@@ -21923,7 +22141,7 @@
                 <p14:nvPr/>
               </p14:nvContentPartPr>
               <p14:xfrm>
-                <a:off x="4840169" y="2049562"/>
+                <a:off x="3244273" y="666451"/>
                 <a:ext cx="56160" cy="38160"/>
               </p14:xfrm>
             </p:contentPart>
@@ -21949,7 +22167,7 @@
               </p:blipFill>
               <p:spPr>
                 <a:xfrm>
-                  <a:off x="4804169" y="2013562"/>
+                  <a:off x="3208273" y="630451"/>
                   <a:ext cx="127800" cy="109800"/>
                 </a:xfrm>
                 <a:prstGeom prst="rect">
@@ -21974,7 +22192,7 @@
                 <p14:nvPr/>
               </p14:nvContentPartPr>
               <p14:xfrm>
-                <a:off x="4836209" y="2068282"/>
+                <a:off x="3240313" y="685171"/>
                 <a:ext cx="117360" cy="85680"/>
               </p14:xfrm>
             </p:contentPart>
@@ -22000,7 +22218,7 @@
               </p:blipFill>
               <p:spPr>
                 <a:xfrm>
-                  <a:off x="4800569" y="2032282"/>
+                  <a:off x="3204313" y="649171"/>
                   <a:ext cx="189000" cy="157320"/>
                 </a:xfrm>
                 <a:prstGeom prst="rect">
@@ -22025,7 +22243,7 @@
                 <p14:nvPr/>
               </p14:nvContentPartPr>
               <p14:xfrm>
-                <a:off x="4863929" y="2134882"/>
+                <a:off x="3268033" y="751771"/>
                 <a:ext cx="189720" cy="74520"/>
               </p14:xfrm>
             </p:contentPart>
@@ -22051,7 +22269,7 @@
               </p:blipFill>
               <p:spPr>
                 <a:xfrm>
-                  <a:off x="4827929" y="2098882"/>
+                  <a:off x="3232033" y="715771"/>
                   <a:ext cx="261360" cy="146160"/>
                 </a:xfrm>
                 <a:prstGeom prst="rect">
@@ -22076,7 +22294,7 @@
                 <p14:nvPr/>
               </p14:nvContentPartPr>
               <p14:xfrm>
-                <a:off x="5151569" y="1795762"/>
+                <a:off x="3555673" y="412651"/>
                 <a:ext cx="32040" cy="13320"/>
               </p14:xfrm>
             </p:contentPart>
@@ -22102,7 +22320,7 @@
               </p:blipFill>
               <p:spPr>
                 <a:xfrm>
-                  <a:off x="5115569" y="1759762"/>
+                  <a:off x="3519673" y="376651"/>
                   <a:ext cx="103680" cy="84960"/>
                 </a:xfrm>
                 <a:prstGeom prst="rect">
@@ -22127,7 +22345,7 @@
                 <p14:nvPr/>
               </p14:nvContentPartPr>
               <p14:xfrm>
-                <a:off x="5158049" y="1882162"/>
+                <a:off x="3562153" y="499051"/>
                 <a:ext cx="35280" cy="15840"/>
               </p14:xfrm>
             </p:contentPart>
@@ -22153,8 +22371,8 @@
               </p:blipFill>
               <p:spPr>
                 <a:xfrm>
-                  <a:off x="5122409" y="1846162"/>
-                  <a:ext cx="106920" cy="87480"/>
+                  <a:off x="3525782" y="463051"/>
+                  <a:ext cx="107659" cy="87480"/>
                 </a:xfrm>
                 <a:prstGeom prst="rect">
                   <a:avLst/>
@@ -22178,7 +22396,7 @@
                 <p14:nvPr/>
               </p14:nvContentPartPr>
               <p14:xfrm>
-                <a:off x="5174969" y="1980802"/>
+                <a:off x="3579073" y="597691"/>
                 <a:ext cx="45000" cy="29520"/>
               </p14:xfrm>
             </p:contentPart>
@@ -22204,8 +22422,8 @@
               </p:blipFill>
               <p:spPr>
                 <a:xfrm>
-                  <a:off x="5139329" y="1944802"/>
-                  <a:ext cx="116640" cy="101160"/>
+                  <a:off x="3543073" y="562125"/>
+                  <a:ext cx="116640" cy="100297"/>
                 </a:xfrm>
                 <a:prstGeom prst="rect">
                   <a:avLst/>
@@ -22229,7 +22447,7 @@
                 <p14:nvPr/>
               </p14:nvContentPartPr>
               <p14:xfrm>
-                <a:off x="5264249" y="1682362"/>
+                <a:off x="3668353" y="299251"/>
                 <a:ext cx="67320" cy="313920"/>
               </p14:xfrm>
             </p:contentPart>
@@ -22255,8 +22473,8 @@
               </p:blipFill>
               <p:spPr>
                 <a:xfrm>
-                  <a:off x="5228249" y="1646722"/>
-                  <a:ext cx="138960" cy="385560"/>
+                  <a:off x="3632544" y="263251"/>
+                  <a:ext cx="138579" cy="385560"/>
                 </a:xfrm>
                 <a:prstGeom prst="rect">
                   <a:avLst/>
@@ -22280,7 +22498,7 @@
                 <p14:nvPr/>
               </p14:nvContentPartPr>
               <p14:xfrm>
-                <a:off x="5300249" y="1711522"/>
+                <a:off x="3704353" y="328411"/>
                 <a:ext cx="124920" cy="135720"/>
               </p14:xfrm>
             </p:contentPart>
@@ -22306,7 +22524,7 @@
               </p:blipFill>
               <p:spPr>
                 <a:xfrm>
-                  <a:off x="5264249" y="1675522"/>
+                  <a:off x="3668353" y="292411"/>
                   <a:ext cx="196560" cy="207360"/>
                 </a:xfrm>
                 <a:prstGeom prst="rect">
@@ -22331,7 +22549,7 @@
                 <p14:nvPr/>
               </p14:nvContentPartPr>
               <p14:xfrm>
-                <a:off x="5393129" y="1821322"/>
+                <a:off x="3797233" y="438211"/>
                 <a:ext cx="24480" cy="128880"/>
               </p14:xfrm>
             </p:contentPart>
@@ -22357,7 +22575,7 @@
               </p:blipFill>
               <p:spPr>
                 <a:xfrm>
-                  <a:off x="5357129" y="1785322"/>
+                  <a:off x="3761233" y="402211"/>
                   <a:ext cx="96120" cy="200520"/>
                 </a:xfrm>
                 <a:prstGeom prst="rect">
@@ -22382,7 +22600,7 @@
                 <p14:nvPr/>
               </p14:nvContentPartPr>
               <p14:xfrm>
-                <a:off x="5324729" y="1849042"/>
+                <a:off x="3728833" y="465931"/>
                 <a:ext cx="82440" cy="47520"/>
               </p14:xfrm>
             </p:contentPart>
@@ -22408,7 +22626,7 @@
               </p:blipFill>
               <p:spPr>
                 <a:xfrm>
-                  <a:off x="5288729" y="1813042"/>
+                  <a:off x="3692833" y="429931"/>
                   <a:ext cx="154080" cy="119160"/>
                 </a:xfrm>
                 <a:prstGeom prst="rect">
@@ -22433,7 +22651,7 @@
                 <p14:nvPr/>
               </p14:nvContentPartPr>
               <p14:xfrm>
-                <a:off x="5346689" y="1905202"/>
+                <a:off x="3750793" y="522091"/>
                 <a:ext cx="98280" cy="99720"/>
               </p14:xfrm>
             </p:contentPart>
@@ -22459,7 +22677,7 @@
               </p:blipFill>
               <p:spPr>
                 <a:xfrm>
-                  <a:off x="5310689" y="1869562"/>
+                  <a:off x="3714793" y="486091"/>
                   <a:ext cx="169920" cy="171360"/>
                 </a:xfrm>
                 <a:prstGeom prst="rect">
@@ -22484,7 +22702,7 @@
                 <p14:nvPr/>
               </p14:nvContentPartPr>
               <p14:xfrm>
-                <a:off x="5298809" y="2027602"/>
+                <a:off x="3702913" y="644491"/>
                 <a:ext cx="201600" cy="90360"/>
               </p14:xfrm>
             </p:contentPart>
@@ -22510,7 +22728,7 @@
               </p:blipFill>
               <p:spPr>
                 <a:xfrm>
-                  <a:off x="5262809" y="1991602"/>
+                  <a:off x="3666913" y="608491"/>
                   <a:ext cx="273240" cy="162000"/>
                 </a:xfrm>
                 <a:prstGeom prst="rect">
@@ -22535,7 +22753,7 @@
                 <p14:nvPr/>
               </p14:nvContentPartPr>
               <p14:xfrm>
-                <a:off x="5410409" y="2023282"/>
+                <a:off x="3814513" y="640171"/>
                 <a:ext cx="28080" cy="115200"/>
               </p14:xfrm>
             </p:contentPart>
@@ -22561,8 +22779,8 @@
               </p:blipFill>
               <p:spPr>
                 <a:xfrm>
-                  <a:off x="5374769" y="1987642"/>
-                  <a:ext cx="99720" cy="186840"/>
+                  <a:off x="3778513" y="604058"/>
+                  <a:ext cx="99720" cy="187065"/>
                 </a:xfrm>
                 <a:prstGeom prst="rect">
                   <a:avLst/>
@@ -22586,7 +22804,7 @@
                 <p14:nvPr/>
               </p14:nvContentPartPr>
               <p14:xfrm>
-                <a:off x="5713169" y="1775962"/>
+                <a:off x="4117273" y="392851"/>
                 <a:ext cx="48960" cy="268200"/>
               </p14:xfrm>
             </p:contentPart>
@@ -22612,8 +22830,8 @@
               </p:blipFill>
               <p:spPr>
                 <a:xfrm>
-                  <a:off x="5677169" y="1739962"/>
-                  <a:ext cx="120600" cy="339840"/>
+                  <a:off x="4081536" y="356851"/>
+                  <a:ext cx="120077" cy="339840"/>
                 </a:xfrm>
                 <a:prstGeom prst="rect">
                   <a:avLst/>
@@ -22637,7 +22855,7 @@
                 <p14:nvPr/>
               </p14:nvContentPartPr>
               <p14:xfrm>
-                <a:off x="5648009" y="1832122"/>
+                <a:off x="4052113" y="449011"/>
                 <a:ext cx="127080" cy="83880"/>
               </p14:xfrm>
             </p:contentPart>
@@ -22663,7 +22881,7 @@
               </p:blipFill>
               <p:spPr>
                 <a:xfrm>
-                  <a:off x="5612369" y="1796122"/>
+                  <a:off x="4016113" y="413011"/>
                   <a:ext cx="198720" cy="155520"/>
                 </a:xfrm>
                 <a:prstGeom prst="rect">
@@ -22688,7 +22906,7 @@
                 <p14:nvPr/>
               </p14:nvContentPartPr>
               <p14:xfrm>
-                <a:off x="5824409" y="1776322"/>
+                <a:off x="4228513" y="393211"/>
                 <a:ext cx="24480" cy="100440"/>
               </p14:xfrm>
             </p:contentPart>
@@ -22714,8 +22932,8 @@
               </p:blipFill>
               <p:spPr>
                 <a:xfrm>
-                  <a:off x="5788769" y="1740682"/>
-                  <a:ext cx="96120" cy="172080"/>
+                  <a:off x="4192513" y="357082"/>
+                  <a:ext cx="96120" cy="172338"/>
                 </a:xfrm>
                 <a:prstGeom prst="rect">
                   <a:avLst/>
@@ -22739,7 +22957,7 @@
                 <p14:nvPr/>
               </p14:nvContentPartPr>
               <p14:xfrm>
-                <a:off x="5658089" y="2002402"/>
+                <a:off x="4062193" y="619291"/>
                 <a:ext cx="243000" cy="102600"/>
               </p14:xfrm>
             </p:contentPart>
@@ -22765,7 +22983,7 @@
               </p:blipFill>
               <p:spPr>
                 <a:xfrm>
-                  <a:off x="5622089" y="1966402"/>
+                  <a:off x="4026193" y="583291"/>
                   <a:ext cx="314640" cy="174240"/>
                 </a:xfrm>
                 <a:prstGeom prst="rect">
@@ -22790,7 +23008,7 @@
                 <p14:nvPr/>
               </p14:nvContentPartPr>
               <p14:xfrm>
-                <a:off x="5988569" y="1845082"/>
+                <a:off x="4392673" y="461971"/>
                 <a:ext cx="194760" cy="274320"/>
               </p14:xfrm>
             </p:contentPart>
@@ -22816,7 +23034,7 @@
               </p:blipFill>
               <p:spPr>
                 <a:xfrm>
-                  <a:off x="5952569" y="1809442"/>
+                  <a:off x="4356673" y="425971"/>
                   <a:ext cx="266400" cy="345960"/>
                 </a:xfrm>
                 <a:prstGeom prst="rect">
@@ -22841,7 +23059,7 @@
                 <p14:nvPr/>
               </p14:nvContentPartPr>
               <p14:xfrm>
-                <a:off x="6028529" y="1794682"/>
+                <a:off x="4432633" y="411571"/>
                 <a:ext cx="34920" cy="218160"/>
               </p14:xfrm>
             </p:contentPart>
@@ -22867,7 +23085,7 @@
               </p:blipFill>
               <p:spPr>
                 <a:xfrm>
-                  <a:off x="5992529" y="1758682"/>
+                  <a:off x="4396633" y="375571"/>
                   <a:ext cx="106560" cy="289800"/>
                 </a:xfrm>
                 <a:prstGeom prst="rect">
@@ -22892,7 +23110,7 @@
                 <p14:nvPr/>
               </p14:nvContentPartPr>
               <p14:xfrm>
-                <a:off x="2805300" y="2956042"/>
+                <a:off x="1209404" y="1572931"/>
                 <a:ext cx="1397880" cy="290160"/>
               </p14:xfrm>
             </p:contentPart>
@@ -22918,8 +23136,8 @@
               </p:blipFill>
               <p:spPr>
                 <a:xfrm>
-                  <a:off x="2769660" y="2920402"/>
-                  <a:ext cx="1469520" cy="361800"/>
+                  <a:off x="1173404" y="1536886"/>
+                  <a:ext cx="1469520" cy="361889"/>
                 </a:xfrm>
                 <a:prstGeom prst="rect">
                   <a:avLst/>
@@ -22943,7 +23161,7 @@
                 <p14:nvPr/>
               </p14:nvContentPartPr>
               <p14:xfrm>
-                <a:off x="4068900" y="3073042"/>
+                <a:off x="2473004" y="1689931"/>
                 <a:ext cx="124200" cy="290160"/>
               </p14:xfrm>
             </p:contentPart>
@@ -22969,7 +23187,7 @@
               </p:blipFill>
               <p:spPr>
                 <a:xfrm>
-                  <a:off x="4032900" y="3037402"/>
+                  <a:off x="2437004" y="1653931"/>
                   <a:ext cx="195840" cy="361800"/>
                 </a:xfrm>
                 <a:prstGeom prst="rect">
@@ -22994,7 +23212,7 @@
                 <p14:nvPr/>
               </p14:nvContentPartPr>
               <p14:xfrm>
-                <a:off x="4628700" y="3192202"/>
+                <a:off x="3032804" y="1809091"/>
                 <a:ext cx="98640" cy="185400"/>
               </p14:xfrm>
             </p:contentPart>
@@ -23020,8 +23238,8 @@
               </p:blipFill>
               <p:spPr>
                 <a:xfrm>
-                  <a:off x="4593060" y="3156562"/>
-                  <a:ext cx="170280" cy="257040"/>
+                  <a:off x="2996804" y="1773021"/>
+                  <a:ext cx="170280" cy="257179"/>
                 </a:xfrm>
                 <a:prstGeom prst="rect">
                   <a:avLst/>
@@ -23045,7 +23263,7 @@
                 <p14:nvPr/>
               </p14:nvContentPartPr>
               <p14:xfrm>
-                <a:off x="4793580" y="3201202"/>
+                <a:off x="3197684" y="1818091"/>
                 <a:ext cx="168120" cy="34200"/>
               </p14:xfrm>
             </p:contentPart>
@@ -23071,7 +23289,7 @@
               </p:blipFill>
               <p:spPr>
                 <a:xfrm>
-                  <a:off x="4757580" y="3165202"/>
+                  <a:off x="3161684" y="1782091"/>
                   <a:ext cx="239760" cy="105840"/>
                 </a:xfrm>
                 <a:prstGeom prst="rect">
@@ -23096,7 +23314,7 @@
                 <p14:nvPr/>
               </p14:nvContentPartPr>
               <p14:xfrm>
-                <a:off x="4881420" y="3146482"/>
+                <a:off x="3285524" y="1763371"/>
                 <a:ext cx="54360" cy="221760"/>
               </p14:xfrm>
             </p:contentPart>
@@ -23122,7 +23340,7 @@
               </p:blipFill>
               <p:spPr>
                 <a:xfrm>
-                  <a:off x="4845780" y="3110842"/>
+                  <a:off x="3249524" y="1727371"/>
                   <a:ext cx="126000" cy="293400"/>
                 </a:xfrm>
                 <a:prstGeom prst="rect">
@@ -23147,7 +23365,7 @@
                 <p14:nvPr/>
               </p14:nvContentPartPr>
               <p14:xfrm>
-                <a:off x="5086620" y="3024082"/>
+                <a:off x="3490724" y="1640971"/>
                 <a:ext cx="215640" cy="322200"/>
               </p14:xfrm>
             </p:contentPart>
@@ -23173,8 +23391,8 @@
               </p:blipFill>
               <p:spPr>
                 <a:xfrm>
-                  <a:off x="5050980" y="2988442"/>
-                  <a:ext cx="287280" cy="393840"/>
+                  <a:off x="3454724" y="1604931"/>
+                  <a:ext cx="287280" cy="393920"/>
                 </a:xfrm>
                 <a:prstGeom prst="rect">
                   <a:avLst/>
@@ -23198,7 +23416,7 @@
                 <p14:nvPr/>
               </p14:nvContentPartPr>
               <p14:xfrm>
-                <a:off x="5498460" y="3139642"/>
+                <a:off x="3902564" y="1756531"/>
                 <a:ext cx="145440" cy="174240"/>
               </p14:xfrm>
             </p:contentPart>
@@ -23224,8 +23442,8 @@
               </p:blipFill>
               <p:spPr>
                 <a:xfrm>
-                  <a:off x="5462460" y="3104002"/>
-                  <a:ext cx="217080" cy="245880"/>
+                  <a:off x="3866653" y="1720531"/>
+                  <a:ext cx="216903" cy="245880"/>
                 </a:xfrm>
                 <a:prstGeom prst="rect">
                   <a:avLst/>
@@ -23249,7 +23467,7 @@
                 <p14:nvPr/>
               </p14:nvContentPartPr>
               <p14:xfrm>
-                <a:off x="5711220" y="3134962"/>
+                <a:off x="4115324" y="1751851"/>
                 <a:ext cx="156600" cy="173880"/>
               </p14:xfrm>
             </p:contentPart>
@@ -23275,7 +23493,7 @@
               </p:blipFill>
               <p:spPr>
                 <a:xfrm>
-                  <a:off x="5675580" y="3098962"/>
+                  <a:off x="4079324" y="1715851"/>
                   <a:ext cx="228240" cy="245520"/>
                 </a:xfrm>
                 <a:prstGeom prst="rect">
@@ -23300,7 +23518,7 @@
                 <p14:nvPr/>
               </p14:nvContentPartPr>
               <p14:xfrm>
-                <a:off x="5908140" y="3093562"/>
+                <a:off x="4312244" y="1710451"/>
                 <a:ext cx="172440" cy="171720"/>
               </p14:xfrm>
             </p:contentPart>
@@ -23326,7 +23544,7 @@
               </p:blipFill>
               <p:spPr>
                 <a:xfrm>
-                  <a:off x="5872140" y="3057562"/>
+                  <a:off x="4276244" y="1674451"/>
                   <a:ext cx="244080" cy="243360"/>
                 </a:xfrm>
                 <a:prstGeom prst="rect">
@@ -23340,10 +23558,10 @@
           <mc:Choice xmlns:p14="http://schemas.microsoft.com/office/powerpoint/2010/main" Requires="p14">
             <p:contentPart p14:bwMode="auto" r:id="rId454">
               <p14:nvContentPartPr>
-                <p14:cNvPr id="5" name="インク 4">
-                  <a:extLst>
-                    <a:ext uri="{FF2B5EF4-FFF2-40B4-BE49-F238E27FC236}">
-                      <a16:creationId xmlns:a16="http://schemas.microsoft.com/office/drawing/2014/main" id="{3B49070A-1C48-3E73-4A73-758D02F10A5A}"/>
+                <p14:cNvPr id="101" name="インク 100">
+                  <a:extLst>
+                    <a:ext uri="{FF2B5EF4-FFF2-40B4-BE49-F238E27FC236}">
+                      <a16:creationId xmlns:a16="http://schemas.microsoft.com/office/drawing/2014/main" id="{89726FFE-FFFB-EA63-78A8-001B9B25B3A9}"/>
                     </a:ext>
                   </a:extLst>
                 </p14:cNvPr>
@@ -23351,18 +23569,18 @@
                 <p14:nvPr/>
               </p14:nvContentPartPr>
               <p14:xfrm>
-                <a:off x="3207420" y="2223442"/>
-                <a:ext cx="55080" cy="496800"/>
+                <a:off x="177644" y="1031491"/>
+                <a:ext cx="157680" cy="166320"/>
               </p14:xfrm>
             </p:contentPart>
           </mc:Choice>
           <mc:Fallback>
             <p:pic>
               <p:nvPicPr>
-                <p:cNvPr id="5" name="インク 4">
-                  <a:extLst>
-                    <a:ext uri="{FF2B5EF4-FFF2-40B4-BE49-F238E27FC236}">
-                      <a16:creationId xmlns:a16="http://schemas.microsoft.com/office/drawing/2014/main" id="{3B49070A-1C48-3E73-4A73-758D02F10A5A}"/>
+                <p:cNvPr id="101" name="インク 100">
+                  <a:extLst>
+                    <a:ext uri="{FF2B5EF4-FFF2-40B4-BE49-F238E27FC236}">
+                      <a16:creationId xmlns:a16="http://schemas.microsoft.com/office/drawing/2014/main" id="{89726FFE-FFFB-EA63-78A8-001B9B25B3A9}"/>
                     </a:ext>
                   </a:extLst>
                 </p:cNvPr>
@@ -23377,8 +23595,8 @@
               </p:blipFill>
               <p:spPr>
                 <a:xfrm>
-                  <a:off x="3171780" y="2187802"/>
-                  <a:ext cx="126720" cy="568440"/>
+                  <a:off x="141644" y="995491"/>
+                  <a:ext cx="229320" cy="237960"/>
                 </a:xfrm>
                 <a:prstGeom prst="rect">
                   <a:avLst/>
@@ -23391,10 +23609,10 @@
           <mc:Choice xmlns:p14="http://schemas.microsoft.com/office/powerpoint/2010/main" Requires="p14">
             <p:contentPart p14:bwMode="auto" r:id="rId456">
               <p14:nvContentPartPr>
-                <p14:cNvPr id="7" name="インク 6">
-                  <a:extLst>
-                    <a:ext uri="{FF2B5EF4-FFF2-40B4-BE49-F238E27FC236}">
-                      <a16:creationId xmlns:a16="http://schemas.microsoft.com/office/drawing/2014/main" id="{6E7B1086-AE38-C6EB-5AC6-84592C605B7A}"/>
+                <p14:cNvPr id="102" name="インク 101">
+                  <a:extLst>
+                    <a:ext uri="{FF2B5EF4-FFF2-40B4-BE49-F238E27FC236}">
+                      <a16:creationId xmlns:a16="http://schemas.microsoft.com/office/drawing/2014/main" id="{C44F7F06-8F6D-A6FD-07B5-D2EC4C08FC37}"/>
                     </a:ext>
                   </a:extLst>
                 </p14:cNvPr>
@@ -23402,18 +23620,18 @@
                 <p14:nvPr/>
               </p14:nvContentPartPr>
               <p14:xfrm>
-                <a:off x="1545300" y="2243242"/>
-                <a:ext cx="1682280" cy="525960"/>
+                <a:off x="380684" y="1025011"/>
+                <a:ext cx="104040" cy="168120"/>
               </p14:xfrm>
             </p:contentPart>
           </mc:Choice>
           <mc:Fallback>
             <p:pic>
               <p:nvPicPr>
-                <p:cNvPr id="7" name="インク 6">
-                  <a:extLst>
-                    <a:ext uri="{FF2B5EF4-FFF2-40B4-BE49-F238E27FC236}">
-                      <a16:creationId xmlns:a16="http://schemas.microsoft.com/office/drawing/2014/main" id="{6E7B1086-AE38-C6EB-5AC6-84592C605B7A}"/>
+                <p:cNvPr id="102" name="インク 101">
+                  <a:extLst>
+                    <a:ext uri="{FF2B5EF4-FFF2-40B4-BE49-F238E27FC236}">
+                      <a16:creationId xmlns:a16="http://schemas.microsoft.com/office/drawing/2014/main" id="{C44F7F06-8F6D-A6FD-07B5-D2EC4C08FC37}"/>
                     </a:ext>
                   </a:extLst>
                 </p:cNvPr>
@@ -23428,8 +23646,8 @@
               </p:blipFill>
               <p:spPr>
                 <a:xfrm>
-                  <a:off x="1509660" y="2207242"/>
-                  <a:ext cx="1753920" cy="597600"/>
+                  <a:off x="344684" y="989011"/>
+                  <a:ext cx="175680" cy="239760"/>
                 </a:xfrm>
                 <a:prstGeom prst="rect">
                   <a:avLst/>
@@ -23442,10 +23660,10 @@
           <mc:Choice xmlns:p14="http://schemas.microsoft.com/office/powerpoint/2010/main" Requires="p14">
             <p:contentPart p14:bwMode="auto" r:id="rId458">
               <p14:nvContentPartPr>
-                <p14:cNvPr id="101" name="インク 100">
-                  <a:extLst>
-                    <a:ext uri="{FF2B5EF4-FFF2-40B4-BE49-F238E27FC236}">
-                      <a16:creationId xmlns:a16="http://schemas.microsoft.com/office/drawing/2014/main" id="{89726FFE-FFFB-EA63-78A8-001B9B25B3A9}"/>
+                <p14:cNvPr id="103" name="インク 102">
+                  <a:extLst>
+                    <a:ext uri="{FF2B5EF4-FFF2-40B4-BE49-F238E27FC236}">
+                      <a16:creationId xmlns:a16="http://schemas.microsoft.com/office/drawing/2014/main" id="{6AC03029-84A2-82EC-7687-9A8353FEA918}"/>
                     </a:ext>
                   </a:extLst>
                 </p14:cNvPr>
@@ -23453,18 +23671,18 @@
                 <p14:nvPr/>
               </p14:nvContentPartPr>
               <p14:xfrm>
-                <a:off x="1773540" y="2414602"/>
-                <a:ext cx="157680" cy="166320"/>
+                <a:off x="541964" y="1050931"/>
+                <a:ext cx="207360" cy="122040"/>
               </p14:xfrm>
             </p:contentPart>
           </mc:Choice>
           <mc:Fallback>
             <p:pic>
               <p:nvPicPr>
-                <p:cNvPr id="101" name="インク 100">
-                  <a:extLst>
-                    <a:ext uri="{FF2B5EF4-FFF2-40B4-BE49-F238E27FC236}">
-                      <a16:creationId xmlns:a16="http://schemas.microsoft.com/office/drawing/2014/main" id="{89726FFE-FFFB-EA63-78A8-001B9B25B3A9}"/>
+                <p:cNvPr id="103" name="インク 102">
+                  <a:extLst>
+                    <a:ext uri="{FF2B5EF4-FFF2-40B4-BE49-F238E27FC236}">
+                      <a16:creationId xmlns:a16="http://schemas.microsoft.com/office/drawing/2014/main" id="{6AC03029-84A2-82EC-7687-9A8353FEA918}"/>
                     </a:ext>
                   </a:extLst>
                 </p:cNvPr>
@@ -23479,8 +23697,8 @@
               </p:blipFill>
               <p:spPr>
                 <a:xfrm>
-                  <a:off x="1737540" y="2378602"/>
-                  <a:ext cx="229320" cy="237960"/>
+                  <a:off x="505964" y="1014824"/>
+                  <a:ext cx="279000" cy="193892"/>
                 </a:xfrm>
                 <a:prstGeom prst="rect">
                   <a:avLst/>
@@ -23493,10 +23711,10 @@
           <mc:Choice xmlns:p14="http://schemas.microsoft.com/office/powerpoint/2010/main" Requires="p14">
             <p:contentPart p14:bwMode="auto" r:id="rId460">
               <p14:nvContentPartPr>
-                <p14:cNvPr id="102" name="インク 101">
-                  <a:extLst>
-                    <a:ext uri="{FF2B5EF4-FFF2-40B4-BE49-F238E27FC236}">
-                      <a16:creationId xmlns:a16="http://schemas.microsoft.com/office/drawing/2014/main" id="{C44F7F06-8F6D-A6FD-07B5-D2EC4C08FC37}"/>
+                <p14:cNvPr id="104" name="インク 103">
+                  <a:extLst>
+                    <a:ext uri="{FF2B5EF4-FFF2-40B4-BE49-F238E27FC236}">
+                      <a16:creationId xmlns:a16="http://schemas.microsoft.com/office/drawing/2014/main" id="{122FD497-507A-2EBB-A3F0-6603DF537A8A}"/>
                     </a:ext>
                   </a:extLst>
                 </p14:cNvPr>
@@ -23504,18 +23722,18 @@
                 <p14:nvPr/>
               </p14:nvContentPartPr>
               <p14:xfrm>
-                <a:off x="1976580" y="2408122"/>
-                <a:ext cx="104040" cy="168120"/>
+                <a:off x="800444" y="1007731"/>
+                <a:ext cx="189000" cy="144360"/>
               </p14:xfrm>
             </p:contentPart>
           </mc:Choice>
           <mc:Fallback>
             <p:pic>
               <p:nvPicPr>
-                <p:cNvPr id="102" name="インク 101">
-                  <a:extLst>
-                    <a:ext uri="{FF2B5EF4-FFF2-40B4-BE49-F238E27FC236}">
-                      <a16:creationId xmlns:a16="http://schemas.microsoft.com/office/drawing/2014/main" id="{C44F7F06-8F6D-A6FD-07B5-D2EC4C08FC37}"/>
+                <p:cNvPr id="104" name="インク 103">
+                  <a:extLst>
+                    <a:ext uri="{FF2B5EF4-FFF2-40B4-BE49-F238E27FC236}">
+                      <a16:creationId xmlns:a16="http://schemas.microsoft.com/office/drawing/2014/main" id="{122FD497-507A-2EBB-A3F0-6603DF537A8A}"/>
                     </a:ext>
                   </a:extLst>
                 </p:cNvPr>
@@ -23530,8 +23748,8 @@
               </p:blipFill>
               <p:spPr>
                 <a:xfrm>
-                  <a:off x="1940580" y="2372122"/>
-                  <a:ext cx="175680" cy="239760"/>
+                  <a:off x="764444" y="971731"/>
+                  <a:ext cx="260640" cy="216000"/>
                 </a:xfrm>
                 <a:prstGeom prst="rect">
                   <a:avLst/>
@@ -23544,10 +23762,10 @@
           <mc:Choice xmlns:p14="http://schemas.microsoft.com/office/powerpoint/2010/main" Requires="p14">
             <p:contentPart p14:bwMode="auto" r:id="rId462">
               <p14:nvContentPartPr>
-                <p14:cNvPr id="103" name="インク 102">
-                  <a:extLst>
-                    <a:ext uri="{FF2B5EF4-FFF2-40B4-BE49-F238E27FC236}">
-                      <a16:creationId xmlns:a16="http://schemas.microsoft.com/office/drawing/2014/main" id="{6AC03029-84A2-82EC-7687-9A8353FEA918}"/>
+                <p14:cNvPr id="105" name="インク 104">
+                  <a:extLst>
+                    <a:ext uri="{FF2B5EF4-FFF2-40B4-BE49-F238E27FC236}">
+                      <a16:creationId xmlns:a16="http://schemas.microsoft.com/office/drawing/2014/main" id="{79DF9B86-26BB-D3E0-6385-9B1B3AC8981F}"/>
                     </a:ext>
                   </a:extLst>
                 </p14:cNvPr>
@@ -23555,18 +23773,18 @@
                 <p14:nvPr/>
               </p14:nvContentPartPr>
               <p14:xfrm>
-                <a:off x="2137860" y="2434042"/>
-                <a:ext cx="207360" cy="122040"/>
+                <a:off x="1066484" y="1023931"/>
+                <a:ext cx="307440" cy="128160"/>
               </p14:xfrm>
             </p:contentPart>
           </mc:Choice>
           <mc:Fallback>
             <p:pic>
               <p:nvPicPr>
-                <p:cNvPr id="103" name="インク 102">
-                  <a:extLst>
-                    <a:ext uri="{FF2B5EF4-FFF2-40B4-BE49-F238E27FC236}">
-                      <a16:creationId xmlns:a16="http://schemas.microsoft.com/office/drawing/2014/main" id="{6AC03029-84A2-82EC-7687-9A8353FEA918}"/>
+                <p:cNvPr id="105" name="インク 104">
+                  <a:extLst>
+                    <a:ext uri="{FF2B5EF4-FFF2-40B4-BE49-F238E27FC236}">
+                      <a16:creationId xmlns:a16="http://schemas.microsoft.com/office/drawing/2014/main" id="{79DF9B86-26BB-D3E0-6385-9B1B3AC8981F}"/>
                     </a:ext>
                   </a:extLst>
                 </p:cNvPr>
@@ -23581,8 +23799,8 @@
               </p:blipFill>
               <p:spPr>
                 <a:xfrm>
-                  <a:off x="2102220" y="2398402"/>
-                  <a:ext cx="279000" cy="193680"/>
+                  <a:off x="1030484" y="987931"/>
+                  <a:ext cx="379080" cy="199800"/>
                 </a:xfrm>
                 <a:prstGeom prst="rect">
                   <a:avLst/>
@@ -23595,10 +23813,10 @@
           <mc:Choice xmlns:p14="http://schemas.microsoft.com/office/powerpoint/2010/main" Requires="p14">
             <p:contentPart p14:bwMode="auto" r:id="rId464">
               <p14:nvContentPartPr>
-                <p14:cNvPr id="104" name="インク 103">
-                  <a:extLst>
-                    <a:ext uri="{FF2B5EF4-FFF2-40B4-BE49-F238E27FC236}">
-                      <a16:creationId xmlns:a16="http://schemas.microsoft.com/office/drawing/2014/main" id="{122FD497-507A-2EBB-A3F0-6603DF537A8A}"/>
+                <p14:cNvPr id="106" name="インク 105">
+                  <a:extLst>
+                    <a:ext uri="{FF2B5EF4-FFF2-40B4-BE49-F238E27FC236}">
+                      <a16:creationId xmlns:a16="http://schemas.microsoft.com/office/drawing/2014/main" id="{48C90A4D-2566-C025-7FDB-8AF065B0B712}"/>
                     </a:ext>
                   </a:extLst>
                 </p14:cNvPr>
@@ -23606,18 +23824,18 @@
                 <p14:nvPr/>
               </p14:nvContentPartPr>
               <p14:xfrm>
-                <a:off x="2396340" y="2390842"/>
-                <a:ext cx="189000" cy="144360"/>
+                <a:off x="1444124" y="875611"/>
+                <a:ext cx="125280" cy="294120"/>
               </p14:xfrm>
             </p:contentPart>
           </mc:Choice>
           <mc:Fallback>
             <p:pic>
               <p:nvPicPr>
-                <p:cNvPr id="104" name="インク 103">
-                  <a:extLst>
-                    <a:ext uri="{FF2B5EF4-FFF2-40B4-BE49-F238E27FC236}">
-                      <a16:creationId xmlns:a16="http://schemas.microsoft.com/office/drawing/2014/main" id="{122FD497-507A-2EBB-A3F0-6603DF537A8A}"/>
+                <p:cNvPr id="106" name="インク 105">
+                  <a:extLst>
+                    <a:ext uri="{FF2B5EF4-FFF2-40B4-BE49-F238E27FC236}">
+                      <a16:creationId xmlns:a16="http://schemas.microsoft.com/office/drawing/2014/main" id="{48C90A4D-2566-C025-7FDB-8AF065B0B712}"/>
                     </a:ext>
                   </a:extLst>
                 </p:cNvPr>
@@ -23632,8 +23850,110 @@
               </p:blipFill>
               <p:spPr>
                 <a:xfrm>
-                  <a:off x="2360340" y="2355202"/>
-                  <a:ext cx="260640" cy="216000"/>
+                  <a:off x="1408227" y="839611"/>
+                  <a:ext cx="196715" cy="365760"/>
+                </a:xfrm>
+                <a:prstGeom prst="rect">
+                  <a:avLst/>
+                </a:prstGeom>
+              </p:spPr>
+            </p:pic>
+          </mc:Fallback>
+        </mc:AlternateContent>
+      </p:grpSp>
+      <p:pic>
+        <p:nvPicPr>
+          <p:cNvPr id="3" name="図 2" descr="テキスト&#10;&#10;自動的に生成された説明">
+            <a:extLst>
+              <a:ext uri="{FF2B5EF4-FFF2-40B4-BE49-F238E27FC236}">
+                <a16:creationId xmlns:a16="http://schemas.microsoft.com/office/drawing/2014/main" id="{38D9E11A-D41B-3B27-6D40-9A2C278B6629}"/>
+              </a:ext>
+            </a:extLst>
+          </p:cNvPr>
+          <p:cNvPicPr>
+            <a:picLocks noChangeAspect="1"/>
+          </p:cNvPicPr>
+          <p:nvPr/>
+        </p:nvPicPr>
+        <p:blipFill>
+          <a:blip r:embed="rId466"/>
+          <a:stretch>
+            <a:fillRect/>
+          </a:stretch>
+        </p:blipFill>
+        <p:spPr>
+          <a:xfrm>
+            <a:off x="6340815" y="433780"/>
+            <a:ext cx="4996053" cy="3192966"/>
+          </a:xfrm>
+          <a:prstGeom prst="rect">
+            <a:avLst/>
+          </a:prstGeom>
+        </p:spPr>
+      </p:pic>
+      <p:grpSp>
+        <p:nvGrpSpPr>
+          <p:cNvPr id="51" name="グループ化 50">
+            <a:extLst>
+              <a:ext uri="{FF2B5EF4-FFF2-40B4-BE49-F238E27FC236}">
+                <a16:creationId xmlns:a16="http://schemas.microsoft.com/office/drawing/2014/main" id="{9040C6E2-23CF-2D6B-A1D9-6D3CCDEC61AF}"/>
+              </a:ext>
+            </a:extLst>
+          </p:cNvPr>
+          <p:cNvGrpSpPr/>
+          <p:nvPr/>
+        </p:nvGrpSpPr>
+        <p:grpSpPr>
+          <a:xfrm>
+            <a:off x="799370" y="3173771"/>
+            <a:ext cx="1265760" cy="483480"/>
+            <a:chOff x="799370" y="3173771"/>
+            <a:chExt cx="1265760" cy="483480"/>
+          </a:xfrm>
+        </p:grpSpPr>
+        <mc:AlternateContent xmlns:mc="http://schemas.openxmlformats.org/markup-compatibility/2006">
+          <mc:Choice xmlns:p14="http://schemas.microsoft.com/office/powerpoint/2010/main" Requires="p14">
+            <p:contentPart p14:bwMode="auto" r:id="rId467">
+              <p14:nvContentPartPr>
+                <p14:cNvPr id="8" name="インク 7">
+                  <a:extLst>
+                    <a:ext uri="{FF2B5EF4-FFF2-40B4-BE49-F238E27FC236}">
+                      <a16:creationId xmlns:a16="http://schemas.microsoft.com/office/drawing/2014/main" id="{D4EB4E57-DB50-4A06-698F-6FF5B7E3C2A9}"/>
+                    </a:ext>
+                  </a:extLst>
+                </p14:cNvPr>
+                <p14:cNvContentPartPr/>
+                <p14:nvPr/>
+              </p14:nvContentPartPr>
+              <p14:xfrm>
+                <a:off x="799370" y="3276371"/>
+                <a:ext cx="194760" cy="380880"/>
+              </p14:xfrm>
+            </p:contentPart>
+          </mc:Choice>
+          <mc:Fallback>
+            <p:pic>
+              <p:nvPicPr>
+                <p:cNvPr id="8" name="インク 7">
+                  <a:extLst>
+                    <a:ext uri="{FF2B5EF4-FFF2-40B4-BE49-F238E27FC236}">
+                      <a16:creationId xmlns:a16="http://schemas.microsoft.com/office/drawing/2014/main" id="{D4EB4E57-DB50-4A06-698F-6FF5B7E3C2A9}"/>
+                    </a:ext>
+                  </a:extLst>
+                </p:cNvPr>
+                <p:cNvPicPr/>
+                <p:nvPr/>
+              </p:nvPicPr>
+              <p:blipFill>
+                <a:blip r:embed="rId468"/>
+                <a:stretch>
+                  <a:fillRect/>
+                </a:stretch>
+              </p:blipFill>
+              <p:spPr>
+                <a:xfrm>
+                  <a:off x="763730" y="3240731"/>
+                  <a:ext cx="266400" cy="452520"/>
                 </a:xfrm>
                 <a:prstGeom prst="rect">
                   <a:avLst/>
@@ -23644,12 +23964,12 @@
         </mc:AlternateContent>
         <mc:AlternateContent xmlns:mc="http://schemas.openxmlformats.org/markup-compatibility/2006">
           <mc:Choice xmlns:p14="http://schemas.microsoft.com/office/powerpoint/2010/main" Requires="p14">
-            <p:contentPart p14:bwMode="auto" r:id="rId466">
+            <p:contentPart p14:bwMode="auto" r:id="rId469">
               <p14:nvContentPartPr>
-                <p14:cNvPr id="105" name="インク 104">
-                  <a:extLst>
-                    <a:ext uri="{FF2B5EF4-FFF2-40B4-BE49-F238E27FC236}">
-                      <a16:creationId xmlns:a16="http://schemas.microsoft.com/office/drawing/2014/main" id="{79DF9B86-26BB-D3E0-6385-9B1B3AC8981F}"/>
+                <p14:cNvPr id="10" name="インク 9">
+                  <a:extLst>
+                    <a:ext uri="{FF2B5EF4-FFF2-40B4-BE49-F238E27FC236}">
+                      <a16:creationId xmlns:a16="http://schemas.microsoft.com/office/drawing/2014/main" id="{8519BACB-3D0F-7B98-94E5-1D50FAD31E45}"/>
                     </a:ext>
                   </a:extLst>
                 </p14:cNvPr>
@@ -23657,18 +23977,18 @@
                 <p14:nvPr/>
               </p14:nvContentPartPr>
               <p14:xfrm>
-                <a:off x="2662380" y="2407042"/>
-                <a:ext cx="307440" cy="128160"/>
+                <a:off x="994130" y="3396971"/>
+                <a:ext cx="33840" cy="23760"/>
               </p14:xfrm>
             </p:contentPart>
           </mc:Choice>
           <mc:Fallback>
             <p:pic>
               <p:nvPicPr>
-                <p:cNvPr id="105" name="インク 104">
-                  <a:extLst>
-                    <a:ext uri="{FF2B5EF4-FFF2-40B4-BE49-F238E27FC236}">
-                      <a16:creationId xmlns:a16="http://schemas.microsoft.com/office/drawing/2014/main" id="{79DF9B86-26BB-D3E0-6385-9B1B3AC8981F}"/>
+                <p:cNvPr id="10" name="インク 9">
+                  <a:extLst>
+                    <a:ext uri="{FF2B5EF4-FFF2-40B4-BE49-F238E27FC236}">
+                      <a16:creationId xmlns:a16="http://schemas.microsoft.com/office/drawing/2014/main" id="{8519BACB-3D0F-7B98-94E5-1D50FAD31E45}"/>
                     </a:ext>
                   </a:extLst>
                 </p:cNvPr>
@@ -23676,15 +23996,15 @@
                 <p:nvPr/>
               </p:nvPicPr>
               <p:blipFill>
-                <a:blip r:embed="rId467"/>
+                <a:blip r:embed="rId470"/>
                 <a:stretch>
                   <a:fillRect/>
                 </a:stretch>
               </p:blipFill>
               <p:spPr>
                 <a:xfrm>
-                  <a:off x="2626380" y="2371402"/>
-                  <a:ext cx="379080" cy="199800"/>
+                  <a:off x="958130" y="3360971"/>
+                  <a:ext cx="105480" cy="95400"/>
                 </a:xfrm>
                 <a:prstGeom prst="rect">
                   <a:avLst/>
@@ -23695,12 +24015,12 @@
         </mc:AlternateContent>
         <mc:AlternateContent xmlns:mc="http://schemas.openxmlformats.org/markup-compatibility/2006">
           <mc:Choice xmlns:p14="http://schemas.microsoft.com/office/powerpoint/2010/main" Requires="p14">
-            <p:contentPart p14:bwMode="auto" r:id="rId468">
+            <p:contentPart p14:bwMode="auto" r:id="rId471">
               <p14:nvContentPartPr>
-                <p14:cNvPr id="106" name="インク 105">
-                  <a:extLst>
-                    <a:ext uri="{FF2B5EF4-FFF2-40B4-BE49-F238E27FC236}">
-                      <a16:creationId xmlns:a16="http://schemas.microsoft.com/office/drawing/2014/main" id="{48C90A4D-2566-C025-7FDB-8AF065B0B712}"/>
+                <p14:cNvPr id="12" name="インク 11">
+                  <a:extLst>
+                    <a:ext uri="{FF2B5EF4-FFF2-40B4-BE49-F238E27FC236}">
+                      <a16:creationId xmlns:a16="http://schemas.microsoft.com/office/drawing/2014/main" id="{47A710E4-5298-F282-DF0D-CB173BC51C22}"/>
                     </a:ext>
                   </a:extLst>
                 </p14:cNvPr>
@@ -23708,18 +24028,18 @@
                 <p14:nvPr/>
               </p14:nvContentPartPr>
               <p14:xfrm>
-                <a:off x="3040020" y="2258722"/>
-                <a:ext cx="125280" cy="294120"/>
+                <a:off x="1066490" y="3337211"/>
+                <a:ext cx="241200" cy="264960"/>
               </p14:xfrm>
             </p:contentPart>
           </mc:Choice>
           <mc:Fallback>
             <p:pic>
               <p:nvPicPr>
-                <p:cNvPr id="106" name="インク 105">
-                  <a:extLst>
-                    <a:ext uri="{FF2B5EF4-FFF2-40B4-BE49-F238E27FC236}">
-                      <a16:creationId xmlns:a16="http://schemas.microsoft.com/office/drawing/2014/main" id="{48C90A4D-2566-C025-7FDB-8AF065B0B712}"/>
+                <p:cNvPr id="12" name="インク 11">
+                  <a:extLst>
+                    <a:ext uri="{FF2B5EF4-FFF2-40B4-BE49-F238E27FC236}">
+                      <a16:creationId xmlns:a16="http://schemas.microsoft.com/office/drawing/2014/main" id="{47A710E4-5298-F282-DF0D-CB173BC51C22}"/>
                     </a:ext>
                   </a:extLst>
                 </p:cNvPr>
@@ -23727,15 +24047,342 @@
                 <p:nvPr/>
               </p:nvPicPr>
               <p:blipFill>
-                <a:blip r:embed="rId469"/>
+                <a:blip r:embed="rId472"/>
                 <a:stretch>
                   <a:fillRect/>
                 </a:stretch>
               </p:blipFill>
               <p:spPr>
                 <a:xfrm>
-                  <a:off x="3004020" y="2222722"/>
-                  <a:ext cx="196920" cy="365760"/>
+                  <a:off x="1030850" y="3301211"/>
+                  <a:ext cx="312840" cy="336600"/>
+                </a:xfrm>
+                <a:prstGeom prst="rect">
+                  <a:avLst/>
+                </a:prstGeom>
+              </p:spPr>
+            </p:pic>
+          </mc:Fallback>
+        </mc:AlternateContent>
+        <mc:AlternateContent xmlns:mc="http://schemas.openxmlformats.org/markup-compatibility/2006">
+          <mc:Choice xmlns:p14="http://schemas.microsoft.com/office/powerpoint/2010/main" Requires="p14">
+            <p:contentPart p14:bwMode="auto" r:id="rId473">
+              <p14:nvContentPartPr>
+                <p14:cNvPr id="13" name="インク 12">
+                  <a:extLst>
+                    <a:ext uri="{FF2B5EF4-FFF2-40B4-BE49-F238E27FC236}">
+                      <a16:creationId xmlns:a16="http://schemas.microsoft.com/office/drawing/2014/main" id="{E4D72389-C6B3-8A8C-AA53-6486128204B0}"/>
+                    </a:ext>
+                  </a:extLst>
+                </p14:cNvPr>
+                <p14:cNvContentPartPr/>
+                <p14:nvPr/>
+              </p14:nvContentPartPr>
+              <p14:xfrm>
+                <a:off x="1385450" y="3324971"/>
+                <a:ext cx="162720" cy="209880"/>
+              </p14:xfrm>
+            </p:contentPart>
+          </mc:Choice>
+          <mc:Fallback>
+            <p:pic>
+              <p:nvPicPr>
+                <p:cNvPr id="13" name="インク 12">
+                  <a:extLst>
+                    <a:ext uri="{FF2B5EF4-FFF2-40B4-BE49-F238E27FC236}">
+                      <a16:creationId xmlns:a16="http://schemas.microsoft.com/office/drawing/2014/main" id="{E4D72389-C6B3-8A8C-AA53-6486128204B0}"/>
+                    </a:ext>
+                  </a:extLst>
+                </p:cNvPr>
+                <p:cNvPicPr/>
+                <p:nvPr/>
+              </p:nvPicPr>
+              <p:blipFill>
+                <a:blip r:embed="rId474"/>
+                <a:stretch>
+                  <a:fillRect/>
+                </a:stretch>
+              </p:blipFill>
+              <p:spPr>
+                <a:xfrm>
+                  <a:off x="1349810" y="3289331"/>
+                  <a:ext cx="234360" cy="281520"/>
+                </a:xfrm>
+                <a:prstGeom prst="rect">
+                  <a:avLst/>
+                </a:prstGeom>
+              </p:spPr>
+            </p:pic>
+          </mc:Fallback>
+        </mc:AlternateContent>
+        <mc:AlternateContent xmlns:mc="http://schemas.openxmlformats.org/markup-compatibility/2006">
+          <mc:Choice xmlns:p14="http://schemas.microsoft.com/office/powerpoint/2010/main" Requires="p14">
+            <p:contentPart p14:bwMode="auto" r:id="rId475">
+              <p14:nvContentPartPr>
+                <p14:cNvPr id="18" name="インク 17">
+                  <a:extLst>
+                    <a:ext uri="{FF2B5EF4-FFF2-40B4-BE49-F238E27FC236}">
+                      <a16:creationId xmlns:a16="http://schemas.microsoft.com/office/drawing/2014/main" id="{BB29079B-2AD9-2936-CC5D-6720B27369D2}"/>
+                    </a:ext>
+                  </a:extLst>
+                </p14:cNvPr>
+                <p14:cNvContentPartPr/>
+                <p14:nvPr/>
+              </p14:nvContentPartPr>
+              <p14:xfrm>
+                <a:off x="1620170" y="3304811"/>
+                <a:ext cx="93240" cy="174960"/>
+              </p14:xfrm>
+            </p:contentPart>
+          </mc:Choice>
+          <mc:Fallback>
+            <p:pic>
+              <p:nvPicPr>
+                <p:cNvPr id="18" name="インク 17">
+                  <a:extLst>
+                    <a:ext uri="{FF2B5EF4-FFF2-40B4-BE49-F238E27FC236}">
+                      <a16:creationId xmlns:a16="http://schemas.microsoft.com/office/drawing/2014/main" id="{BB29079B-2AD9-2936-CC5D-6720B27369D2}"/>
+                    </a:ext>
+                  </a:extLst>
+                </p:cNvPr>
+                <p:cNvPicPr/>
+                <p:nvPr/>
+              </p:nvPicPr>
+              <p:blipFill>
+                <a:blip r:embed="rId476"/>
+                <a:stretch>
+                  <a:fillRect/>
+                </a:stretch>
+              </p:blipFill>
+              <p:spPr>
+                <a:xfrm>
+                  <a:off x="1584170" y="3269171"/>
+                  <a:ext cx="164880" cy="246600"/>
+                </a:xfrm>
+                <a:prstGeom prst="rect">
+                  <a:avLst/>
+                </a:prstGeom>
+              </p:spPr>
+            </p:pic>
+          </mc:Fallback>
+        </mc:AlternateContent>
+        <mc:AlternateContent xmlns:mc="http://schemas.openxmlformats.org/markup-compatibility/2006">
+          <mc:Choice xmlns:p14="http://schemas.microsoft.com/office/powerpoint/2010/main" Requires="p14">
+            <p:contentPart p14:bwMode="auto" r:id="rId477">
+              <p14:nvContentPartPr>
+                <p14:cNvPr id="23" name="インク 22">
+                  <a:extLst>
+                    <a:ext uri="{FF2B5EF4-FFF2-40B4-BE49-F238E27FC236}">
+                      <a16:creationId xmlns:a16="http://schemas.microsoft.com/office/drawing/2014/main" id="{186970CD-6A7F-5D9E-949F-C07EDA4C8432}"/>
+                    </a:ext>
+                  </a:extLst>
+                </p14:cNvPr>
+                <p14:cNvContentPartPr/>
+                <p14:nvPr/>
+              </p14:nvContentPartPr>
+              <p14:xfrm>
+                <a:off x="1793330" y="3179171"/>
+                <a:ext cx="221400" cy="92160"/>
+              </p14:xfrm>
+            </p:contentPart>
+          </mc:Choice>
+          <mc:Fallback>
+            <p:pic>
+              <p:nvPicPr>
+                <p:cNvPr id="23" name="インク 22">
+                  <a:extLst>
+                    <a:ext uri="{FF2B5EF4-FFF2-40B4-BE49-F238E27FC236}">
+                      <a16:creationId xmlns:a16="http://schemas.microsoft.com/office/drawing/2014/main" id="{186970CD-6A7F-5D9E-949F-C07EDA4C8432}"/>
+                    </a:ext>
+                  </a:extLst>
+                </p:cNvPr>
+                <p:cNvPicPr/>
+                <p:nvPr/>
+              </p:nvPicPr>
+              <p:blipFill>
+                <a:blip r:embed="rId478"/>
+                <a:stretch>
+                  <a:fillRect/>
+                </a:stretch>
+              </p:blipFill>
+              <p:spPr>
+                <a:xfrm>
+                  <a:off x="1757690" y="3143171"/>
+                  <a:ext cx="293040" cy="163800"/>
+                </a:xfrm>
+                <a:prstGeom prst="rect">
+                  <a:avLst/>
+                </a:prstGeom>
+              </p:spPr>
+            </p:pic>
+          </mc:Fallback>
+        </mc:AlternateContent>
+        <mc:AlternateContent xmlns:mc="http://schemas.openxmlformats.org/markup-compatibility/2006">
+          <mc:Choice xmlns:p14="http://schemas.microsoft.com/office/powerpoint/2010/main" Requires="p14">
+            <p:contentPart p14:bwMode="auto" r:id="rId479">
+              <p14:nvContentPartPr>
+                <p14:cNvPr id="34" name="インク 33">
+                  <a:extLst>
+                    <a:ext uri="{FF2B5EF4-FFF2-40B4-BE49-F238E27FC236}">
+                      <a16:creationId xmlns:a16="http://schemas.microsoft.com/office/drawing/2014/main" id="{2EA540F5-0A69-3DE1-DBCF-5384C3FEA7FD}"/>
+                    </a:ext>
+                  </a:extLst>
+                </p14:cNvPr>
+                <p14:cNvContentPartPr/>
+                <p14:nvPr/>
+              </p14:nvContentPartPr>
+              <p14:xfrm>
+                <a:off x="1927250" y="3173771"/>
+                <a:ext cx="137880" cy="330120"/>
+              </p14:xfrm>
+            </p:contentPart>
+          </mc:Choice>
+          <mc:Fallback>
+            <p:pic>
+              <p:nvPicPr>
+                <p:cNvPr id="34" name="インク 33">
+                  <a:extLst>
+                    <a:ext uri="{FF2B5EF4-FFF2-40B4-BE49-F238E27FC236}">
+                      <a16:creationId xmlns:a16="http://schemas.microsoft.com/office/drawing/2014/main" id="{2EA540F5-0A69-3DE1-DBCF-5384C3FEA7FD}"/>
+                    </a:ext>
+                  </a:extLst>
+                </p:cNvPr>
+                <p:cNvPicPr/>
+                <p:nvPr/>
+              </p:nvPicPr>
+              <p:blipFill>
+                <a:blip r:embed="rId480"/>
+                <a:stretch>
+                  <a:fillRect/>
+                </a:stretch>
+              </p:blipFill>
+              <p:spPr>
+                <a:xfrm>
+                  <a:off x="1891250" y="3137771"/>
+                  <a:ext cx="209520" cy="401760"/>
+                </a:xfrm>
+                <a:prstGeom prst="rect">
+                  <a:avLst/>
+                </a:prstGeom>
+              </p:spPr>
+            </p:pic>
+          </mc:Fallback>
+        </mc:AlternateContent>
+      </p:grpSp>
+      <p:grpSp>
+        <p:nvGrpSpPr>
+          <p:cNvPr id="87" name="グループ化 86">
+            <a:extLst>
+              <a:ext uri="{FF2B5EF4-FFF2-40B4-BE49-F238E27FC236}">
+                <a16:creationId xmlns:a16="http://schemas.microsoft.com/office/drawing/2014/main" id="{2A392C75-467B-26F5-1544-1CBC57F9D6D3}"/>
+              </a:ext>
+            </a:extLst>
+          </p:cNvPr>
+          <p:cNvGrpSpPr/>
+          <p:nvPr/>
+        </p:nvGrpSpPr>
+        <p:grpSpPr>
+          <a:xfrm>
+            <a:off x="281330" y="3523331"/>
+            <a:ext cx="365760" cy="275040"/>
+            <a:chOff x="281330" y="3523331"/>
+            <a:chExt cx="365760" cy="275040"/>
+          </a:xfrm>
+        </p:grpSpPr>
+        <mc:AlternateContent xmlns:mc="http://schemas.openxmlformats.org/markup-compatibility/2006">
+          <mc:Choice xmlns:p14="http://schemas.microsoft.com/office/powerpoint/2010/main" Requires="p14">
+            <p:contentPart p14:bwMode="auto" r:id="rId481">
+              <p14:nvContentPartPr>
+                <p14:cNvPr id="54" name="インク 53">
+                  <a:extLst>
+                    <a:ext uri="{FF2B5EF4-FFF2-40B4-BE49-F238E27FC236}">
+                      <a16:creationId xmlns:a16="http://schemas.microsoft.com/office/drawing/2014/main" id="{F9EE7D84-20A4-E85E-3717-4D3C90055707}"/>
+                    </a:ext>
+                  </a:extLst>
+                </p14:cNvPr>
+                <p14:cNvContentPartPr/>
+                <p14:nvPr/>
+              </p14:nvContentPartPr>
+              <p14:xfrm>
+                <a:off x="281330" y="3598211"/>
+                <a:ext cx="162720" cy="200160"/>
+              </p14:xfrm>
+            </p:contentPart>
+          </mc:Choice>
+          <mc:Fallback>
+            <p:pic>
+              <p:nvPicPr>
+                <p:cNvPr id="54" name="インク 53">
+                  <a:extLst>
+                    <a:ext uri="{FF2B5EF4-FFF2-40B4-BE49-F238E27FC236}">
+                      <a16:creationId xmlns:a16="http://schemas.microsoft.com/office/drawing/2014/main" id="{F9EE7D84-20A4-E85E-3717-4D3C90055707}"/>
+                    </a:ext>
+                  </a:extLst>
+                </p:cNvPr>
+                <p:cNvPicPr/>
+                <p:nvPr/>
+              </p:nvPicPr>
+              <p:blipFill>
+                <a:blip r:embed="rId482"/>
+                <a:stretch>
+                  <a:fillRect/>
+                </a:stretch>
+              </p:blipFill>
+              <p:spPr>
+                <a:xfrm>
+                  <a:off x="245690" y="3562571"/>
+                  <a:ext cx="234360" cy="271800"/>
+                </a:xfrm>
+                <a:prstGeom prst="rect">
+                  <a:avLst/>
+                </a:prstGeom>
+              </p:spPr>
+            </p:pic>
+          </mc:Fallback>
+        </mc:AlternateContent>
+        <mc:AlternateContent xmlns:mc="http://schemas.openxmlformats.org/markup-compatibility/2006">
+          <mc:Choice xmlns:p14="http://schemas.microsoft.com/office/powerpoint/2010/main" Requires="p14">
+            <p:contentPart p14:bwMode="auto" r:id="rId483">
+              <p14:nvContentPartPr>
+                <p14:cNvPr id="62" name="インク 61">
+                  <a:extLst>
+                    <a:ext uri="{FF2B5EF4-FFF2-40B4-BE49-F238E27FC236}">
+                      <a16:creationId xmlns:a16="http://schemas.microsoft.com/office/drawing/2014/main" id="{F76C1A20-E9C5-FDA4-D30C-C10528254EEA}"/>
+                    </a:ext>
+                  </a:extLst>
+                </p14:cNvPr>
+                <p14:cNvContentPartPr/>
+                <p14:nvPr/>
+              </p14:nvContentPartPr>
+              <p14:xfrm>
+                <a:off x="496250" y="3523331"/>
+                <a:ext cx="150840" cy="190800"/>
+              </p14:xfrm>
+            </p:contentPart>
+          </mc:Choice>
+          <mc:Fallback>
+            <p:pic>
+              <p:nvPicPr>
+                <p:cNvPr id="62" name="インク 61">
+                  <a:extLst>
+                    <a:ext uri="{FF2B5EF4-FFF2-40B4-BE49-F238E27FC236}">
+                      <a16:creationId xmlns:a16="http://schemas.microsoft.com/office/drawing/2014/main" id="{F76C1A20-E9C5-FDA4-D30C-C10528254EEA}"/>
+                    </a:ext>
+                  </a:extLst>
+                </p:cNvPr>
+                <p:cNvPicPr/>
+                <p:nvPr/>
+              </p:nvPicPr>
+              <p:blipFill>
+                <a:blip r:embed="rId484"/>
+                <a:stretch>
+                  <a:fillRect/>
+                </a:stretch>
+              </p:blipFill>
+              <p:spPr>
+                <a:xfrm>
+                  <a:off x="460250" y="3487691"/>
+                  <a:ext cx="222480" cy="262440"/>
                 </a:xfrm>
                 <a:prstGeom prst="rect">
                   <a:avLst/>
